--- a/CSE110Wk02InputOutput.pptx
+++ b/CSE110Wk02InputOutput.pptx
@@ -5,11 +5,11 @@
     <p:sldMasterId id="2147483660" r:id="rId1"/>
   </p:sldMasterIdLst>
   <p:notesMasterIdLst>
-    <p:notesMasterId r:id="rId22"/>
+    <p:notesMasterId r:id="rId21"/>
   </p:notesMasterIdLst>
   <p:sldIdLst>
     <p:sldId id="257" r:id="rId2"/>
-    <p:sldId id="256" r:id="rId3"/>
+    <p:sldId id="482" r:id="rId3"/>
     <p:sldId id="258" r:id="rId4"/>
     <p:sldId id="472" r:id="rId5"/>
     <p:sldId id="264" r:id="rId6"/>
@@ -19,15 +19,14 @@
     <p:sldId id="474" r:id="rId10"/>
     <p:sldId id="263" r:id="rId11"/>
     <p:sldId id="470" r:id="rId12"/>
-    <p:sldId id="475" r:id="rId13"/>
-    <p:sldId id="477" r:id="rId14"/>
-    <p:sldId id="476" r:id="rId15"/>
-    <p:sldId id="478" r:id="rId16"/>
-    <p:sldId id="260" r:id="rId17"/>
-    <p:sldId id="479" r:id="rId18"/>
-    <p:sldId id="480" r:id="rId19"/>
-    <p:sldId id="471" r:id="rId20"/>
-    <p:sldId id="481" r:id="rId21"/>
+    <p:sldId id="483" r:id="rId13"/>
+    <p:sldId id="475" r:id="rId14"/>
+    <p:sldId id="478" r:id="rId15"/>
+    <p:sldId id="260" r:id="rId16"/>
+    <p:sldId id="479" r:id="rId17"/>
+    <p:sldId id="480" r:id="rId18"/>
+    <p:sldId id="471" r:id="rId19"/>
+    <p:sldId id="481" r:id="rId20"/>
   </p:sldIdLst>
   <p:sldSz cx="12192000" cy="6858000"/>
   <p:notesSz cx="6858000" cy="9144000"/>
@@ -137,7 +136,7 @@
 <file path=ppt/revisionInfo.xml><?xml version="1.0" encoding="utf-8"?>
 <p1510:revInfo xmlns:a="http://schemas.openxmlformats.org/drawingml/2006/main" xmlns:r="http://schemas.openxmlformats.org/officeDocument/2006/relationships" xmlns:p1510="http://schemas.microsoft.com/office/powerpoint/2015/10/main">
   <p1510:revLst>
-    <p1510:client id="{93E811AB-FBB6-4F44-8524-A5D6868BB124}" v="72" dt="2024-04-29T15:40:57.890"/>
+    <p1510:client id="{93E811AB-FBB6-4F44-8524-A5D6868BB124}" v="419" dt="2024-05-01T15:13:08.682"/>
   </p1510:revLst>
 </p1510:revInfo>
 </file>
@@ -147,10 +146,32 @@
   <pc:docChgLst>
     <pc:chgData name="Clements, William" userId="cbdb0636-a496-422a-8d40-98c53d494d26" providerId="ADAL" clId="{93E811AB-FBB6-4F44-8524-A5D6868BB124}"/>
     <pc:docChg chg="undo custSel addSld delSld modSld sldOrd">
-      <pc:chgData name="Clements, William" userId="cbdb0636-a496-422a-8d40-98c53d494d26" providerId="ADAL" clId="{93E811AB-FBB6-4F44-8524-A5D6868BB124}" dt="2024-04-29T15:41:02.362" v="1087" actId="20577"/>
+      <pc:chgData name="Clements, William" userId="cbdb0636-a496-422a-8d40-98c53d494d26" providerId="ADAL" clId="{93E811AB-FBB6-4F44-8524-A5D6868BB124}" dt="2024-05-01T15:13:44.665" v="1970" actId="2696"/>
       <pc:docMkLst>
         <pc:docMk/>
       </pc:docMkLst>
+      <pc:sldChg chg="del">
+        <pc:chgData name="Clements, William" userId="cbdb0636-a496-422a-8d40-98c53d494d26" providerId="ADAL" clId="{93E811AB-FBB6-4F44-8524-A5D6868BB124}" dt="2024-05-01T14:46:08.015" v="1088" actId="2696"/>
+        <pc:sldMkLst>
+          <pc:docMk/>
+          <pc:sldMk cId="1912232564" sldId="256"/>
+        </pc:sldMkLst>
+      </pc:sldChg>
+      <pc:sldChg chg="addSp delSp mod">
+        <pc:chgData name="Clements, William" userId="cbdb0636-a496-422a-8d40-98c53d494d26" providerId="ADAL" clId="{93E811AB-FBB6-4F44-8524-A5D6868BB124}" dt="2024-05-01T14:47:02.864" v="1091" actId="21"/>
+        <pc:sldMkLst>
+          <pc:docMk/>
+          <pc:sldMk cId="1543431509" sldId="257"/>
+        </pc:sldMkLst>
+        <pc:picChg chg="add del">
+          <ac:chgData name="Clements, William" userId="cbdb0636-a496-422a-8d40-98c53d494d26" providerId="ADAL" clId="{93E811AB-FBB6-4F44-8524-A5D6868BB124}" dt="2024-05-01T14:47:02.864" v="1091" actId="21"/>
+          <ac:picMkLst>
+            <pc:docMk/>
+            <pc:sldMk cId="1543431509" sldId="257"/>
+            <ac:picMk id="4" creationId="{6E764C35-0397-9062-BB9F-B575C94FB114}"/>
+          </ac:picMkLst>
+        </pc:picChg>
+      </pc:sldChg>
       <pc:sldChg chg="modSp mod chgLayout">
         <pc:chgData name="Clements, William" userId="cbdb0636-a496-422a-8d40-98c53d494d26" providerId="ADAL" clId="{93E811AB-FBB6-4F44-8524-A5D6868BB124}" dt="2024-04-29T15:16:34.580" v="373" actId="21"/>
         <pc:sldMkLst>
@@ -235,7 +256,7 @@
         </pc:picChg>
       </pc:sldChg>
       <pc:sldChg chg="addSp delSp modSp add mod addAnim delAnim modAnim">
-        <pc:chgData name="Clements, William" userId="cbdb0636-a496-422a-8d40-98c53d494d26" providerId="ADAL" clId="{93E811AB-FBB6-4F44-8524-A5D6868BB124}" dt="2024-04-29T15:25:44.683" v="486" actId="478"/>
+        <pc:chgData name="Clements, William" userId="cbdb0636-a496-422a-8d40-98c53d494d26" providerId="ADAL" clId="{93E811AB-FBB6-4F44-8524-A5D6868BB124}" dt="2024-05-01T15:13:21.266" v="1969" actId="1076"/>
         <pc:sldMkLst>
           <pc:docMk/>
           <pc:sldMk cId="891282451" sldId="470"/>
@@ -257,7 +278,7 @@
           </ac:spMkLst>
         </pc:spChg>
         <pc:spChg chg="add del mod">
-          <ac:chgData name="Clements, William" userId="cbdb0636-a496-422a-8d40-98c53d494d26" providerId="ADAL" clId="{93E811AB-FBB6-4F44-8524-A5D6868BB124}" dt="2024-04-29T15:25:44.683" v="486" actId="478"/>
+          <ac:chgData name="Clements, William" userId="cbdb0636-a496-422a-8d40-98c53d494d26" providerId="ADAL" clId="{93E811AB-FBB6-4F44-8524-A5D6868BB124}" dt="2024-05-01T15:13:12.807" v="1968" actId="1076"/>
           <ac:spMkLst>
             <pc:docMk/>
             <pc:sldMk cId="891282451" sldId="470"/>
@@ -280,6 +301,14 @@
             <ac:picMk id="3" creationId="{FE35B2B1-C2EB-2FF4-8D9B-7762C9C2B28C}"/>
           </ac:picMkLst>
         </pc:picChg>
+        <pc:picChg chg="add mod">
+          <ac:chgData name="Clements, William" userId="cbdb0636-a496-422a-8d40-98c53d494d26" providerId="ADAL" clId="{93E811AB-FBB6-4F44-8524-A5D6868BB124}" dt="2024-05-01T15:13:21.266" v="1969" actId="1076"/>
+          <ac:picMkLst>
+            <pc:docMk/>
+            <pc:sldMk cId="891282451" sldId="470"/>
+            <ac:picMk id="4" creationId="{BE336C48-28BA-4E68-22C1-2AEF951A261F}"/>
+          </ac:picMkLst>
+        </pc:picChg>
         <pc:picChg chg="del">
           <ac:chgData name="Clements, William" userId="cbdb0636-a496-422a-8d40-98c53d494d26" providerId="ADAL" clId="{93E811AB-FBB6-4F44-8524-A5D6868BB124}" dt="2024-04-24T15:12:46.580" v="356" actId="478"/>
           <ac:picMkLst>
@@ -296,9 +325,25 @@
             <ac:picMk id="17" creationId="{74A1D856-659B-2723-DC22-B12761D5C673}"/>
           </ac:picMkLst>
         </pc:picChg>
+        <pc:picChg chg="add mod">
+          <ac:chgData name="Clements, William" userId="cbdb0636-a496-422a-8d40-98c53d494d26" providerId="ADAL" clId="{93E811AB-FBB6-4F44-8524-A5D6868BB124}" dt="2024-05-01T15:13:08.681" v="1967"/>
+          <ac:picMkLst>
+            <pc:docMk/>
+            <pc:sldMk cId="891282451" sldId="470"/>
+            <ac:picMk id="17" creationId="{86B98ACD-8149-E942-EB93-871F63D905B0}"/>
+          </ac:picMkLst>
+        </pc:picChg>
+        <pc:picChg chg="add mod">
+          <ac:chgData name="Clements, William" userId="cbdb0636-a496-422a-8d40-98c53d494d26" providerId="ADAL" clId="{93E811AB-FBB6-4F44-8524-A5D6868BB124}" dt="2024-05-01T15:13:08.681" v="1967"/>
+          <ac:picMkLst>
+            <pc:docMk/>
+            <pc:sldMk cId="891282451" sldId="470"/>
+            <ac:picMk id="18" creationId="{E329E81F-C9D8-EAA1-3F15-499FA4E9BE72}"/>
+          </ac:picMkLst>
+        </pc:picChg>
       </pc:sldChg>
       <pc:sldChg chg="addSp delSp modSp add mod modAnim">
-        <pc:chgData name="Clements, William" userId="cbdb0636-a496-422a-8d40-98c53d494d26" providerId="ADAL" clId="{93E811AB-FBB6-4F44-8524-A5D6868BB124}" dt="2024-04-29T15:41:02.362" v="1087" actId="20577"/>
+        <pc:chgData name="Clements, William" userId="cbdb0636-a496-422a-8d40-98c53d494d26" providerId="ADAL" clId="{93E811AB-FBB6-4F44-8524-A5D6868BB124}" dt="2024-05-01T15:00:22.007" v="1550" actId="1076"/>
         <pc:sldMkLst>
           <pc:docMk/>
           <pc:sldMk cId="445305126" sldId="471"/>
@@ -341,6 +386,30 @@
             <pc:docMk/>
             <pc:sldMk cId="445305126" sldId="471"/>
             <ac:spMk id="18" creationId="{24A0DC14-41F4-51DD-B1F9-A162C45A0C39}"/>
+          </ac:spMkLst>
+        </pc:spChg>
+        <pc:spChg chg="add mod">
+          <ac:chgData name="Clements, William" userId="cbdb0636-a496-422a-8d40-98c53d494d26" providerId="ADAL" clId="{93E811AB-FBB6-4F44-8524-A5D6868BB124}" dt="2024-05-01T15:00:22.007" v="1550" actId="1076"/>
+          <ac:spMkLst>
+            <pc:docMk/>
+            <pc:sldMk cId="445305126" sldId="471"/>
+            <ac:spMk id="19" creationId="{34E0F77E-6E3F-1FAD-A290-DD8AA0F43546}"/>
+          </ac:spMkLst>
+        </pc:spChg>
+        <pc:spChg chg="add mod">
+          <ac:chgData name="Clements, William" userId="cbdb0636-a496-422a-8d40-98c53d494d26" providerId="ADAL" clId="{93E811AB-FBB6-4F44-8524-A5D6868BB124}" dt="2024-05-01T15:00:09.719" v="1548" actId="1076"/>
+          <ac:spMkLst>
+            <pc:docMk/>
+            <pc:sldMk cId="445305126" sldId="471"/>
+            <ac:spMk id="20" creationId="{AB6797C0-D974-BA10-4BE1-2A4637AFAC7A}"/>
+          </ac:spMkLst>
+        </pc:spChg>
+        <pc:spChg chg="add mod">
+          <ac:chgData name="Clements, William" userId="cbdb0636-a496-422a-8d40-98c53d494d26" providerId="ADAL" clId="{93E811AB-FBB6-4F44-8524-A5D6868BB124}" dt="2024-05-01T15:00:12.595" v="1549" actId="13822"/>
+          <ac:spMkLst>
+            <pc:docMk/>
+            <pc:sldMk cId="445305126" sldId="471"/>
+            <ac:spMk id="21" creationId="{FB626F56-D1A9-FC61-4168-D1C6DBCE5418}"/>
           </ac:spMkLst>
         </pc:spChg>
         <pc:picChg chg="add mod">
@@ -533,11 +602,19 @@
         </pc:picChg>
       </pc:sldChg>
       <pc:sldChg chg="addSp delSp modSp add mod modAnim">
-        <pc:chgData name="Clements, William" userId="cbdb0636-a496-422a-8d40-98c53d494d26" providerId="ADAL" clId="{93E811AB-FBB6-4F44-8524-A5D6868BB124}" dt="2024-04-29T15:27:08.863" v="498" actId="1076"/>
+        <pc:chgData name="Clements, William" userId="cbdb0636-a496-422a-8d40-98c53d494d26" providerId="ADAL" clId="{93E811AB-FBB6-4F44-8524-A5D6868BB124}" dt="2024-05-01T15:12:39.312" v="1965"/>
         <pc:sldMkLst>
           <pc:docMk/>
           <pc:sldMk cId="2598579925" sldId="475"/>
         </pc:sldMkLst>
+        <pc:spChg chg="add mod">
+          <ac:chgData name="Clements, William" userId="cbdb0636-a496-422a-8d40-98c53d494d26" providerId="ADAL" clId="{93E811AB-FBB6-4F44-8524-A5D6868BB124}" dt="2024-05-01T15:12:26.561" v="1960" actId="164"/>
+          <ac:spMkLst>
+            <pc:docMk/>
+            <pc:sldMk cId="2598579925" sldId="475"/>
+            <ac:spMk id="16" creationId="{01B0D058-BE38-1B5C-D802-0F7327F74A45}"/>
+          </ac:spMkLst>
+        </pc:spChg>
         <pc:spChg chg="del">
           <ac:chgData name="Clements, William" userId="cbdb0636-a496-422a-8d40-98c53d494d26" providerId="ADAL" clId="{93E811AB-FBB6-4F44-8524-A5D6868BB124}" dt="2024-04-29T15:25:48.531" v="487" actId="478"/>
           <ac:spMkLst>
@@ -546,6 +623,134 @@
             <ac:spMk id="16" creationId="{CCBC5AF1-D84A-966A-44FD-172B4C8488B6}"/>
           </ac:spMkLst>
         </pc:spChg>
+        <pc:spChg chg="add mod">
+          <ac:chgData name="Clements, William" userId="cbdb0636-a496-422a-8d40-98c53d494d26" providerId="ADAL" clId="{93E811AB-FBB6-4F44-8524-A5D6868BB124}" dt="2024-05-01T15:12:26.561" v="1960" actId="164"/>
+          <ac:spMkLst>
+            <pc:docMk/>
+            <pc:sldMk cId="2598579925" sldId="475"/>
+            <ac:spMk id="18" creationId="{E80D8459-87DC-B90E-9A93-6F2B64051D7A}"/>
+          </ac:spMkLst>
+        </pc:spChg>
+        <pc:spChg chg="add mod">
+          <ac:chgData name="Clements, William" userId="cbdb0636-a496-422a-8d40-98c53d494d26" providerId="ADAL" clId="{93E811AB-FBB6-4F44-8524-A5D6868BB124}" dt="2024-05-01T15:06:00.954" v="1635" actId="6549"/>
+          <ac:spMkLst>
+            <pc:docMk/>
+            <pc:sldMk cId="2598579925" sldId="475"/>
+            <ac:spMk id="19" creationId="{6567DBCA-F8A3-9624-18BA-EF5F3C6ADE1F}"/>
+          </ac:spMkLst>
+        </pc:spChg>
+        <pc:spChg chg="add mod">
+          <ac:chgData name="Clements, William" userId="cbdb0636-a496-422a-8d40-98c53d494d26" providerId="ADAL" clId="{93E811AB-FBB6-4F44-8524-A5D6868BB124}" dt="2024-05-01T15:06:40.274" v="1686" actId="20577"/>
+          <ac:spMkLst>
+            <pc:docMk/>
+            <pc:sldMk cId="2598579925" sldId="475"/>
+            <ac:spMk id="20" creationId="{6ED40187-A1A1-BD52-74A6-460375B21975}"/>
+          </ac:spMkLst>
+        </pc:spChg>
+        <pc:spChg chg="add mod">
+          <ac:chgData name="Clements, William" userId="cbdb0636-a496-422a-8d40-98c53d494d26" providerId="ADAL" clId="{93E811AB-FBB6-4F44-8524-A5D6868BB124}" dt="2024-05-01T15:10:01.706" v="1869" actId="207"/>
+          <ac:spMkLst>
+            <pc:docMk/>
+            <pc:sldMk cId="2598579925" sldId="475"/>
+            <ac:spMk id="21" creationId="{C35A38AA-5DA3-F661-1C24-039BDD95E4C5}"/>
+          </ac:spMkLst>
+        </pc:spChg>
+        <pc:spChg chg="add mod">
+          <ac:chgData name="Clements, William" userId="cbdb0636-a496-422a-8d40-98c53d494d26" providerId="ADAL" clId="{93E811AB-FBB6-4F44-8524-A5D6868BB124}" dt="2024-05-01T15:11:12.655" v="1951" actId="164"/>
+          <ac:spMkLst>
+            <pc:docMk/>
+            <pc:sldMk cId="2598579925" sldId="475"/>
+            <ac:spMk id="22" creationId="{CE7EA8FF-6BBB-CBC9-B80A-6E05F470A82B}"/>
+          </ac:spMkLst>
+        </pc:spChg>
+        <pc:spChg chg="add mod">
+          <ac:chgData name="Clements, William" userId="cbdb0636-a496-422a-8d40-98c53d494d26" providerId="ADAL" clId="{93E811AB-FBB6-4F44-8524-A5D6868BB124}" dt="2024-05-01T15:11:12.655" v="1951" actId="164"/>
+          <ac:spMkLst>
+            <pc:docMk/>
+            <pc:sldMk cId="2598579925" sldId="475"/>
+            <ac:spMk id="23" creationId="{2FE8B523-9496-2A7E-0A63-86C3F89C923B}"/>
+          </ac:spMkLst>
+        </pc:spChg>
+        <pc:spChg chg="add mod">
+          <ac:chgData name="Clements, William" userId="cbdb0636-a496-422a-8d40-98c53d494d26" providerId="ADAL" clId="{93E811AB-FBB6-4F44-8524-A5D6868BB124}" dt="2024-05-01T15:11:12.655" v="1951" actId="164"/>
+          <ac:spMkLst>
+            <pc:docMk/>
+            <pc:sldMk cId="2598579925" sldId="475"/>
+            <ac:spMk id="24" creationId="{34DB7B59-B313-C8B0-7BCB-06E6E9A651B8}"/>
+          </ac:spMkLst>
+        </pc:spChg>
+        <pc:spChg chg="add mod">
+          <ac:chgData name="Clements, William" userId="cbdb0636-a496-422a-8d40-98c53d494d26" providerId="ADAL" clId="{93E811AB-FBB6-4F44-8524-A5D6868BB124}" dt="2024-05-01T15:11:12.655" v="1951" actId="164"/>
+          <ac:spMkLst>
+            <pc:docMk/>
+            <pc:sldMk cId="2598579925" sldId="475"/>
+            <ac:spMk id="25" creationId="{26175401-6C82-8A9F-995B-2FC5A6716EB3}"/>
+          </ac:spMkLst>
+        </pc:spChg>
+        <pc:spChg chg="add mod">
+          <ac:chgData name="Clements, William" userId="cbdb0636-a496-422a-8d40-98c53d494d26" providerId="ADAL" clId="{93E811AB-FBB6-4F44-8524-A5D6868BB124}" dt="2024-05-01T15:11:12.655" v="1951" actId="164"/>
+          <ac:spMkLst>
+            <pc:docMk/>
+            <pc:sldMk cId="2598579925" sldId="475"/>
+            <ac:spMk id="26" creationId="{3BD60186-EC4B-52BC-E3EA-FBA3FB9E14DC}"/>
+          </ac:spMkLst>
+        </pc:spChg>
+        <pc:spChg chg="add mod">
+          <ac:chgData name="Clements, William" userId="cbdb0636-a496-422a-8d40-98c53d494d26" providerId="ADAL" clId="{93E811AB-FBB6-4F44-8524-A5D6868BB124}" dt="2024-05-01T15:11:12.655" v="1951" actId="164"/>
+          <ac:spMkLst>
+            <pc:docMk/>
+            <pc:sldMk cId="2598579925" sldId="475"/>
+            <ac:spMk id="27" creationId="{1DDA98F9-C615-925C-7691-C26B400EAA27}"/>
+          </ac:spMkLst>
+        </pc:spChg>
+        <pc:spChg chg="add mod">
+          <ac:chgData name="Clements, William" userId="cbdb0636-a496-422a-8d40-98c53d494d26" providerId="ADAL" clId="{93E811AB-FBB6-4F44-8524-A5D6868BB124}" dt="2024-05-01T15:11:12.655" v="1951" actId="164"/>
+          <ac:spMkLst>
+            <pc:docMk/>
+            <pc:sldMk cId="2598579925" sldId="475"/>
+            <ac:spMk id="28" creationId="{11D4A645-B334-F4DD-BA52-0DA93CD5D275}"/>
+          </ac:spMkLst>
+        </pc:spChg>
+        <pc:spChg chg="add mod">
+          <ac:chgData name="Clements, William" userId="cbdb0636-a496-422a-8d40-98c53d494d26" providerId="ADAL" clId="{93E811AB-FBB6-4F44-8524-A5D6868BB124}" dt="2024-05-01T15:11:12.655" v="1951" actId="164"/>
+          <ac:spMkLst>
+            <pc:docMk/>
+            <pc:sldMk cId="2598579925" sldId="475"/>
+            <ac:spMk id="29" creationId="{8F02965E-1529-4C7E-5772-6923E795F324}"/>
+          </ac:spMkLst>
+        </pc:spChg>
+        <pc:spChg chg="add mod">
+          <ac:chgData name="Clements, William" userId="cbdb0636-a496-422a-8d40-98c53d494d26" providerId="ADAL" clId="{93E811AB-FBB6-4F44-8524-A5D6868BB124}" dt="2024-05-01T15:11:12.655" v="1951" actId="164"/>
+          <ac:spMkLst>
+            <pc:docMk/>
+            <pc:sldMk cId="2598579925" sldId="475"/>
+            <ac:spMk id="30" creationId="{0738E83E-614A-F85E-5BA5-63C8A24A7797}"/>
+          </ac:spMkLst>
+        </pc:spChg>
+        <pc:spChg chg="add mod">
+          <ac:chgData name="Clements, William" userId="cbdb0636-a496-422a-8d40-98c53d494d26" providerId="ADAL" clId="{93E811AB-FBB6-4F44-8524-A5D6868BB124}" dt="2024-05-01T15:11:12.655" v="1951" actId="164"/>
+          <ac:spMkLst>
+            <pc:docMk/>
+            <pc:sldMk cId="2598579925" sldId="475"/>
+            <ac:spMk id="34" creationId="{05163B54-DC18-7B81-542C-C3BC226F6444}"/>
+          </ac:spMkLst>
+        </pc:spChg>
+        <pc:grpChg chg="add mod">
+          <ac:chgData name="Clements, William" userId="cbdb0636-a496-422a-8d40-98c53d494d26" providerId="ADAL" clId="{93E811AB-FBB6-4F44-8524-A5D6868BB124}" dt="2024-05-01T15:11:12.655" v="1951" actId="164"/>
+          <ac:grpSpMkLst>
+            <pc:docMk/>
+            <pc:sldMk cId="2598579925" sldId="475"/>
+            <ac:grpSpMk id="38" creationId="{57784270-ABFF-2CEB-5E10-71A251DC551A}"/>
+          </ac:grpSpMkLst>
+        </pc:grpChg>
+        <pc:grpChg chg="add mod">
+          <ac:chgData name="Clements, William" userId="cbdb0636-a496-422a-8d40-98c53d494d26" providerId="ADAL" clId="{93E811AB-FBB6-4F44-8524-A5D6868BB124}" dt="2024-05-01T15:12:26.561" v="1960" actId="164"/>
+          <ac:grpSpMkLst>
+            <pc:docMk/>
+            <pc:sldMk cId="2598579925" sldId="475"/>
+            <ac:grpSpMk id="39" creationId="{741002CA-0B11-F510-2C7F-C4CE292CF0DF}"/>
+          </ac:grpSpMkLst>
+        </pc:grpChg>
         <pc:picChg chg="add mod">
           <ac:chgData name="Clements, William" userId="cbdb0636-a496-422a-8d40-98c53d494d26" providerId="ADAL" clId="{93E811AB-FBB6-4F44-8524-A5D6868BB124}" dt="2024-04-29T15:24:40.734" v="473" actId="14100"/>
           <ac:picMkLst>
@@ -570,9 +775,57 @@
             <ac:picMk id="17" creationId="{3F6F20D9-DCA1-2C11-C57F-1D75F59ADE9A}"/>
           </ac:picMkLst>
         </pc:picChg>
+        <pc:cxnChg chg="add mod">
+          <ac:chgData name="Clements, William" userId="cbdb0636-a496-422a-8d40-98c53d494d26" providerId="ADAL" clId="{93E811AB-FBB6-4F44-8524-A5D6868BB124}" dt="2024-05-01T15:11:12.655" v="1951" actId="164"/>
+          <ac:cxnSpMkLst>
+            <pc:docMk/>
+            <pc:sldMk cId="2598579925" sldId="475"/>
+            <ac:cxnSpMk id="31" creationId="{A0CDF407-6C9F-A06C-758A-A48D6FC86287}"/>
+          </ac:cxnSpMkLst>
+        </pc:cxnChg>
+        <pc:cxnChg chg="add mod">
+          <ac:chgData name="Clements, William" userId="cbdb0636-a496-422a-8d40-98c53d494d26" providerId="ADAL" clId="{93E811AB-FBB6-4F44-8524-A5D6868BB124}" dt="2024-05-01T15:11:12.655" v="1951" actId="164"/>
+          <ac:cxnSpMkLst>
+            <pc:docMk/>
+            <pc:sldMk cId="2598579925" sldId="475"/>
+            <ac:cxnSpMk id="32" creationId="{9A35A14F-79AC-7392-9871-8184DA3B8764}"/>
+          </ac:cxnSpMkLst>
+        </pc:cxnChg>
+        <pc:cxnChg chg="add mod">
+          <ac:chgData name="Clements, William" userId="cbdb0636-a496-422a-8d40-98c53d494d26" providerId="ADAL" clId="{93E811AB-FBB6-4F44-8524-A5D6868BB124}" dt="2024-05-01T15:11:12.655" v="1951" actId="164"/>
+          <ac:cxnSpMkLst>
+            <pc:docMk/>
+            <pc:sldMk cId="2598579925" sldId="475"/>
+            <ac:cxnSpMk id="33" creationId="{8B3AAF5C-306F-BAB6-18B5-9B158ED158E8}"/>
+          </ac:cxnSpMkLst>
+        </pc:cxnChg>
+        <pc:cxnChg chg="add mod">
+          <ac:chgData name="Clements, William" userId="cbdb0636-a496-422a-8d40-98c53d494d26" providerId="ADAL" clId="{93E811AB-FBB6-4F44-8524-A5D6868BB124}" dt="2024-05-01T15:11:12.655" v="1951" actId="164"/>
+          <ac:cxnSpMkLst>
+            <pc:docMk/>
+            <pc:sldMk cId="2598579925" sldId="475"/>
+            <ac:cxnSpMk id="35" creationId="{AFB5905C-5A62-FDD5-5C56-4D105353251D}"/>
+          </ac:cxnSpMkLst>
+        </pc:cxnChg>
+        <pc:cxnChg chg="add mod">
+          <ac:chgData name="Clements, William" userId="cbdb0636-a496-422a-8d40-98c53d494d26" providerId="ADAL" clId="{93E811AB-FBB6-4F44-8524-A5D6868BB124}" dt="2024-05-01T15:11:12.655" v="1951" actId="164"/>
+          <ac:cxnSpMkLst>
+            <pc:docMk/>
+            <pc:sldMk cId="2598579925" sldId="475"/>
+            <ac:cxnSpMk id="36" creationId="{294B7286-9CB3-FD5D-23F1-905FED5DD586}"/>
+          </ac:cxnSpMkLst>
+        </pc:cxnChg>
+        <pc:cxnChg chg="add mod">
+          <ac:chgData name="Clements, William" userId="cbdb0636-a496-422a-8d40-98c53d494d26" providerId="ADAL" clId="{93E811AB-FBB6-4F44-8524-A5D6868BB124}" dt="2024-05-01T15:11:12.655" v="1951" actId="164"/>
+          <ac:cxnSpMkLst>
+            <pc:docMk/>
+            <pc:sldMk cId="2598579925" sldId="475"/>
+            <ac:cxnSpMk id="37" creationId="{79524B66-F413-A634-D5B5-A12A93A64C2C}"/>
+          </ac:cxnSpMkLst>
+        </pc:cxnChg>
       </pc:sldChg>
-      <pc:sldChg chg="addSp delSp modSp add mod ord modAnim">
-        <pc:chgData name="Clements, William" userId="cbdb0636-a496-422a-8d40-98c53d494d26" providerId="ADAL" clId="{93E811AB-FBB6-4F44-8524-A5D6868BB124}" dt="2024-04-29T15:33:36.912" v="649"/>
+      <pc:sldChg chg="addSp delSp modSp add del mod ord modAnim">
+        <pc:chgData name="Clements, William" userId="cbdb0636-a496-422a-8d40-98c53d494d26" providerId="ADAL" clId="{93E811AB-FBB6-4F44-8524-A5D6868BB124}" dt="2024-05-01T15:13:44.665" v="1970" actId="2696"/>
         <pc:sldMkLst>
           <pc:docMk/>
           <pc:sldMk cId="990694461" sldId="476"/>
@@ -714,14 +967,14 @@
           </ac:picMkLst>
         </pc:picChg>
       </pc:sldChg>
-      <pc:sldChg chg="addSp delSp modSp add mod">
-        <pc:chgData name="Clements, William" userId="cbdb0636-a496-422a-8d40-98c53d494d26" providerId="ADAL" clId="{93E811AB-FBB6-4F44-8524-A5D6868BB124}" dt="2024-04-29T15:27:46.969" v="509" actId="1076"/>
+      <pc:sldChg chg="addSp delSp modSp add del mod">
+        <pc:chgData name="Clements, William" userId="cbdb0636-a496-422a-8d40-98c53d494d26" providerId="ADAL" clId="{93E811AB-FBB6-4F44-8524-A5D6868BB124}" dt="2024-05-01T15:05:16.721" v="1595" actId="2696"/>
         <pc:sldMkLst>
           <pc:docMk/>
           <pc:sldMk cId="2994473536" sldId="477"/>
         </pc:sldMkLst>
-        <pc:picChg chg="add mod">
-          <ac:chgData name="Clements, William" userId="cbdb0636-a496-422a-8d40-98c53d494d26" providerId="ADAL" clId="{93E811AB-FBB6-4F44-8524-A5D6868BB124}" dt="2024-04-29T15:27:46.969" v="509" actId="1076"/>
+        <pc:picChg chg="add del mod">
+          <ac:chgData name="Clements, William" userId="cbdb0636-a496-422a-8d40-98c53d494d26" providerId="ADAL" clId="{93E811AB-FBB6-4F44-8524-A5D6868BB124}" dt="2024-05-01T15:04:55.412" v="1592" actId="21"/>
           <ac:picMkLst>
             <pc:docMk/>
             <pc:sldMk cId="2994473536" sldId="477"/>
@@ -737,7 +990,7 @@
           </ac:picMkLst>
         </pc:picChg>
         <pc:picChg chg="add mod">
-          <ac:chgData name="Clements, William" userId="cbdb0636-a496-422a-8d40-98c53d494d26" providerId="ADAL" clId="{93E811AB-FBB6-4F44-8524-A5D6868BB124}" dt="2024-04-29T15:27:41.542" v="506" actId="1076"/>
+          <ac:chgData name="Clements, William" userId="cbdb0636-a496-422a-8d40-98c53d494d26" providerId="ADAL" clId="{93E811AB-FBB6-4F44-8524-A5D6868BB124}" dt="2024-05-01T15:04:29.765" v="1590" actId="1076"/>
           <ac:picMkLst>
             <pc:docMk/>
             <pc:sldMk cId="2994473536" sldId="477"/>
@@ -776,8 +1029,8 @@
           </ac:picMkLst>
         </pc:picChg>
       </pc:sldChg>
-      <pc:sldChg chg="addSp add modAnim">
-        <pc:chgData name="Clements, William" userId="cbdb0636-a496-422a-8d40-98c53d494d26" providerId="ADAL" clId="{93E811AB-FBB6-4F44-8524-A5D6868BB124}" dt="2024-04-29T15:34:23.710" v="657"/>
+      <pc:sldChg chg="addSp add mod modAnim modShow">
+        <pc:chgData name="Clements, William" userId="cbdb0636-a496-422a-8d40-98c53d494d26" providerId="ADAL" clId="{93E811AB-FBB6-4F44-8524-A5D6868BB124}" dt="2024-05-01T14:49:04.692" v="1100" actId="729"/>
         <pc:sldMkLst>
           <pc:docMk/>
           <pc:sldMk cId="193065087" sldId="479"/>
@@ -850,6 +1103,89 @@
             <pc:docMk/>
             <pc:sldMk cId="2968271127" sldId="481"/>
             <ac:picMk id="3" creationId="{3D03C5DC-26B1-16B8-1DCA-6615EB386B5E}"/>
+          </ac:picMkLst>
+        </pc:picChg>
+      </pc:sldChg>
+      <pc:sldChg chg="addSp modSp add mod">
+        <pc:chgData name="Clements, William" userId="cbdb0636-a496-422a-8d40-98c53d494d26" providerId="ADAL" clId="{93E811AB-FBB6-4F44-8524-A5D6868BB124}" dt="2024-05-01T14:47:49.393" v="1098" actId="1076"/>
+        <pc:sldMkLst>
+          <pc:docMk/>
+          <pc:sldMk cId="564117281" sldId="482"/>
+        </pc:sldMkLst>
+        <pc:spChg chg="add mod">
+          <ac:chgData name="Clements, William" userId="cbdb0636-a496-422a-8d40-98c53d494d26" providerId="ADAL" clId="{93E811AB-FBB6-4F44-8524-A5D6868BB124}" dt="2024-05-01T14:47:39.360" v="1095"/>
+          <ac:spMkLst>
+            <pc:docMk/>
+            <pc:sldMk cId="564117281" sldId="482"/>
+            <ac:spMk id="9" creationId="{0114C962-F023-567A-8F43-6CD6593B01A4}"/>
+          </ac:spMkLst>
+        </pc:spChg>
+        <pc:picChg chg="mod">
+          <ac:chgData name="Clements, William" userId="cbdb0636-a496-422a-8d40-98c53d494d26" providerId="ADAL" clId="{93E811AB-FBB6-4F44-8524-A5D6868BB124}" dt="2024-05-01T14:47:47.816" v="1097" actId="1076"/>
+          <ac:picMkLst>
+            <pc:docMk/>
+            <pc:sldMk cId="564117281" sldId="482"/>
+            <ac:picMk id="6" creationId="{737C2D08-2856-AE2B-3D28-FFAB205423C3}"/>
+          </ac:picMkLst>
+        </pc:picChg>
+        <pc:picChg chg="add mod">
+          <ac:chgData name="Clements, William" userId="cbdb0636-a496-422a-8d40-98c53d494d26" providerId="ADAL" clId="{93E811AB-FBB6-4F44-8524-A5D6868BB124}" dt="2024-05-01T14:47:49.393" v="1098" actId="1076"/>
+          <ac:picMkLst>
+            <pc:docMk/>
+            <pc:sldMk cId="564117281" sldId="482"/>
+            <ac:picMk id="7" creationId="{2B4ED42F-E3C1-AF0D-9590-F8982690538B}"/>
+          </ac:picMkLst>
+        </pc:picChg>
+        <pc:picChg chg="add mod">
+          <ac:chgData name="Clements, William" userId="cbdb0636-a496-422a-8d40-98c53d494d26" providerId="ADAL" clId="{93E811AB-FBB6-4F44-8524-A5D6868BB124}" dt="2024-05-01T14:47:39.360" v="1095"/>
+          <ac:picMkLst>
+            <pc:docMk/>
+            <pc:sldMk cId="564117281" sldId="482"/>
+            <ac:picMk id="8" creationId="{86013A05-F825-923C-9243-14D99BF042E7}"/>
+          </ac:picMkLst>
+        </pc:picChg>
+      </pc:sldChg>
+      <pc:sldChg chg="add del">
+        <pc:chgData name="Clements, William" userId="cbdb0636-a496-422a-8d40-98c53d494d26" providerId="ADAL" clId="{93E811AB-FBB6-4F44-8524-A5D6868BB124}" dt="2024-05-01T15:04:18.154" v="1589" actId="2696"/>
+        <pc:sldMkLst>
+          <pc:docMk/>
+          <pc:sldMk cId="722025047" sldId="483"/>
+        </pc:sldMkLst>
+      </pc:sldChg>
+      <pc:sldChg chg="add del">
+        <pc:chgData name="Clements, William" userId="cbdb0636-a496-422a-8d40-98c53d494d26" providerId="ADAL" clId="{93E811AB-FBB6-4F44-8524-A5D6868BB124}" dt="2024-05-01T14:49:15.458" v="1101" actId="2696"/>
+        <pc:sldMkLst>
+          <pc:docMk/>
+          <pc:sldMk cId="2844985396" sldId="483"/>
+        </pc:sldMkLst>
+      </pc:sldChg>
+      <pc:sldChg chg="add ord">
+        <pc:chgData name="Clements, William" userId="cbdb0636-a496-422a-8d40-98c53d494d26" providerId="ADAL" clId="{93E811AB-FBB6-4F44-8524-A5D6868BB124}" dt="2024-05-01T15:12:47.057" v="1966" actId="20578"/>
+        <pc:sldMkLst>
+          <pc:docMk/>
+          <pc:sldMk cId="4058442001" sldId="483"/>
+        </pc:sldMkLst>
+      </pc:sldChg>
+      <pc:sldChg chg="addSp modSp add del mod modAnim">
+        <pc:chgData name="Clements, William" userId="cbdb0636-a496-422a-8d40-98c53d494d26" providerId="ADAL" clId="{93E811AB-FBB6-4F44-8524-A5D6868BB124}" dt="2024-05-01T15:02:41.352" v="1586" actId="2696"/>
+        <pc:sldMkLst>
+          <pc:docMk/>
+          <pc:sldMk cId="4153398061" sldId="483"/>
+        </pc:sldMkLst>
+        <pc:spChg chg="add mod">
+          <ac:chgData name="Clements, William" userId="cbdb0636-a496-422a-8d40-98c53d494d26" providerId="ADAL" clId="{93E811AB-FBB6-4F44-8524-A5D6868BB124}" dt="2024-05-01T15:02:22.296" v="1584" actId="20577"/>
+          <ac:spMkLst>
+            <pc:docMk/>
+            <pc:sldMk cId="4153398061" sldId="483"/>
+            <ac:spMk id="19" creationId="{BB7D0AED-2597-CCB9-35A5-9CB8D9476E9E}"/>
+          </ac:spMkLst>
+        </pc:spChg>
+        <pc:picChg chg="add mod">
+          <ac:chgData name="Clements, William" userId="cbdb0636-a496-422a-8d40-98c53d494d26" providerId="ADAL" clId="{93E811AB-FBB6-4F44-8524-A5D6868BB124}" dt="2024-05-01T15:02:25.809" v="1585" actId="1076"/>
+          <ac:picMkLst>
+            <pc:docMk/>
+            <pc:sldMk cId="4153398061" sldId="483"/>
+            <ac:picMk id="30" creationId="{5C918EE3-332F-AE08-BCA8-720AA42349BC}"/>
           </ac:picMkLst>
         </pc:picChg>
       </pc:sldChg>
@@ -1481,7 +1817,7 @@
           <a:p>
             <a:fld id="{956013C4-519A-9545-A3AE-18D090C05DB6}" type="datetimeFigureOut">
               <a:rPr lang="en-US" smtClean="0"/>
-              <a:t>4/29/24</a:t>
+              <a:t>5/1/24</a:t>
             </a:fld>
             <a:endParaRPr lang="en-US"/>
           </a:p>
@@ -1832,90 +2168,6 @@
 </p:notes>
 </file>
 
-<file path=ppt/notesSlides/notesSlide10.xml><?xml version="1.0" encoding="utf-8"?>
-<p:notes xmlns:a="http://schemas.openxmlformats.org/drawingml/2006/main" xmlns:r="http://schemas.openxmlformats.org/officeDocument/2006/relationships" xmlns:p="http://schemas.openxmlformats.org/presentationml/2006/main">
-  <p:cSld>
-    <p:spTree>
-      <p:nvGrpSpPr>
-        <p:cNvPr id="1" name=""/>
-        <p:cNvGrpSpPr/>
-        <p:nvPr/>
-      </p:nvGrpSpPr>
-      <p:grpSpPr>
-        <a:xfrm>
-          <a:off x="0" y="0"/>
-          <a:ext cx="0" cy="0"/>
-          <a:chOff x="0" y="0"/>
-          <a:chExt cx="0" cy="0"/>
-        </a:xfrm>
-      </p:grpSpPr>
-      <p:sp>
-        <p:nvSpPr>
-          <p:cNvPr id="2" name="Slide Image Placeholder 1"/>
-          <p:cNvSpPr>
-            <a:spLocks noGrp="1" noRot="1" noChangeAspect="1"/>
-          </p:cNvSpPr>
-          <p:nvPr>
-            <p:ph type="sldImg"/>
-          </p:nvPr>
-        </p:nvSpPr>
-        <p:spPr/>
-      </p:sp>
-      <p:sp>
-        <p:nvSpPr>
-          <p:cNvPr id="3" name="Notes Placeholder 2"/>
-          <p:cNvSpPr>
-            <a:spLocks noGrp="1"/>
-          </p:cNvSpPr>
-          <p:nvPr>
-            <p:ph type="body" idx="1"/>
-          </p:nvPr>
-        </p:nvSpPr>
-        <p:spPr/>
-        <p:txBody>
-          <a:bodyPr/>
-          <a:lstStyle/>
-          <a:p>
-            <a:endParaRPr lang="en-US" dirty="0"/>
-          </a:p>
-        </p:txBody>
-      </p:sp>
-      <p:sp>
-        <p:nvSpPr>
-          <p:cNvPr id="4" name="Slide Number Placeholder 3"/>
-          <p:cNvSpPr>
-            <a:spLocks noGrp="1"/>
-          </p:cNvSpPr>
-          <p:nvPr>
-            <p:ph type="sldNum" sz="quarter" idx="5"/>
-          </p:nvPr>
-        </p:nvSpPr>
-        <p:spPr/>
-        <p:txBody>
-          <a:bodyPr/>
-          <a:lstStyle/>
-          <a:p>
-            <a:fld id="{9F32330E-FF90-E44E-82CF-7A3EFCA05409}" type="slidenum">
-              <a:rPr lang="en-US" smtClean="0"/>
-              <a:t>19</a:t>
-            </a:fld>
-            <a:endParaRPr lang="en-US"/>
-          </a:p>
-        </p:txBody>
-      </p:sp>
-    </p:spTree>
-    <p:extLst>
-      <p:ext uri="{BB962C8B-B14F-4D97-AF65-F5344CB8AC3E}">
-        <p14:creationId xmlns:p14="http://schemas.microsoft.com/office/powerpoint/2010/main" val="1840376301"/>
-      </p:ext>
-    </p:extLst>
-  </p:cSld>
-  <p:clrMapOvr>
-    <a:masterClrMapping/>
-  </p:clrMapOvr>
-</p:notes>
-</file>
-
 <file path=ppt/notesSlides/notesSlide2.xml><?xml version="1.0" encoding="utf-8"?>
 <p:notes xmlns:a="http://schemas.openxmlformats.org/drawingml/2006/main" xmlns:r="http://schemas.openxmlformats.org/officeDocument/2006/relationships" xmlns:p="http://schemas.openxmlformats.org/presentationml/2006/main">
   <p:cSld>
@@ -2158,7 +2410,7 @@
     </p:spTree>
     <p:extLst>
       <p:ext uri="{BB962C8B-B14F-4D97-AF65-F5344CB8AC3E}">
-        <p14:creationId xmlns:p14="http://schemas.microsoft.com/office/powerpoint/2010/main" val="2186103315"/>
+        <p14:creationId xmlns:p14="http://schemas.microsoft.com/office/powerpoint/2010/main" val="1493653445"/>
       </p:ext>
     </p:extLst>
   </p:cSld>
@@ -2242,7 +2494,7 @@
     </p:spTree>
     <p:extLst>
       <p:ext uri="{BB962C8B-B14F-4D97-AF65-F5344CB8AC3E}">
-        <p14:creationId xmlns:p14="http://schemas.microsoft.com/office/powerpoint/2010/main" val="1675043583"/>
+        <p14:creationId xmlns:p14="http://schemas.microsoft.com/office/powerpoint/2010/main" val="2186103315"/>
       </p:ext>
     </p:extLst>
   </p:cSld>
@@ -2326,7 +2578,7 @@
     </p:spTree>
     <p:extLst>
       <p:ext uri="{BB962C8B-B14F-4D97-AF65-F5344CB8AC3E}">
-        <p14:creationId xmlns:p14="http://schemas.microsoft.com/office/powerpoint/2010/main" val="2993848240"/>
+        <p14:creationId xmlns:p14="http://schemas.microsoft.com/office/powerpoint/2010/main" val="3217684717"/>
       </p:ext>
     </p:extLst>
   </p:cSld>
@@ -2401,7 +2653,7 @@
           <a:p>
             <a:fld id="{9F32330E-FF90-E44E-82CF-7A3EFCA05409}" type="slidenum">
               <a:rPr lang="en-US" smtClean="0"/>
-              <a:t>15</a:t>
+              <a:t>16</a:t>
             </a:fld>
             <a:endParaRPr lang="en-US"/>
           </a:p>
@@ -2410,7 +2662,7 @@
     </p:spTree>
     <p:extLst>
       <p:ext uri="{BB962C8B-B14F-4D97-AF65-F5344CB8AC3E}">
-        <p14:creationId xmlns:p14="http://schemas.microsoft.com/office/powerpoint/2010/main" val="3217684717"/>
+        <p14:creationId xmlns:p14="http://schemas.microsoft.com/office/powerpoint/2010/main" val="2163202197"/>
       </p:ext>
     </p:extLst>
   </p:cSld>
@@ -2494,7 +2746,7 @@
     </p:spTree>
     <p:extLst>
       <p:ext uri="{BB962C8B-B14F-4D97-AF65-F5344CB8AC3E}">
-        <p14:creationId xmlns:p14="http://schemas.microsoft.com/office/powerpoint/2010/main" val="2163202197"/>
+        <p14:creationId xmlns:p14="http://schemas.microsoft.com/office/powerpoint/2010/main" val="1468202943"/>
       </p:ext>
     </p:extLst>
   </p:cSld>
@@ -2578,7 +2830,7 @@
     </p:spTree>
     <p:extLst>
       <p:ext uri="{BB962C8B-B14F-4D97-AF65-F5344CB8AC3E}">
-        <p14:creationId xmlns:p14="http://schemas.microsoft.com/office/powerpoint/2010/main" val="1468202943"/>
+        <p14:creationId xmlns:p14="http://schemas.microsoft.com/office/powerpoint/2010/main" val="1840376301"/>
       </p:ext>
     </p:extLst>
   </p:cSld>
@@ -2719,7 +2971,7 @@
           <a:p>
             <a:fld id="{C85E8A27-738E-43B3-A85F-54608551D07A}" type="datetimeFigureOut">
               <a:rPr lang="en-US" smtClean="0"/>
-              <a:t>4/29/24</a:t>
+              <a:t>5/1/24</a:t>
             </a:fld>
             <a:endParaRPr lang="en-US"/>
           </a:p>
@@ -2889,7 +3141,7 @@
           <a:p>
             <a:fld id="{C85E8A27-738E-43B3-A85F-54608551D07A}" type="datetimeFigureOut">
               <a:rPr lang="en-US" smtClean="0"/>
-              <a:t>4/29/24</a:t>
+              <a:t>5/1/24</a:t>
             </a:fld>
             <a:endParaRPr lang="en-US"/>
           </a:p>
@@ -3069,7 +3321,7 @@
           <a:p>
             <a:fld id="{C85E8A27-738E-43B3-A85F-54608551D07A}" type="datetimeFigureOut">
               <a:rPr lang="en-US" smtClean="0"/>
-              <a:t>4/29/24</a:t>
+              <a:t>5/1/24</a:t>
             </a:fld>
             <a:endParaRPr lang="en-US"/>
           </a:p>
@@ -3239,7 +3491,7 @@
           <a:p>
             <a:fld id="{C85E8A27-738E-43B3-A85F-54608551D07A}" type="datetimeFigureOut">
               <a:rPr lang="en-US" smtClean="0"/>
-              <a:t>4/29/24</a:t>
+              <a:t>5/1/24</a:t>
             </a:fld>
             <a:endParaRPr lang="en-US"/>
           </a:p>
@@ -3485,7 +3737,7 @@
           <a:p>
             <a:fld id="{C85E8A27-738E-43B3-A85F-54608551D07A}" type="datetimeFigureOut">
               <a:rPr lang="en-US" smtClean="0"/>
-              <a:t>4/29/24</a:t>
+              <a:t>5/1/24</a:t>
             </a:fld>
             <a:endParaRPr lang="en-US"/>
           </a:p>
@@ -3717,7 +3969,7 @@
           <a:p>
             <a:fld id="{C85E8A27-738E-43B3-A85F-54608551D07A}" type="datetimeFigureOut">
               <a:rPr lang="en-US" smtClean="0"/>
-              <a:t>4/29/24</a:t>
+              <a:t>5/1/24</a:t>
             </a:fld>
             <a:endParaRPr lang="en-US"/>
           </a:p>
@@ -4084,7 +4336,7 @@
           <a:p>
             <a:fld id="{C85E8A27-738E-43B3-A85F-54608551D07A}" type="datetimeFigureOut">
               <a:rPr lang="en-US" smtClean="0"/>
-              <a:t>4/29/24</a:t>
+              <a:t>5/1/24</a:t>
             </a:fld>
             <a:endParaRPr lang="en-US"/>
           </a:p>
@@ -4202,7 +4454,7 @@
           <a:p>
             <a:fld id="{C85E8A27-738E-43B3-A85F-54608551D07A}" type="datetimeFigureOut">
               <a:rPr lang="en-US" smtClean="0"/>
-              <a:t>4/29/24</a:t>
+              <a:t>5/1/24</a:t>
             </a:fld>
             <a:endParaRPr lang="en-US"/>
           </a:p>
@@ -4297,7 +4549,7 @@
           <a:p>
             <a:fld id="{C85E8A27-738E-43B3-A85F-54608551D07A}" type="datetimeFigureOut">
               <a:rPr lang="en-US" smtClean="0"/>
-              <a:t>4/29/24</a:t>
+              <a:t>5/1/24</a:t>
             </a:fld>
             <a:endParaRPr lang="en-US"/>
           </a:p>
@@ -4574,7 +4826,7 @@
           <a:p>
             <a:fld id="{C85E8A27-738E-43B3-A85F-54608551D07A}" type="datetimeFigureOut">
               <a:rPr lang="en-US" smtClean="0"/>
-              <a:t>4/29/24</a:t>
+              <a:t>5/1/24</a:t>
             </a:fld>
             <a:endParaRPr lang="en-US"/>
           </a:p>
@@ -4831,7 +5083,7 @@
           <a:p>
             <a:fld id="{C85E8A27-738E-43B3-A85F-54608551D07A}" type="datetimeFigureOut">
               <a:rPr lang="en-US" smtClean="0"/>
-              <a:t>4/29/24</a:t>
+              <a:t>5/1/24</a:t>
             </a:fld>
             <a:endParaRPr lang="en-US"/>
           </a:p>
@@ -5044,7 +5296,7 @@
           <a:p>
             <a:fld id="{C85E8A27-738E-43B3-A85F-54608551D07A}" type="datetimeFigureOut">
               <a:rPr lang="en-US" smtClean="0"/>
-              <a:t>4/29/24</a:t>
+              <a:t>5/1/24</a:t>
             </a:fld>
             <a:endParaRPr lang="en-US"/>
           </a:p>
@@ -6927,7 +7179,7 @@
         </p:nvSpPr>
         <p:spPr>
           <a:xfrm>
-            <a:off x="8316686" y="2381573"/>
+            <a:off x="8194102" y="3311468"/>
             <a:ext cx="4288971" cy="3416320"/>
           </a:xfrm>
           <a:prstGeom prst="rect">
@@ -7261,6 +7513,96 @@
           </a:p>
         </p:txBody>
       </p:sp>
+      <p:pic>
+        <p:nvPicPr>
+          <p:cNvPr id="4" name="Picture 3">
+            <a:extLst>
+              <a:ext uri="{FF2B5EF4-FFF2-40B4-BE49-F238E27FC236}">
+                <a16:creationId xmlns:a16="http://schemas.microsoft.com/office/drawing/2014/main" id="{BE336C48-28BA-4E68-22C1-2AEF951A261F}"/>
+              </a:ext>
+            </a:extLst>
+          </p:cNvPr>
+          <p:cNvPicPr>
+            <a:picLocks noChangeAspect="1"/>
+          </p:cNvPicPr>
+          <p:nvPr/>
+        </p:nvPicPr>
+        <p:blipFill>
+          <a:blip r:embed="rId5"/>
+          <a:stretch>
+            <a:fillRect/>
+          </a:stretch>
+        </p:blipFill>
+        <p:spPr>
+          <a:xfrm>
+            <a:off x="2871711" y="3045039"/>
+            <a:ext cx="5322391" cy="3056082"/>
+          </a:xfrm>
+          <a:prstGeom prst="rect">
+            <a:avLst/>
+          </a:prstGeom>
+        </p:spPr>
+      </p:pic>
+      <p:pic>
+        <p:nvPicPr>
+          <p:cNvPr id="17" name="Picture 16">
+            <a:extLst>
+              <a:ext uri="{FF2B5EF4-FFF2-40B4-BE49-F238E27FC236}">
+                <a16:creationId xmlns:a16="http://schemas.microsoft.com/office/drawing/2014/main" id="{86B98ACD-8149-E942-EB93-871F63D905B0}"/>
+              </a:ext>
+            </a:extLst>
+          </p:cNvPr>
+          <p:cNvPicPr>
+            <a:picLocks noChangeAspect="1"/>
+          </p:cNvPicPr>
+          <p:nvPr/>
+        </p:nvPicPr>
+        <p:blipFill>
+          <a:blip r:embed="rId6"/>
+          <a:stretch>
+            <a:fillRect/>
+          </a:stretch>
+        </p:blipFill>
+        <p:spPr>
+          <a:xfrm>
+            <a:off x="305790" y="1192599"/>
+            <a:ext cx="3026103" cy="1442165"/>
+          </a:xfrm>
+          <a:prstGeom prst="rect">
+            <a:avLst/>
+          </a:prstGeom>
+        </p:spPr>
+      </p:pic>
+      <p:pic>
+        <p:nvPicPr>
+          <p:cNvPr id="18" name="Picture 17">
+            <a:extLst>
+              <a:ext uri="{FF2B5EF4-FFF2-40B4-BE49-F238E27FC236}">
+                <a16:creationId xmlns:a16="http://schemas.microsoft.com/office/drawing/2014/main" id="{E329E81F-C9D8-EAA1-3F15-499FA4E9BE72}"/>
+              </a:ext>
+            </a:extLst>
+          </p:cNvPr>
+          <p:cNvPicPr>
+            <a:picLocks noChangeAspect="1"/>
+          </p:cNvPicPr>
+          <p:nvPr/>
+        </p:nvPicPr>
+        <p:blipFill>
+          <a:blip r:embed="rId7"/>
+          <a:stretch>
+            <a:fillRect/>
+          </a:stretch>
+        </p:blipFill>
+        <p:spPr>
+          <a:xfrm>
+            <a:off x="8162305" y="1273497"/>
+            <a:ext cx="3728412" cy="1800550"/>
+          </a:xfrm>
+          <a:prstGeom prst="rect">
+            <a:avLst/>
+          </a:prstGeom>
+        </p:spPr>
+      </p:pic>
     </p:spTree>
     <p:extLst>
       <p:ext uri="{BB962C8B-B14F-4D97-AF65-F5344CB8AC3E}">
@@ -8143,7 +8485,7 @@
     </p:spTree>
     <p:extLst>
       <p:ext uri="{BB962C8B-B14F-4D97-AF65-F5344CB8AC3E}">
-        <p14:creationId xmlns:p14="http://schemas.microsoft.com/office/powerpoint/2010/main" val="2598579925"/>
+        <p14:creationId xmlns:p14="http://schemas.microsoft.com/office/powerpoint/2010/main" val="4058442001"/>
       </p:ext>
     </p:extLst>
   </p:cSld>
@@ -8730,10 +9072,10 @@
       </p:pic>
       <p:pic>
         <p:nvPicPr>
-          <p:cNvPr id="16" name="Picture 15">
-            <a:extLst>
-              <a:ext uri="{FF2B5EF4-FFF2-40B4-BE49-F238E27FC236}">
-                <a16:creationId xmlns:a16="http://schemas.microsoft.com/office/drawing/2014/main" id="{57BA2D1A-A4E2-DDE0-DA62-DC2997E51F6F}"/>
+          <p:cNvPr id="17" name="Picture 16">
+            <a:extLst>
+              <a:ext uri="{FF2B5EF4-FFF2-40B4-BE49-F238E27FC236}">
+                <a16:creationId xmlns:a16="http://schemas.microsoft.com/office/drawing/2014/main" id="{3F6F20D9-DCA1-2C11-C57F-1D75F59ADE9A}"/>
               </a:ext>
             </a:extLst>
           </p:cNvPr>
@@ -8750,1605 +9092,1293 @@
         </p:blipFill>
         <p:spPr>
           <a:xfrm>
-            <a:off x="6842305" y="3311468"/>
-            <a:ext cx="5322391" cy="3056082"/>
+            <a:off x="2786827" y="3238162"/>
+            <a:ext cx="5471677" cy="3418682"/>
           </a:xfrm>
           <a:prstGeom prst="rect">
             <a:avLst/>
           </a:prstGeom>
         </p:spPr>
       </p:pic>
-      <p:pic>
-        <p:nvPicPr>
-          <p:cNvPr id="18" name="Picture 17">
-            <a:extLst>
-              <a:ext uri="{FF2B5EF4-FFF2-40B4-BE49-F238E27FC236}">
-                <a16:creationId xmlns:a16="http://schemas.microsoft.com/office/drawing/2014/main" id="{007A8019-CC95-D2AA-25D0-5BB83220DBE6}"/>
-              </a:ext>
-            </a:extLst>
-          </p:cNvPr>
-          <p:cNvPicPr>
-            <a:picLocks noChangeAspect="1"/>
-          </p:cNvPicPr>
+      <p:grpSp>
+        <p:nvGrpSpPr>
+          <p:cNvPr id="39" name="Group 38">
+            <a:extLst>
+              <a:ext uri="{FF2B5EF4-FFF2-40B4-BE49-F238E27FC236}">
+                <a16:creationId xmlns:a16="http://schemas.microsoft.com/office/drawing/2014/main" id="{741002CA-0B11-F510-2C7F-C4CE292CF0DF}"/>
+              </a:ext>
+            </a:extLst>
+          </p:cNvPr>
+          <p:cNvGrpSpPr/>
           <p:nvPr/>
-        </p:nvPicPr>
-        <p:blipFill>
-          <a:blip r:embed="rId7"/>
-          <a:stretch>
-            <a:fillRect/>
-          </a:stretch>
-        </p:blipFill>
-        <p:spPr>
-          <a:xfrm>
-            <a:off x="1240347" y="3204377"/>
-            <a:ext cx="5471677" cy="3418682"/>
+        </p:nvGrpSpPr>
+        <p:grpSpPr>
+          <a:xfrm>
+            <a:off x="863143" y="2873828"/>
+            <a:ext cx="1741715" cy="1012372"/>
+            <a:chOff x="863143" y="2873828"/>
+            <a:chExt cx="1741715" cy="1012372"/>
+          </a:xfrm>
+        </p:grpSpPr>
+        <p:sp>
+          <p:nvSpPr>
+            <p:cNvPr id="16" name="Rectangle 15">
+              <a:extLst>
+                <a:ext uri="{FF2B5EF4-FFF2-40B4-BE49-F238E27FC236}">
+                  <a16:creationId xmlns:a16="http://schemas.microsoft.com/office/drawing/2014/main" id="{01B0D058-BE38-1B5C-D802-0F7327F74A45}"/>
+                </a:ext>
+              </a:extLst>
+            </p:cNvPr>
+            <p:cNvSpPr/>
+            <p:nvPr/>
+          </p:nvSpPr>
+          <p:spPr>
+            <a:xfrm>
+              <a:off x="863143" y="2873828"/>
+              <a:ext cx="1741715" cy="457200"/>
+            </a:xfrm>
+            <a:prstGeom prst="rect">
+              <a:avLst/>
+            </a:prstGeom>
+          </p:spPr>
+          <p:style>
+            <a:lnRef idx="2">
+              <a:schemeClr val="accent1">
+                <a:shade val="50000"/>
+              </a:schemeClr>
+            </a:lnRef>
+            <a:fillRef idx="1">
+              <a:schemeClr val="accent1"/>
+            </a:fillRef>
+            <a:effectRef idx="0">
+              <a:schemeClr val="accent1"/>
+            </a:effectRef>
+            <a:fontRef idx="minor">
+              <a:schemeClr val="lt1"/>
+            </a:fontRef>
+          </p:style>
+          <p:txBody>
+            <a:bodyPr rtlCol="0" anchor="ctr"/>
+            <a:lstStyle/>
+            <a:p>
+              <a:pPr algn="ctr"/>
+              <a:r>
+                <a:rPr lang="en-US" dirty="0"/>
+                <a:t>Prompt User</a:t>
+              </a:r>
+            </a:p>
+            <a:p>
+              <a:pPr algn="ctr"/>
+              <a:r>
+                <a:rPr lang="en-US" dirty="0"/>
+                <a:t>(string)</a:t>
+              </a:r>
+            </a:p>
+          </p:txBody>
+        </p:sp>
+        <p:sp>
+          <p:nvSpPr>
+            <p:cNvPr id="18" name="Rectangle 17">
+              <a:extLst>
+                <a:ext uri="{FF2B5EF4-FFF2-40B4-BE49-F238E27FC236}">
+                  <a16:creationId xmlns:a16="http://schemas.microsoft.com/office/drawing/2014/main" id="{E80D8459-87DC-B90E-9A93-6F2B64051D7A}"/>
+                </a:ext>
+              </a:extLst>
+            </p:cNvPr>
+            <p:cNvSpPr/>
+            <p:nvPr/>
+          </p:nvSpPr>
+          <p:spPr>
+            <a:xfrm>
+              <a:off x="863143" y="3429000"/>
+              <a:ext cx="1741715" cy="457200"/>
+            </a:xfrm>
+            <a:prstGeom prst="rect">
+              <a:avLst/>
+            </a:prstGeom>
+          </p:spPr>
+          <p:style>
+            <a:lnRef idx="2">
+              <a:schemeClr val="accent1">
+                <a:shade val="50000"/>
+              </a:schemeClr>
+            </a:lnRef>
+            <a:fillRef idx="1">
+              <a:schemeClr val="accent1"/>
+            </a:fillRef>
+            <a:effectRef idx="0">
+              <a:schemeClr val="accent1"/>
+            </a:effectRef>
+            <a:fontRef idx="minor">
+              <a:schemeClr val="lt1"/>
+            </a:fontRef>
+          </p:style>
+          <p:txBody>
+            <a:bodyPr rtlCol="0" anchor="ctr"/>
+            <a:lstStyle/>
+            <a:p>
+              <a:pPr algn="ctr"/>
+              <a:r>
+                <a:rPr lang="en-US" dirty="0"/>
+                <a:t>=Input(string)</a:t>
+              </a:r>
+            </a:p>
+          </p:txBody>
+        </p:sp>
+      </p:grpSp>
+      <p:sp>
+        <p:nvSpPr>
+          <p:cNvPr id="19" name="TextBox 18">
+            <a:extLst>
+              <a:ext uri="{FF2B5EF4-FFF2-40B4-BE49-F238E27FC236}">
+                <a16:creationId xmlns:a16="http://schemas.microsoft.com/office/drawing/2014/main" id="{6567DBCA-F8A3-9624-18BA-EF5F3C6ADE1F}"/>
+              </a:ext>
+            </a:extLst>
+          </p:cNvPr>
+          <p:cNvSpPr txBox="1"/>
+          <p:nvPr/>
+        </p:nvSpPr>
+        <p:spPr>
+          <a:xfrm>
+            <a:off x="811606" y="4535821"/>
+            <a:ext cx="2140330" cy="923330"/>
           </a:xfrm>
           <a:prstGeom prst="rect">
             <a:avLst/>
           </a:prstGeom>
         </p:spPr>
-      </p:pic>
-    </p:spTree>
-    <p:extLst>
-      <p:ext uri="{BB962C8B-B14F-4D97-AF65-F5344CB8AC3E}">
-        <p14:creationId xmlns:p14="http://schemas.microsoft.com/office/powerpoint/2010/main" val="2994473536"/>
-      </p:ext>
-    </p:extLst>
-  </p:cSld>
-  <p:clrMapOvr>
-    <a:masterClrMapping/>
-  </p:clrMapOvr>
-</p:sld>
-</file>
-
-<file path=ppt/slides/slide14.xml><?xml version="1.0" encoding="utf-8"?>
-<p:sld xmlns:a="http://schemas.openxmlformats.org/drawingml/2006/main" xmlns:r="http://schemas.openxmlformats.org/officeDocument/2006/relationships" xmlns:p="http://schemas.openxmlformats.org/presentationml/2006/main">
-  <p:cSld>
-    <p:spTree>
-      <p:nvGrpSpPr>
-        <p:cNvPr id="1" name=""/>
-        <p:cNvGrpSpPr/>
-        <p:nvPr/>
-      </p:nvGrpSpPr>
-      <p:grpSpPr>
-        <a:xfrm>
-          <a:off x="0" y="0"/>
-          <a:ext cx="0" cy="0"/>
-          <a:chOff x="0" y="0"/>
-          <a:chExt cx="0" cy="0"/>
-        </a:xfrm>
-      </p:grpSpPr>
-      <p:sp>
-        <p:nvSpPr>
-          <p:cNvPr id="6" name="Rectangle 5">
-            <a:extLst>
-              <a:ext uri="{FF2B5EF4-FFF2-40B4-BE49-F238E27FC236}">
-                <a16:creationId xmlns:a16="http://schemas.microsoft.com/office/drawing/2014/main" id="{82E818A7-B36A-454E-65AD-4D047F2425D0}"/>
-              </a:ext>
-            </a:extLst>
-          </p:cNvPr>
-          <p:cNvSpPr/>
-          <p:nvPr/>
-        </p:nvSpPr>
-        <p:spPr>
-          <a:xfrm>
-            <a:off x="2604858" y="1992342"/>
-            <a:ext cx="6404568" cy="274320"/>
-          </a:xfrm>
-          <a:prstGeom prst="rect">
-            <a:avLst/>
-          </a:prstGeom>
-        </p:spPr>
         <p:style>
-          <a:lnRef idx="2">
-            <a:schemeClr val="accent1">
-              <a:shade val="50000"/>
-            </a:schemeClr>
+          <a:lnRef idx="3">
+            <a:schemeClr val="lt1"/>
           </a:lnRef>
           <a:fillRef idx="1">
-            <a:schemeClr val="accent1"/>
+            <a:schemeClr val="accent5"/>
           </a:fillRef>
-          <a:effectRef idx="0">
-            <a:schemeClr val="accent1"/>
+          <a:effectRef idx="1">
+            <a:schemeClr val="accent5"/>
           </a:effectRef>
           <a:fontRef idx="minor">
             <a:schemeClr val="lt1"/>
           </a:fontRef>
         </p:style>
         <p:txBody>
-          <a:bodyPr rtlCol="0" anchor="ctr"/>
-          <a:lstStyle/>
-          <a:p>
-            <a:pPr algn="ctr"/>
-            <a:r>
-              <a:rPr lang="en-US" dirty="0"/>
-              <a:t>Process</a:t>
-            </a:r>
-          </a:p>
-        </p:txBody>
-      </p:sp>
-      <p:sp>
-        <p:nvSpPr>
-          <p:cNvPr id="7" name="Rectangle 6">
-            <a:extLst>
-              <a:ext uri="{FF2B5EF4-FFF2-40B4-BE49-F238E27FC236}">
-                <a16:creationId xmlns:a16="http://schemas.microsoft.com/office/drawing/2014/main" id="{ABC7709D-F83F-9B11-49BE-1F144E641CDF}"/>
-              </a:ext>
-            </a:extLst>
-          </p:cNvPr>
-          <p:cNvSpPr/>
+          <a:bodyPr wrap="none" rtlCol="0">
+            <a:spAutoFit/>
+          </a:bodyPr>
+          <a:lstStyle/>
+          <a:p>
+            <a:r>
+              <a:rPr lang="en-US" dirty="0"/>
+              <a:t>input(“First name:</a:t>
+            </a:r>
+            <a:r>
+              <a:rPr lang="en-US" dirty="0">
+                <a:sym typeface="Wingdings" pitchFamily="2" charset="2"/>
+              </a:rPr>
+              <a:t> “)</a:t>
+            </a:r>
+          </a:p>
+          <a:p>
+            <a:r>
+              <a:rPr lang="en-US" dirty="0">
+                <a:sym typeface="Wingdings" pitchFamily="2" charset="2"/>
+              </a:rPr>
+              <a:t>input(“Last name: “)</a:t>
+            </a:r>
+          </a:p>
+          <a:p>
+            <a:r>
+              <a:rPr lang="en-US" dirty="0">
+                <a:sym typeface="Wingdings" pitchFamily="2" charset="2"/>
+              </a:rPr>
+              <a:t>….</a:t>
+            </a:r>
+            <a:endParaRPr lang="en-US" dirty="0"/>
+          </a:p>
+        </p:txBody>
+      </p:sp>
+      <p:sp>
+        <p:nvSpPr>
+          <p:cNvPr id="20" name="TextBox 19">
+            <a:extLst>
+              <a:ext uri="{FF2B5EF4-FFF2-40B4-BE49-F238E27FC236}">
+                <a16:creationId xmlns:a16="http://schemas.microsoft.com/office/drawing/2014/main" id="{6ED40187-A1A1-BD52-74A6-460375B21975}"/>
+              </a:ext>
+            </a:extLst>
+          </p:cNvPr>
+          <p:cNvSpPr txBox="1"/>
           <p:nvPr/>
         </p:nvSpPr>
         <p:spPr>
           <a:xfrm>
-            <a:off x="43513" y="1995191"/>
-            <a:ext cx="2528792" cy="274320"/>
+            <a:off x="3955670" y="4535821"/>
+            <a:ext cx="3345531" cy="1200329"/>
           </a:xfrm>
           <a:prstGeom prst="rect">
             <a:avLst/>
           </a:prstGeom>
         </p:spPr>
         <p:style>
-          <a:lnRef idx="2">
-            <a:schemeClr val="accent1">
-              <a:shade val="50000"/>
-            </a:schemeClr>
+          <a:lnRef idx="3">
+            <a:schemeClr val="lt1"/>
           </a:lnRef>
           <a:fillRef idx="1">
-            <a:schemeClr val="accent1"/>
+            <a:schemeClr val="accent5"/>
           </a:fillRef>
-          <a:effectRef idx="0">
-            <a:schemeClr val="accent1"/>
+          <a:effectRef idx="1">
+            <a:schemeClr val="accent5"/>
           </a:effectRef>
           <a:fontRef idx="minor">
             <a:schemeClr val="lt1"/>
           </a:fontRef>
         </p:style>
         <p:txBody>
-          <a:bodyPr rtlCol="0" anchor="ctr"/>
-          <a:lstStyle/>
-          <a:p>
-            <a:pPr algn="ctr"/>
-            <a:r>
-              <a:rPr lang="en-US" dirty="0"/>
-              <a:t>Input</a:t>
-            </a:r>
-          </a:p>
-        </p:txBody>
-      </p:sp>
-      <p:sp>
-        <p:nvSpPr>
-          <p:cNvPr id="8" name="Rectangle 7">
-            <a:extLst>
-              <a:ext uri="{FF2B5EF4-FFF2-40B4-BE49-F238E27FC236}">
-                <a16:creationId xmlns:a16="http://schemas.microsoft.com/office/drawing/2014/main" id="{822DBACF-BEAD-6888-4934-3C00BD702CF5}"/>
-              </a:ext>
-            </a:extLst>
-          </p:cNvPr>
-          <p:cNvSpPr/>
+          <a:bodyPr wrap="none" rtlCol="0">
+            <a:spAutoFit/>
+          </a:bodyPr>
+          <a:lstStyle/>
+          <a:p>
+            <a:r>
+              <a:rPr lang="en-US" dirty="0" err="1"/>
+              <a:t>first_name</a:t>
+            </a:r>
+            <a:r>
+              <a:rPr lang="en-US" dirty="0"/>
+              <a:t> = input(“First name:</a:t>
+            </a:r>
+            <a:r>
+              <a:rPr lang="en-US" dirty="0">
+                <a:sym typeface="Wingdings" pitchFamily="2" charset="2"/>
+              </a:rPr>
+              <a:t> “)</a:t>
+            </a:r>
+          </a:p>
+          <a:p>
+            <a:r>
+              <a:rPr lang="en-US" dirty="0" err="1">
+                <a:sym typeface="Wingdings" pitchFamily="2" charset="2"/>
+              </a:rPr>
+              <a:t>last_name</a:t>
+            </a:r>
+            <a:r>
+              <a:rPr lang="en-US" dirty="0">
+                <a:sym typeface="Wingdings" pitchFamily="2" charset="2"/>
+              </a:rPr>
+              <a:t> = input(“Last name: “)</a:t>
+            </a:r>
+          </a:p>
+          <a:p>
+            <a:r>
+              <a:rPr lang="en-US" dirty="0">
+                <a:sym typeface="Wingdings" pitchFamily="2" charset="2"/>
+              </a:rPr>
+              <a:t>email =</a:t>
+            </a:r>
+          </a:p>
+          <a:p>
+            <a:r>
+              <a:rPr lang="en-US" dirty="0">
+                <a:sym typeface="Wingdings" pitchFamily="2" charset="2"/>
+              </a:rPr>
+              <a:t>….</a:t>
+            </a:r>
+            <a:endParaRPr lang="en-US" dirty="0"/>
+          </a:p>
+        </p:txBody>
+      </p:sp>
+      <p:grpSp>
+        <p:nvGrpSpPr>
+          <p:cNvPr id="38" name="Group 37">
+            <a:extLst>
+              <a:ext uri="{FF2B5EF4-FFF2-40B4-BE49-F238E27FC236}">
+                <a16:creationId xmlns:a16="http://schemas.microsoft.com/office/drawing/2014/main" id="{57784270-ABFF-2CEB-5E10-71A251DC551A}"/>
+              </a:ext>
+            </a:extLst>
+          </p:cNvPr>
+          <p:cNvGrpSpPr/>
           <p:nvPr/>
-        </p:nvSpPr>
-        <p:spPr>
-          <a:xfrm>
-            <a:off x="9060039" y="1987700"/>
-            <a:ext cx="3104657" cy="274320"/>
+        </p:nvGrpSpPr>
+        <p:grpSpPr>
+          <a:xfrm>
+            <a:off x="9213448" y="1547067"/>
+            <a:ext cx="2978552" cy="3276165"/>
+            <a:chOff x="9213448" y="1547067"/>
+            <a:chExt cx="2978552" cy="3276165"/>
+          </a:xfrm>
+        </p:grpSpPr>
+        <p:sp>
+          <p:nvSpPr>
+            <p:cNvPr id="22" name="Rectangle 21">
+              <a:extLst>
+                <a:ext uri="{FF2B5EF4-FFF2-40B4-BE49-F238E27FC236}">
+                  <a16:creationId xmlns:a16="http://schemas.microsoft.com/office/drawing/2014/main" id="{CE7EA8FF-6BBB-CBC9-B80A-6E05F470A82B}"/>
+                </a:ext>
+              </a:extLst>
+            </p:cNvPr>
+            <p:cNvSpPr/>
+            <p:nvPr/>
+          </p:nvSpPr>
+          <p:spPr>
+            <a:xfrm>
+              <a:off x="11308314" y="4219280"/>
+              <a:ext cx="836257" cy="220009"/>
+            </a:xfrm>
+            <a:prstGeom prst="rect">
+              <a:avLst/>
+            </a:prstGeom>
+          </p:spPr>
+          <p:style>
+            <a:lnRef idx="2">
+              <a:schemeClr val="accent1">
+                <a:shade val="50000"/>
+              </a:schemeClr>
+            </a:lnRef>
+            <a:fillRef idx="1">
+              <a:schemeClr val="accent1"/>
+            </a:fillRef>
+            <a:effectRef idx="0">
+              <a:schemeClr val="accent1"/>
+            </a:effectRef>
+            <a:fontRef idx="minor">
+              <a:schemeClr val="lt1"/>
+            </a:fontRef>
+          </p:style>
+          <p:txBody>
+            <a:bodyPr rtlCol="0" anchor="ctr"/>
+            <a:lstStyle/>
+            <a:p>
+              <a:pPr algn="ctr"/>
+              <a:r>
+                <a:rPr lang="en-US" dirty="0"/>
+                <a:t>string</a:t>
+              </a:r>
+            </a:p>
+          </p:txBody>
+        </p:sp>
+        <p:sp>
+          <p:nvSpPr>
+            <p:cNvPr id="23" name="Process 22">
+              <a:extLst>
+                <a:ext uri="{FF2B5EF4-FFF2-40B4-BE49-F238E27FC236}">
+                  <a16:creationId xmlns:a16="http://schemas.microsoft.com/office/drawing/2014/main" id="{2FE8B523-9496-2A7E-0A63-86C3F89C923B}"/>
+                </a:ext>
+              </a:extLst>
+            </p:cNvPr>
+            <p:cNvSpPr/>
+            <p:nvPr/>
+          </p:nvSpPr>
+          <p:spPr>
+            <a:xfrm>
+              <a:off x="9758687" y="3658549"/>
+              <a:ext cx="1720625" cy="337457"/>
+            </a:xfrm>
+            <a:prstGeom prst="flowChartProcess">
+              <a:avLst/>
+            </a:prstGeom>
+          </p:spPr>
+          <p:style>
+            <a:lnRef idx="2">
+              <a:schemeClr val="accent1">
+                <a:shade val="50000"/>
+              </a:schemeClr>
+            </a:lnRef>
+            <a:fillRef idx="1">
+              <a:schemeClr val="accent1"/>
+            </a:fillRef>
+            <a:effectRef idx="0">
+              <a:schemeClr val="accent1"/>
+            </a:effectRef>
+            <a:fontRef idx="minor">
+              <a:schemeClr val="lt1"/>
+            </a:fontRef>
+          </p:style>
+          <p:txBody>
+            <a:bodyPr rtlCol="0" anchor="ctr"/>
+            <a:lstStyle/>
+            <a:p>
+              <a:pPr algn="ctr"/>
+              <a:r>
+                <a:rPr lang="en-US" dirty="0"/>
+                <a:t>“{}“.</a:t>
+              </a:r>
+              <a:r>
+                <a:rPr lang="en-US" dirty="0">
+                  <a:solidFill>
+                    <a:srgbClr val="FFFF00"/>
+                  </a:solidFill>
+                </a:rPr>
+                <a:t>format</a:t>
+              </a:r>
+              <a:r>
+                <a:rPr lang="en-US" dirty="0"/>
+                <a:t>(var..)</a:t>
+              </a:r>
+            </a:p>
+          </p:txBody>
+        </p:sp>
+        <p:sp>
+          <p:nvSpPr>
+            <p:cNvPr id="24" name="Process 23">
+              <a:extLst>
+                <a:ext uri="{FF2B5EF4-FFF2-40B4-BE49-F238E27FC236}">
+                  <a16:creationId xmlns:a16="http://schemas.microsoft.com/office/drawing/2014/main" id="{34DB7B59-B313-C8B0-7BCB-06E6E9A651B8}"/>
+                </a:ext>
+              </a:extLst>
+            </p:cNvPr>
+            <p:cNvSpPr/>
+            <p:nvPr/>
+          </p:nvSpPr>
+          <p:spPr>
+            <a:xfrm>
+              <a:off x="10519969" y="3183014"/>
+              <a:ext cx="859971" cy="337457"/>
+            </a:xfrm>
+            <a:prstGeom prst="flowChartProcess">
+              <a:avLst/>
+            </a:prstGeom>
+          </p:spPr>
+          <p:style>
+            <a:lnRef idx="2">
+              <a:schemeClr val="accent1">
+                <a:shade val="50000"/>
+              </a:schemeClr>
+            </a:lnRef>
+            <a:fillRef idx="1">
+              <a:schemeClr val="accent1"/>
+            </a:fillRef>
+            <a:effectRef idx="0">
+              <a:schemeClr val="accent1"/>
+            </a:effectRef>
+            <a:fontRef idx="minor">
+              <a:schemeClr val="lt1"/>
+            </a:fontRef>
+          </p:style>
+          <p:txBody>
+            <a:bodyPr rtlCol="0" anchor="ctr"/>
+            <a:lstStyle/>
+            <a:p>
+              <a:pPr algn="ctr"/>
+              <a:r>
+                <a:rPr lang="en-US" dirty="0">
+                  <a:solidFill>
+                    <a:srgbClr val="FFFF00"/>
+                  </a:solidFill>
+                </a:rPr>
+                <a:t>f”.</a:t>
+              </a:r>
+              <a:r>
+                <a:rPr lang="en-US" dirty="0"/>
+                <a:t> {}  “</a:t>
+              </a:r>
+            </a:p>
+          </p:txBody>
+        </p:sp>
+        <p:sp>
+          <p:nvSpPr>
+            <p:cNvPr id="25" name="Process 24">
+              <a:extLst>
+                <a:ext uri="{FF2B5EF4-FFF2-40B4-BE49-F238E27FC236}">
+                  <a16:creationId xmlns:a16="http://schemas.microsoft.com/office/drawing/2014/main" id="{26175401-6C82-8A9F-995B-2FC5A6716EB3}"/>
+                </a:ext>
+              </a:extLst>
+            </p:cNvPr>
+            <p:cNvSpPr/>
+            <p:nvPr/>
+          </p:nvSpPr>
+          <p:spPr>
+            <a:xfrm>
+              <a:off x="10935223" y="4485775"/>
+              <a:ext cx="1256777" cy="337457"/>
+            </a:xfrm>
+            <a:prstGeom prst="flowChartProcess">
+              <a:avLst/>
+            </a:prstGeom>
+          </p:spPr>
+          <p:style>
+            <a:lnRef idx="2">
+              <a:schemeClr val="accent1">
+                <a:shade val="50000"/>
+              </a:schemeClr>
+            </a:lnRef>
+            <a:fillRef idx="1">
+              <a:schemeClr val="accent1"/>
+            </a:fillRef>
+            <a:effectRef idx="0">
+              <a:schemeClr val="accent1"/>
+            </a:effectRef>
+            <a:fontRef idx="minor">
+              <a:schemeClr val="lt1"/>
+            </a:fontRef>
+          </p:style>
+          <p:txBody>
+            <a:bodyPr rtlCol="0" anchor="ctr"/>
+            <a:lstStyle/>
+            <a:p>
+              <a:pPr algn="ctr"/>
+              <a:r>
+                <a:rPr lang="en-US" dirty="0"/>
+                <a:t>print(&lt;str&gt;)</a:t>
+              </a:r>
+            </a:p>
+          </p:txBody>
+        </p:sp>
+        <p:sp>
+          <p:nvSpPr>
+            <p:cNvPr id="26" name="Rectangle 25">
+              <a:extLst>
+                <a:ext uri="{FF2B5EF4-FFF2-40B4-BE49-F238E27FC236}">
+                  <a16:creationId xmlns:a16="http://schemas.microsoft.com/office/drawing/2014/main" id="{3BD60186-EC4B-52BC-E3EA-FBA3FB9E14DC}"/>
+                </a:ext>
+              </a:extLst>
+            </p:cNvPr>
+            <p:cNvSpPr/>
+            <p:nvPr/>
+          </p:nvSpPr>
+          <p:spPr>
+            <a:xfrm>
+              <a:off x="10169297" y="2555798"/>
+              <a:ext cx="1143000" cy="237947"/>
+            </a:xfrm>
+            <a:prstGeom prst="rect">
+              <a:avLst/>
+            </a:prstGeom>
+          </p:spPr>
+          <p:style>
+            <a:lnRef idx="2">
+              <a:schemeClr val="accent1">
+                <a:shade val="50000"/>
+              </a:schemeClr>
+            </a:lnRef>
+            <a:fillRef idx="1">
+              <a:schemeClr val="accent1"/>
+            </a:fillRef>
+            <a:effectRef idx="0">
+              <a:schemeClr val="accent1"/>
+            </a:effectRef>
+            <a:fontRef idx="minor">
+              <a:schemeClr val="lt1"/>
+            </a:fontRef>
+          </p:style>
+          <p:txBody>
+            <a:bodyPr rtlCol="0" anchor="ctr"/>
+            <a:lstStyle/>
+            <a:p>
+              <a:pPr algn="ctr"/>
+              <a:r>
+                <a:rPr lang="en-US" dirty="0"/>
+                <a:t>If decimal</a:t>
+              </a:r>
+            </a:p>
+          </p:txBody>
+        </p:sp>
+        <p:sp>
+          <p:nvSpPr>
+            <p:cNvPr id="27" name="Rectangle 26">
+              <a:extLst>
+                <a:ext uri="{FF2B5EF4-FFF2-40B4-BE49-F238E27FC236}">
+                  <a16:creationId xmlns:a16="http://schemas.microsoft.com/office/drawing/2014/main" id="{1DDA98F9-C615-925C-7691-C26B400EAA27}"/>
+                </a:ext>
+              </a:extLst>
+            </p:cNvPr>
+            <p:cNvSpPr/>
+            <p:nvPr/>
+          </p:nvSpPr>
+          <p:spPr>
+            <a:xfrm>
+              <a:off x="10196510" y="2853316"/>
+              <a:ext cx="1143001" cy="237947"/>
+            </a:xfrm>
+            <a:prstGeom prst="rect">
+              <a:avLst/>
+            </a:prstGeom>
+          </p:spPr>
+          <p:style>
+            <a:lnRef idx="2">
+              <a:schemeClr val="accent1">
+                <a:shade val="50000"/>
+              </a:schemeClr>
+            </a:lnRef>
+            <a:fillRef idx="1">
+              <a:schemeClr val="accent1"/>
+            </a:fillRef>
+            <a:effectRef idx="0">
+              <a:schemeClr val="accent1"/>
+            </a:effectRef>
+            <a:fontRef idx="minor">
+              <a:schemeClr val="lt1"/>
+            </a:fontRef>
+          </p:style>
+          <p:txBody>
+            <a:bodyPr rtlCol="0" anchor="ctr"/>
+            <a:lstStyle/>
+            <a:p>
+              <a:pPr algn="ctr"/>
+              <a:r>
+                <a:rPr lang="en-US" dirty="0"/>
+                <a:t>If number</a:t>
+              </a:r>
+            </a:p>
+          </p:txBody>
+        </p:sp>
+        <p:sp>
+          <p:nvSpPr>
+            <p:cNvPr id="28" name="Rectangle 27">
+              <a:extLst>
+                <a:ext uri="{FF2B5EF4-FFF2-40B4-BE49-F238E27FC236}">
+                  <a16:creationId xmlns:a16="http://schemas.microsoft.com/office/drawing/2014/main" id="{11D4A645-B334-F4DD-BA52-0DA93CD5D275}"/>
+                </a:ext>
+              </a:extLst>
+            </p:cNvPr>
+            <p:cNvSpPr/>
+            <p:nvPr/>
+          </p:nvSpPr>
+          <p:spPr>
+            <a:xfrm>
+              <a:off x="11339511" y="2555798"/>
+              <a:ext cx="789214" cy="237947"/>
+            </a:xfrm>
+            <a:prstGeom prst="rect">
+              <a:avLst/>
+            </a:prstGeom>
+          </p:spPr>
+          <p:style>
+            <a:lnRef idx="2">
+              <a:schemeClr val="accent1">
+                <a:shade val="50000"/>
+              </a:schemeClr>
+            </a:lnRef>
+            <a:fillRef idx="1">
+              <a:schemeClr val="accent1"/>
+            </a:fillRef>
+            <a:effectRef idx="0">
+              <a:schemeClr val="accent1"/>
+            </a:effectRef>
+            <a:fontRef idx="minor">
+              <a:schemeClr val="lt1"/>
+            </a:fontRef>
+          </p:style>
+          <p:txBody>
+            <a:bodyPr rtlCol="0" anchor="ctr"/>
+            <a:lstStyle/>
+            <a:p>
+              <a:pPr algn="ctr"/>
+              <a:r>
+                <a:rPr lang="en-US" dirty="0"/>
+                <a:t>str()</a:t>
+              </a:r>
+            </a:p>
+          </p:txBody>
+        </p:sp>
+        <p:sp>
+          <p:nvSpPr>
+            <p:cNvPr id="29" name="Rectangle 28">
+              <a:extLst>
+                <a:ext uri="{FF2B5EF4-FFF2-40B4-BE49-F238E27FC236}">
+                  <a16:creationId xmlns:a16="http://schemas.microsoft.com/office/drawing/2014/main" id="{8F02965E-1529-4C7E-5772-6923E795F324}"/>
+                </a:ext>
+              </a:extLst>
+            </p:cNvPr>
+            <p:cNvSpPr/>
+            <p:nvPr/>
+          </p:nvSpPr>
+          <p:spPr>
+            <a:xfrm>
+              <a:off x="11366726" y="2853316"/>
+              <a:ext cx="789214" cy="237947"/>
+            </a:xfrm>
+            <a:prstGeom prst="rect">
+              <a:avLst/>
+            </a:prstGeom>
+          </p:spPr>
+          <p:style>
+            <a:lnRef idx="2">
+              <a:schemeClr val="accent1">
+                <a:shade val="50000"/>
+              </a:schemeClr>
+            </a:lnRef>
+            <a:fillRef idx="1">
+              <a:schemeClr val="accent1"/>
+            </a:fillRef>
+            <a:effectRef idx="0">
+              <a:schemeClr val="accent1"/>
+            </a:effectRef>
+            <a:fontRef idx="minor">
+              <a:schemeClr val="lt1"/>
+            </a:fontRef>
+          </p:style>
+          <p:txBody>
+            <a:bodyPr rtlCol="0" anchor="ctr"/>
+            <a:lstStyle/>
+            <a:p>
+              <a:pPr algn="ctr"/>
+              <a:r>
+                <a:rPr lang="en-US" dirty="0"/>
+                <a:t>str()</a:t>
+              </a:r>
+            </a:p>
+          </p:txBody>
+        </p:sp>
+        <p:sp>
+          <p:nvSpPr>
+            <p:cNvPr id="30" name="Rounded Rectangle 29">
+              <a:extLst>
+                <a:ext uri="{FF2B5EF4-FFF2-40B4-BE49-F238E27FC236}">
+                  <a16:creationId xmlns:a16="http://schemas.microsoft.com/office/drawing/2014/main" id="{0738E83E-614A-F85E-5BA5-63C8A24A7797}"/>
+                </a:ext>
+              </a:extLst>
+            </p:cNvPr>
+            <p:cNvSpPr/>
+            <p:nvPr/>
+          </p:nvSpPr>
+          <p:spPr>
+            <a:xfrm>
+              <a:off x="10134602" y="2233493"/>
+              <a:ext cx="894664" cy="299250"/>
+            </a:xfrm>
+            <a:prstGeom prst="roundRect">
+              <a:avLst/>
+            </a:prstGeom>
+          </p:spPr>
+          <p:style>
+            <a:lnRef idx="1">
+              <a:schemeClr val="accent1"/>
+            </a:lnRef>
+            <a:fillRef idx="2">
+              <a:schemeClr val="accent1"/>
+            </a:fillRef>
+            <a:effectRef idx="1">
+              <a:schemeClr val="accent1"/>
+            </a:effectRef>
+            <a:fontRef idx="minor">
+              <a:schemeClr val="dk1"/>
+            </a:fontRef>
+          </p:style>
+          <p:txBody>
+            <a:bodyPr rtlCol="0" anchor="ctr"/>
+            <a:lstStyle/>
+            <a:p>
+              <a:pPr algn="ctr"/>
+              <a:r>
+                <a:rPr lang="en-US" dirty="0">
+                  <a:solidFill>
+                    <a:srgbClr val="FFFF00"/>
+                  </a:solidFill>
+                </a:rPr>
+                <a:t>+</a:t>
+              </a:r>
+            </a:p>
+          </p:txBody>
+        </p:sp>
+        <p:cxnSp>
+          <p:nvCxnSpPr>
+            <p:cNvPr id="31" name="Elbow Connector 30">
+              <a:extLst>
+                <a:ext uri="{FF2B5EF4-FFF2-40B4-BE49-F238E27FC236}">
+                  <a16:creationId xmlns:a16="http://schemas.microsoft.com/office/drawing/2014/main" id="{A0CDF407-6C9F-A06C-758A-A48D6FC86287}"/>
+                </a:ext>
+              </a:extLst>
+            </p:cNvPr>
+            <p:cNvCxnSpPr>
+              <a:cxnSpLocks/>
+              <a:stCxn id="29" idx="2"/>
+              <a:endCxn id="22" idx="0"/>
+            </p:cNvCxnSpPr>
+            <p:nvPr/>
+          </p:nvCxnSpPr>
+          <p:spPr>
+            <a:xfrm rot="5400000">
+              <a:off x="11179880" y="3637826"/>
+              <a:ext cx="1128017" cy="34890"/>
+            </a:xfrm>
+            <a:prstGeom prst="bentConnector3">
+              <a:avLst>
+                <a:gd name="adj1" fmla="val 50000"/>
+              </a:avLst>
+            </a:prstGeom>
+            <a:ln>
+              <a:tailEnd type="triangle"/>
+            </a:ln>
+          </p:spPr>
+          <p:style>
+            <a:lnRef idx="3">
+              <a:schemeClr val="accent1"/>
+            </a:lnRef>
+            <a:fillRef idx="0">
+              <a:schemeClr val="accent1"/>
+            </a:fillRef>
+            <a:effectRef idx="2">
+              <a:schemeClr val="accent1"/>
+            </a:effectRef>
+            <a:fontRef idx="minor">
+              <a:schemeClr val="tx1"/>
+            </a:fontRef>
+          </p:style>
+        </p:cxnSp>
+        <p:cxnSp>
+          <p:nvCxnSpPr>
+            <p:cNvPr id="32" name="Elbow Connector 31">
+              <a:extLst>
+                <a:ext uri="{FF2B5EF4-FFF2-40B4-BE49-F238E27FC236}">
+                  <a16:creationId xmlns:a16="http://schemas.microsoft.com/office/drawing/2014/main" id="{9A35A14F-79AC-7392-9871-8184DA3B8764}"/>
+                </a:ext>
+              </a:extLst>
+            </p:cNvPr>
+            <p:cNvCxnSpPr>
+              <a:cxnSpLocks/>
+              <a:stCxn id="24" idx="3"/>
+              <a:endCxn id="22" idx="0"/>
+            </p:cNvCxnSpPr>
+            <p:nvPr/>
+          </p:nvCxnSpPr>
+          <p:spPr>
+            <a:xfrm>
+              <a:off x="11379940" y="3351743"/>
+              <a:ext cx="346503" cy="867537"/>
+            </a:xfrm>
+            <a:prstGeom prst="bentConnector2">
+              <a:avLst/>
+            </a:prstGeom>
+            <a:ln>
+              <a:tailEnd type="triangle"/>
+            </a:ln>
+          </p:spPr>
+          <p:style>
+            <a:lnRef idx="3">
+              <a:schemeClr val="accent1"/>
+            </a:lnRef>
+            <a:fillRef idx="0">
+              <a:schemeClr val="accent1"/>
+            </a:fillRef>
+            <a:effectRef idx="2">
+              <a:schemeClr val="accent1"/>
+            </a:effectRef>
+            <a:fontRef idx="minor">
+              <a:schemeClr val="tx1"/>
+            </a:fontRef>
+          </p:style>
+        </p:cxnSp>
+        <p:cxnSp>
+          <p:nvCxnSpPr>
+            <p:cNvPr id="33" name="Elbow Connector 32">
+              <a:extLst>
+                <a:ext uri="{FF2B5EF4-FFF2-40B4-BE49-F238E27FC236}">
+                  <a16:creationId xmlns:a16="http://schemas.microsoft.com/office/drawing/2014/main" id="{8B3AAF5C-306F-BAB6-18B5-9B158ED158E8}"/>
+                </a:ext>
+              </a:extLst>
+            </p:cNvPr>
+            <p:cNvCxnSpPr>
+              <a:cxnSpLocks/>
+              <a:stCxn id="23" idx="3"/>
+              <a:endCxn id="22" idx="0"/>
+            </p:cNvCxnSpPr>
+            <p:nvPr/>
+          </p:nvCxnSpPr>
+          <p:spPr>
+            <a:xfrm>
+              <a:off x="11479312" y="3827278"/>
+              <a:ext cx="247131" cy="392002"/>
+            </a:xfrm>
+            <a:prstGeom prst="bentConnector2">
+              <a:avLst/>
+            </a:prstGeom>
+            <a:ln>
+              <a:tailEnd type="triangle"/>
+            </a:ln>
+          </p:spPr>
+          <p:style>
+            <a:lnRef idx="3">
+              <a:schemeClr val="accent1"/>
+            </a:lnRef>
+            <a:fillRef idx="0">
+              <a:schemeClr val="accent1"/>
+            </a:fillRef>
+            <a:effectRef idx="2">
+              <a:schemeClr val="accent1"/>
+            </a:effectRef>
+            <a:fontRef idx="minor">
+              <a:schemeClr val="tx1"/>
+            </a:fontRef>
+          </p:style>
+        </p:cxnSp>
+        <p:sp>
+          <p:nvSpPr>
+            <p:cNvPr id="34" name="Rectangle 33">
+              <a:extLst>
+                <a:ext uri="{FF2B5EF4-FFF2-40B4-BE49-F238E27FC236}">
+                  <a16:creationId xmlns:a16="http://schemas.microsoft.com/office/drawing/2014/main" id="{05163B54-DC18-7B81-542C-C3BC226F6444}"/>
+                </a:ext>
+              </a:extLst>
+            </p:cNvPr>
+            <p:cNvSpPr/>
+            <p:nvPr/>
+          </p:nvSpPr>
+          <p:spPr>
+            <a:xfrm>
+              <a:off x="9213448" y="1547067"/>
+              <a:ext cx="1489981" cy="457200"/>
+            </a:xfrm>
+            <a:prstGeom prst="rect">
+              <a:avLst/>
+            </a:prstGeom>
+          </p:spPr>
+          <p:style>
+            <a:lnRef idx="2">
+              <a:schemeClr val="accent1">
+                <a:shade val="50000"/>
+              </a:schemeClr>
+            </a:lnRef>
+            <a:fillRef idx="1">
+              <a:schemeClr val="accent1"/>
+            </a:fillRef>
+            <a:effectRef idx="0">
+              <a:schemeClr val="accent1"/>
+            </a:effectRef>
+            <a:fontRef idx="minor">
+              <a:schemeClr val="lt1"/>
+            </a:fontRef>
+          </p:style>
+          <p:txBody>
+            <a:bodyPr rtlCol="0" anchor="ctr"/>
+            <a:lstStyle/>
+            <a:p>
+              <a:pPr algn="ctr"/>
+              <a:r>
+                <a:rPr lang="en-US" dirty="0"/>
+                <a:t>Variable</a:t>
+              </a:r>
+            </a:p>
+            <a:p>
+              <a:pPr algn="ctr"/>
+              <a:r>
+                <a:rPr lang="en-US" dirty="0"/>
+                <a:t>(int, str, float)</a:t>
+              </a:r>
+            </a:p>
+          </p:txBody>
+        </p:sp>
+        <p:cxnSp>
+          <p:nvCxnSpPr>
+            <p:cNvPr id="35" name="Elbow Connector 34">
+              <a:extLst>
+                <a:ext uri="{FF2B5EF4-FFF2-40B4-BE49-F238E27FC236}">
+                  <a16:creationId xmlns:a16="http://schemas.microsoft.com/office/drawing/2014/main" id="{AFB5905C-5A62-FDD5-5C56-4D105353251D}"/>
+                </a:ext>
+              </a:extLst>
+            </p:cNvPr>
+            <p:cNvCxnSpPr>
+              <a:cxnSpLocks/>
+              <a:stCxn id="34" idx="2"/>
+              <a:endCxn id="30" idx="1"/>
+            </p:cNvCxnSpPr>
+            <p:nvPr/>
+          </p:nvCxnSpPr>
+          <p:spPr>
+            <a:xfrm rot="16200000" flipH="1">
+              <a:off x="9857095" y="2105610"/>
+              <a:ext cx="378851" cy="176163"/>
+            </a:xfrm>
+            <a:prstGeom prst="bentConnector2">
+              <a:avLst/>
+            </a:prstGeom>
+            <a:ln>
+              <a:tailEnd type="triangle"/>
+            </a:ln>
+          </p:spPr>
+          <p:style>
+            <a:lnRef idx="3">
+              <a:schemeClr val="accent1"/>
+            </a:lnRef>
+            <a:fillRef idx="0">
+              <a:schemeClr val="accent1"/>
+            </a:fillRef>
+            <a:effectRef idx="2">
+              <a:schemeClr val="accent1"/>
+            </a:effectRef>
+            <a:fontRef idx="minor">
+              <a:schemeClr val="tx1"/>
+            </a:fontRef>
+          </p:style>
+        </p:cxnSp>
+        <p:cxnSp>
+          <p:nvCxnSpPr>
+            <p:cNvPr id="36" name="Elbow Connector 35">
+              <a:extLst>
+                <a:ext uri="{FF2B5EF4-FFF2-40B4-BE49-F238E27FC236}">
+                  <a16:creationId xmlns:a16="http://schemas.microsoft.com/office/drawing/2014/main" id="{294B7286-9CB3-FD5D-23F1-905FED5DD586}"/>
+                </a:ext>
+              </a:extLst>
+            </p:cNvPr>
+            <p:cNvCxnSpPr>
+              <a:cxnSpLocks/>
+              <a:stCxn id="34" idx="2"/>
+              <a:endCxn id="24" idx="1"/>
+            </p:cNvCxnSpPr>
+            <p:nvPr/>
+          </p:nvCxnSpPr>
+          <p:spPr>
+            <a:xfrm rot="16200000" flipH="1">
+              <a:off x="9565466" y="2397240"/>
+              <a:ext cx="1347476" cy="561530"/>
+            </a:xfrm>
+            <a:prstGeom prst="bentConnector2">
+              <a:avLst/>
+            </a:prstGeom>
+            <a:ln>
+              <a:tailEnd type="triangle"/>
+            </a:ln>
+          </p:spPr>
+          <p:style>
+            <a:lnRef idx="3">
+              <a:schemeClr val="accent1"/>
+            </a:lnRef>
+            <a:fillRef idx="0">
+              <a:schemeClr val="accent1"/>
+            </a:fillRef>
+            <a:effectRef idx="2">
+              <a:schemeClr val="accent1"/>
+            </a:effectRef>
+            <a:fontRef idx="minor">
+              <a:schemeClr val="tx1"/>
+            </a:fontRef>
+          </p:style>
+        </p:cxnSp>
+        <p:cxnSp>
+          <p:nvCxnSpPr>
+            <p:cNvPr id="37" name="Elbow Connector 36">
+              <a:extLst>
+                <a:ext uri="{FF2B5EF4-FFF2-40B4-BE49-F238E27FC236}">
+                  <a16:creationId xmlns:a16="http://schemas.microsoft.com/office/drawing/2014/main" id="{79524B66-F413-A634-D5B5-A12A93A64C2C}"/>
+                </a:ext>
+              </a:extLst>
+            </p:cNvPr>
+            <p:cNvCxnSpPr>
+              <a:cxnSpLocks/>
+              <a:stCxn id="34" idx="2"/>
+              <a:endCxn id="23" idx="1"/>
+            </p:cNvCxnSpPr>
+            <p:nvPr/>
+          </p:nvCxnSpPr>
+          <p:spPr>
+            <a:xfrm rot="5400000">
+              <a:off x="8947058" y="2815896"/>
+              <a:ext cx="1823011" cy="199752"/>
+            </a:xfrm>
+            <a:prstGeom prst="bentConnector4">
+              <a:avLst>
+                <a:gd name="adj1" fmla="val 45372"/>
+                <a:gd name="adj2" fmla="val 214442"/>
+              </a:avLst>
+            </a:prstGeom>
+            <a:ln>
+              <a:tailEnd type="triangle"/>
+            </a:ln>
+          </p:spPr>
+          <p:style>
+            <a:lnRef idx="3">
+              <a:schemeClr val="accent1"/>
+            </a:lnRef>
+            <a:fillRef idx="0">
+              <a:schemeClr val="accent1"/>
+            </a:fillRef>
+            <a:effectRef idx="2">
+              <a:schemeClr val="accent1"/>
+            </a:effectRef>
+            <a:fontRef idx="minor">
+              <a:schemeClr val="tx1"/>
+            </a:fontRef>
+          </p:style>
+        </p:cxnSp>
+      </p:grpSp>
+      <p:sp>
+        <p:nvSpPr>
+          <p:cNvPr id="21" name="TextBox 20">
+            <a:extLst>
+              <a:ext uri="{FF2B5EF4-FFF2-40B4-BE49-F238E27FC236}">
+                <a16:creationId xmlns:a16="http://schemas.microsoft.com/office/drawing/2014/main" id="{C35A38AA-5DA3-F661-1C24-039BDD95E4C5}"/>
+              </a:ext>
+            </a:extLst>
+          </p:cNvPr>
+          <p:cNvSpPr txBox="1"/>
+          <p:nvPr/>
+        </p:nvSpPr>
+        <p:spPr>
+          <a:xfrm>
+            <a:off x="7504748" y="5149135"/>
+            <a:ext cx="4082656" cy="1477328"/>
           </a:xfrm>
           <a:prstGeom prst="rect">
             <a:avLst/>
           </a:prstGeom>
         </p:spPr>
         <p:style>
-          <a:lnRef idx="2">
-            <a:schemeClr val="accent1">
-              <a:shade val="50000"/>
-            </a:schemeClr>
+          <a:lnRef idx="3">
+            <a:schemeClr val="lt1"/>
           </a:lnRef>
           <a:fillRef idx="1">
-            <a:schemeClr val="accent1"/>
+            <a:schemeClr val="accent5"/>
           </a:fillRef>
-          <a:effectRef idx="0">
-            <a:schemeClr val="accent1"/>
+          <a:effectRef idx="1">
+            <a:schemeClr val="accent5"/>
           </a:effectRef>
           <a:fontRef idx="minor">
             <a:schemeClr val="lt1"/>
           </a:fontRef>
         </p:style>
         <p:txBody>
-          <a:bodyPr rtlCol="0" anchor="ctr"/>
-          <a:lstStyle/>
-          <a:p>
-            <a:pPr algn="ctr"/>
-            <a:r>
-              <a:rPr lang="en-US" dirty="0"/>
-              <a:t>Output</a:t>
-            </a:r>
-          </a:p>
-        </p:txBody>
-      </p:sp>
-      <p:sp>
-        <p:nvSpPr>
-          <p:cNvPr id="2" name="Striped Right Arrow 1">
-            <a:extLst>
-              <a:ext uri="{FF2B5EF4-FFF2-40B4-BE49-F238E27FC236}">
-                <a16:creationId xmlns:a16="http://schemas.microsoft.com/office/drawing/2014/main" id="{1146FDA9-A96A-6788-6E98-40520488B817}"/>
-              </a:ext>
-            </a:extLst>
-          </p:cNvPr>
-          <p:cNvSpPr/>
-          <p:nvPr/>
-        </p:nvSpPr>
-        <p:spPr>
-          <a:xfrm>
-            <a:off x="3233038" y="841818"/>
-            <a:ext cx="624249" cy="278745"/>
-          </a:xfrm>
-          <a:prstGeom prst="stripedRightArrow">
-            <a:avLst/>
-          </a:prstGeom>
-        </p:spPr>
-        <p:style>
-          <a:lnRef idx="2">
-            <a:schemeClr val="accent1">
-              <a:shade val="50000"/>
-            </a:schemeClr>
-          </a:lnRef>
-          <a:fillRef idx="1">
-            <a:schemeClr val="accent1"/>
-          </a:fillRef>
-          <a:effectRef idx="0">
-            <a:schemeClr val="accent1"/>
-          </a:effectRef>
-          <a:fontRef idx="minor">
-            <a:schemeClr val="lt1"/>
-          </a:fontRef>
-        </p:style>
-        <p:txBody>
-          <a:bodyPr rtlCol="0" anchor="ctr"/>
-          <a:lstStyle/>
-          <a:p>
-            <a:pPr algn="ctr"/>
-            <a:endParaRPr lang="en-US"/>
-          </a:p>
-        </p:txBody>
-      </p:sp>
-      <p:sp>
-        <p:nvSpPr>
-          <p:cNvPr id="9" name="Striped Right Arrow 8">
-            <a:extLst>
-              <a:ext uri="{FF2B5EF4-FFF2-40B4-BE49-F238E27FC236}">
-                <a16:creationId xmlns:a16="http://schemas.microsoft.com/office/drawing/2014/main" id="{AAB3E9E3-813F-DC54-AFD1-C1C26D2B2610}"/>
-              </a:ext>
-            </a:extLst>
-          </p:cNvPr>
-          <p:cNvSpPr/>
-          <p:nvPr/>
-        </p:nvSpPr>
-        <p:spPr>
-          <a:xfrm>
-            <a:off x="7569853" y="830637"/>
-            <a:ext cx="624249" cy="278745"/>
-          </a:xfrm>
-          <a:prstGeom prst="stripedRightArrow">
-            <a:avLst/>
-          </a:prstGeom>
-        </p:spPr>
-        <p:style>
-          <a:lnRef idx="2">
-            <a:schemeClr val="accent1">
-              <a:shade val="50000"/>
-            </a:schemeClr>
-          </a:lnRef>
-          <a:fillRef idx="1">
-            <a:schemeClr val="accent1"/>
-          </a:fillRef>
-          <a:effectRef idx="0">
-            <a:schemeClr val="accent1"/>
-          </a:effectRef>
-          <a:fontRef idx="minor">
-            <a:schemeClr val="lt1"/>
-          </a:fontRef>
-        </p:style>
-        <p:txBody>
-          <a:bodyPr rtlCol="0" anchor="ctr"/>
-          <a:lstStyle/>
-          <a:p>
-            <a:pPr algn="ctr"/>
-            <a:endParaRPr lang="en-US"/>
-          </a:p>
-        </p:txBody>
-      </p:sp>
-      <p:sp>
-        <p:nvSpPr>
-          <p:cNvPr id="5" name="TextBox 4">
-            <a:extLst>
-              <a:ext uri="{FF2B5EF4-FFF2-40B4-BE49-F238E27FC236}">
-                <a16:creationId xmlns:a16="http://schemas.microsoft.com/office/drawing/2014/main" id="{A357C631-1CA6-8C77-5C78-5A73178266C6}"/>
-              </a:ext>
-            </a:extLst>
-          </p:cNvPr>
-          <p:cNvSpPr txBox="1"/>
-          <p:nvPr/>
-        </p:nvSpPr>
-        <p:spPr>
-          <a:xfrm>
-            <a:off x="1419117" y="-41142"/>
-            <a:ext cx="8274715" cy="1077218"/>
-          </a:xfrm>
-          <a:prstGeom prst="rect">
-            <a:avLst/>
-          </a:prstGeom>
-          <a:noFill/>
-        </p:spPr>
-        <p:txBody>
-          <a:bodyPr wrap="square">
-            <a:spAutoFit/>
-          </a:bodyPr>
-          <a:lstStyle/>
-          <a:p>
-            <a:r>
-              <a:rPr lang="en-US" sz="2800" dirty="0"/>
-              <a:t>We solve people problems</a:t>
-            </a:r>
-          </a:p>
-          <a:p>
-            <a:r>
-              <a:rPr lang="en-US" dirty="0"/>
-              <a:t>Have I read the entire assignment?</a:t>
-            </a:r>
-          </a:p>
-          <a:p>
-            <a:endParaRPr lang="en-US" dirty="0"/>
-          </a:p>
-        </p:txBody>
-      </p:sp>
-      <p:sp>
-        <p:nvSpPr>
-          <p:cNvPr id="11" name="TextBox 10">
-            <a:extLst>
-              <a:ext uri="{FF2B5EF4-FFF2-40B4-BE49-F238E27FC236}">
-                <a16:creationId xmlns:a16="http://schemas.microsoft.com/office/drawing/2014/main" id="{77EE3F40-E783-DB1F-4945-BA30A78353A5}"/>
-              </a:ext>
-            </a:extLst>
-          </p:cNvPr>
-          <p:cNvSpPr txBox="1"/>
-          <p:nvPr/>
-        </p:nvSpPr>
-        <p:spPr>
-          <a:xfrm>
-            <a:off x="-258111" y="746432"/>
-            <a:ext cx="3236177" cy="369332"/>
-          </a:xfrm>
-          <a:prstGeom prst="rect">
-            <a:avLst/>
-          </a:prstGeom>
-          <a:noFill/>
-        </p:spPr>
-        <p:txBody>
-          <a:bodyPr wrap="square">
-            <a:spAutoFit/>
-          </a:bodyPr>
-          <a:lstStyle/>
-          <a:p>
-            <a:pPr lvl="1"/>
-            <a:r>
-              <a:rPr lang="en-US" dirty="0"/>
-              <a:t>What are the inputs?</a:t>
-            </a:r>
-          </a:p>
-        </p:txBody>
-      </p:sp>
-      <p:sp>
-        <p:nvSpPr>
-          <p:cNvPr id="13" name="TextBox 12">
-            <a:extLst>
-              <a:ext uri="{FF2B5EF4-FFF2-40B4-BE49-F238E27FC236}">
-                <a16:creationId xmlns:a16="http://schemas.microsoft.com/office/drawing/2014/main" id="{15A94803-C1D5-478B-B334-0929D8552F86}"/>
-              </a:ext>
-            </a:extLst>
-          </p:cNvPr>
-          <p:cNvSpPr txBox="1"/>
-          <p:nvPr/>
-        </p:nvSpPr>
-        <p:spPr>
-          <a:xfrm>
-            <a:off x="8078190" y="666522"/>
-            <a:ext cx="3760939" cy="369332"/>
-          </a:xfrm>
-          <a:prstGeom prst="rect">
-            <a:avLst/>
-          </a:prstGeom>
-          <a:noFill/>
-        </p:spPr>
-        <p:txBody>
-          <a:bodyPr wrap="square">
-            <a:spAutoFit/>
-          </a:bodyPr>
-          <a:lstStyle/>
-          <a:p>
-            <a:pPr lvl="1"/>
-            <a:r>
-              <a:rPr lang="en-US" dirty="0"/>
-              <a:t>What are the outputs?</a:t>
-            </a:r>
-          </a:p>
-        </p:txBody>
-      </p:sp>
-      <p:sp>
-        <p:nvSpPr>
-          <p:cNvPr id="15" name="TextBox 14">
-            <a:extLst>
-              <a:ext uri="{FF2B5EF4-FFF2-40B4-BE49-F238E27FC236}">
-                <a16:creationId xmlns:a16="http://schemas.microsoft.com/office/drawing/2014/main" id="{DC12A739-53C3-5DA6-E678-AF014AE27F91}"/>
-              </a:ext>
-            </a:extLst>
-          </p:cNvPr>
-          <p:cNvSpPr txBox="1"/>
-          <p:nvPr/>
-        </p:nvSpPr>
-        <p:spPr>
-          <a:xfrm>
-            <a:off x="3526093" y="685295"/>
-            <a:ext cx="3993147" cy="369332"/>
-          </a:xfrm>
-          <a:prstGeom prst="rect">
-            <a:avLst/>
-          </a:prstGeom>
-          <a:noFill/>
-        </p:spPr>
-        <p:txBody>
-          <a:bodyPr wrap="square">
-            <a:spAutoFit/>
-          </a:bodyPr>
-          <a:lstStyle/>
-          <a:p>
-            <a:pPr lvl="1"/>
-            <a:r>
-              <a:rPr lang="en-US" dirty="0"/>
-              <a:t>How do inputs become outputs?</a:t>
-            </a:r>
-          </a:p>
-        </p:txBody>
-      </p:sp>
-      <p:sp>
-        <p:nvSpPr>
-          <p:cNvPr id="10" name="TextBox 9">
-            <a:extLst>
-              <a:ext uri="{FF2B5EF4-FFF2-40B4-BE49-F238E27FC236}">
-                <a16:creationId xmlns:a16="http://schemas.microsoft.com/office/drawing/2014/main" id="{B1060BF5-BDAE-DF80-40B0-5CB2F8A54A43}"/>
-              </a:ext>
-            </a:extLst>
-          </p:cNvPr>
-          <p:cNvSpPr txBox="1"/>
-          <p:nvPr/>
-        </p:nvSpPr>
-        <p:spPr>
-          <a:xfrm>
-            <a:off x="11166506" y="5917446"/>
-            <a:ext cx="1164920" cy="1200329"/>
-          </a:xfrm>
-          <a:prstGeom prst="rect">
-            <a:avLst/>
-          </a:prstGeom>
-          <a:noFill/>
-        </p:spPr>
-        <p:txBody>
-          <a:bodyPr wrap="square" rtlCol="0">
-            <a:spAutoFit/>
-          </a:bodyPr>
-          <a:lstStyle/>
-          <a:p>
-            <a:r>
-              <a:rPr lang="en-US" sz="7200" dirty="0"/>
-              <a:t>📺</a:t>
-            </a:r>
-          </a:p>
-        </p:txBody>
-      </p:sp>
-      <p:sp>
-        <p:nvSpPr>
-          <p:cNvPr id="12" name="TextBox 11">
-            <a:extLst>
-              <a:ext uri="{FF2B5EF4-FFF2-40B4-BE49-F238E27FC236}">
-                <a16:creationId xmlns:a16="http://schemas.microsoft.com/office/drawing/2014/main" id="{38562774-A46E-F961-4F13-0AB6332A4A00}"/>
-              </a:ext>
-            </a:extLst>
-          </p:cNvPr>
-          <p:cNvSpPr txBox="1"/>
-          <p:nvPr/>
-        </p:nvSpPr>
-        <p:spPr>
-          <a:xfrm>
-            <a:off x="-96427" y="2634764"/>
-            <a:ext cx="1031051" cy="2123658"/>
-          </a:xfrm>
-          <a:prstGeom prst="rect">
-            <a:avLst/>
-          </a:prstGeom>
-          <a:noFill/>
-        </p:spPr>
-        <p:txBody>
           <a:bodyPr wrap="none" rtlCol="0">
             <a:spAutoFit/>
           </a:bodyPr>
           <a:lstStyle/>
           <a:p>
             <a:r>
-              <a:rPr lang="en-US" sz="6600" dirty="0"/>
-              <a:t>⌨️</a:t>
-            </a:r>
-          </a:p>
-          <a:p>
-            <a:r>
-              <a:rPr lang="en-US" sz="6600" dirty="0"/>
-              <a:t>💾</a:t>
+              <a:rPr lang="en-US" dirty="0"/>
+              <a:t>print(“---------…</a:t>
+            </a:r>
+          </a:p>
+          <a:p>
+            <a:r>
+              <a:rPr lang="en-US" dirty="0">
+                <a:sym typeface="Wingdings" pitchFamily="2" charset="2"/>
+              </a:rPr>
+              <a:t>print(</a:t>
+            </a:r>
+            <a:r>
+              <a:rPr lang="en-US" dirty="0">
+                <a:solidFill>
+                  <a:srgbClr val="FFFF00"/>
+                </a:solidFill>
+                <a:sym typeface="Wingdings" pitchFamily="2" charset="2"/>
+              </a:rPr>
+              <a:t>f</a:t>
+            </a:r>
+            <a:r>
+              <a:rPr lang="en-US" dirty="0">
+                <a:sym typeface="Wingdings" pitchFamily="2" charset="2"/>
+              </a:rPr>
+              <a:t>”{</a:t>
+            </a:r>
+            <a:r>
+              <a:rPr lang="en-US" dirty="0" err="1">
+                <a:sym typeface="Wingdings" pitchFamily="2" charset="2"/>
+              </a:rPr>
+              <a:t>lastname.upper</a:t>
+            </a:r>
+            <a:r>
+              <a:rPr lang="en-US" dirty="0">
+                <a:sym typeface="Wingdings" pitchFamily="2" charset="2"/>
+              </a:rPr>
+              <a:t>()}, {</a:t>
+            </a:r>
+            <a:r>
+              <a:rPr lang="en-US" dirty="0" err="1">
+                <a:sym typeface="Wingdings" pitchFamily="2" charset="2"/>
+              </a:rPr>
+              <a:t>first_name</a:t>
+            </a:r>
+            <a:r>
+              <a:rPr lang="en-US" dirty="0">
+                <a:sym typeface="Wingdings" pitchFamily="2" charset="2"/>
+              </a:rPr>
+              <a:t>}”)</a:t>
+            </a:r>
+          </a:p>
+          <a:p>
+            <a:r>
+              <a:rPr lang="en-US" dirty="0">
+                <a:sym typeface="Wingdings" pitchFamily="2" charset="2"/>
+              </a:rPr>
+              <a:t>print(“{}”.</a:t>
+            </a:r>
+            <a:r>
+              <a:rPr lang="en-US" dirty="0">
+                <a:solidFill>
+                  <a:srgbClr val="FFFF00"/>
+                </a:solidFill>
+                <a:sym typeface="Wingdings" pitchFamily="2" charset="2"/>
+              </a:rPr>
+              <a:t>format(</a:t>
+            </a:r>
+            <a:r>
+              <a:rPr lang="en-US" dirty="0" err="1">
+                <a:solidFill>
+                  <a:srgbClr val="FFFF00"/>
+                </a:solidFill>
+                <a:sym typeface="Wingdings" pitchFamily="2" charset="2"/>
+              </a:rPr>
+              <a:t>job_title</a:t>
+            </a:r>
+            <a:r>
+              <a:rPr lang="en-US" dirty="0">
+                <a:solidFill>
+                  <a:srgbClr val="FFFF00"/>
+                </a:solidFill>
+                <a:sym typeface="Wingdings" pitchFamily="2" charset="2"/>
+              </a:rPr>
+              <a:t>))</a:t>
+            </a:r>
+          </a:p>
+          <a:p>
+            <a:r>
+              <a:rPr lang="en-US" dirty="0">
+                <a:sym typeface="Wingdings" pitchFamily="2" charset="2"/>
+              </a:rPr>
+              <a:t>print(“</a:t>
+            </a:r>
+            <a:r>
+              <a:rPr lang="en-US" dirty="0" err="1">
+                <a:sym typeface="Wingdings" pitchFamily="2" charset="2"/>
+              </a:rPr>
+              <a:t>ID”</a:t>
+            </a:r>
+            <a:r>
+              <a:rPr lang="en-US" dirty="0" err="1">
+                <a:solidFill>
+                  <a:srgbClr val="FFFF00"/>
+                </a:solidFill>
+                <a:sym typeface="Wingdings" pitchFamily="2" charset="2"/>
+              </a:rPr>
+              <a:t>+</a:t>
+            </a:r>
+            <a:r>
+              <a:rPr lang="en-US" dirty="0" err="1">
+                <a:sym typeface="Wingdings" pitchFamily="2" charset="2"/>
+              </a:rPr>
+              <a:t>f</a:t>
+            </a:r>
+            <a:r>
+              <a:rPr lang="en-US" dirty="0">
+                <a:sym typeface="Wingdings" pitchFamily="2" charset="2"/>
+              </a:rPr>
+              <a:t>”{</a:t>
+            </a:r>
+            <a:r>
+              <a:rPr lang="en-US" dirty="0" err="1">
+                <a:sym typeface="Wingdings" pitchFamily="2" charset="2"/>
+              </a:rPr>
+              <a:t>id_number</a:t>
+            </a:r>
+            <a:r>
+              <a:rPr lang="en-US" dirty="0">
+                <a:sym typeface="Wingdings" pitchFamily="2" charset="2"/>
+              </a:rPr>
+              <a:t>}”)</a:t>
+            </a:r>
+          </a:p>
+          <a:p>
+            <a:r>
+              <a:rPr lang="en-US" dirty="0">
+                <a:sym typeface="Wingdings" pitchFamily="2" charset="2"/>
+              </a:rPr>
+              <a:t>….</a:t>
             </a:r>
             <a:endParaRPr lang="en-US" dirty="0"/>
-          </a:p>
-        </p:txBody>
-      </p:sp>
-      <p:sp>
-        <p:nvSpPr>
-          <p:cNvPr id="16" name="TextBox 15">
-            <a:extLst>
-              <a:ext uri="{FF2B5EF4-FFF2-40B4-BE49-F238E27FC236}">
-                <a16:creationId xmlns:a16="http://schemas.microsoft.com/office/drawing/2014/main" id="{CCBC5AF1-D84A-966A-44FD-172B4C8488B6}"/>
-              </a:ext>
-            </a:extLst>
-          </p:cNvPr>
-          <p:cNvSpPr txBox="1"/>
-          <p:nvPr/>
-        </p:nvSpPr>
-        <p:spPr>
-          <a:xfrm>
-            <a:off x="12164696" y="2444792"/>
-            <a:ext cx="4288971" cy="3416320"/>
-          </a:xfrm>
-          <a:prstGeom prst="rect">
-            <a:avLst/>
-          </a:prstGeom>
-          <a:noFill/>
-        </p:spPr>
-        <p:txBody>
-          <a:bodyPr wrap="square">
-            <a:spAutoFit/>
-          </a:bodyPr>
-          <a:lstStyle/>
-          <a:p>
-            <a:pPr defTabSz="914400" eaLnBrk="0" fontAlgn="base" hangingPunct="0">
-              <a:spcBef>
-                <a:spcPct val="0"/>
-              </a:spcBef>
-              <a:spcAft>
-                <a:spcPct val="0"/>
-              </a:spcAft>
-            </a:pPr>
-            <a:r>
-              <a:rPr kumimoji="0" lang="en-US" altLang="en-US" sz="1800" b="0" i="0" u="none" strike="noStrike" cap="none" normalizeH="0" baseline="0" dirty="0">
-                <a:ln>
-                  <a:noFill/>
-                </a:ln>
-                <a:effectLst/>
-                <a:latin typeface="Arial Unicode MS"/>
-              </a:rPr>
-              <a:t>The ID Card is:</a:t>
-            </a:r>
-          </a:p>
-          <a:p>
-            <a:pPr defTabSz="914400" eaLnBrk="0" fontAlgn="base" hangingPunct="0">
-              <a:spcBef>
-                <a:spcPct val="0"/>
-              </a:spcBef>
-              <a:spcAft>
-                <a:spcPct val="0"/>
-              </a:spcAft>
-            </a:pPr>
-            <a:r>
-              <a:rPr kumimoji="0" lang="en-US" altLang="en-US" sz="1800" b="0" i="0" u="none" strike="noStrike" cap="none" normalizeH="0" baseline="0" dirty="0">
-                <a:ln>
-                  <a:noFill/>
-                </a:ln>
-                <a:effectLst/>
-                <a:latin typeface="Arial Unicode MS"/>
-              </a:rPr>
-              <a:t>----------------------------------------</a:t>
-            </a:r>
-          </a:p>
-          <a:p>
-            <a:pPr defTabSz="914400" eaLnBrk="0" fontAlgn="base" hangingPunct="0">
-              <a:spcBef>
-                <a:spcPct val="0"/>
-              </a:spcBef>
-              <a:spcAft>
-                <a:spcPct val="0"/>
-              </a:spcAft>
-            </a:pPr>
-            <a:r>
-              <a:rPr kumimoji="0" lang="en-US" altLang="en-US" sz="1800" b="0" i="0" u="none" strike="noStrike" cap="none" normalizeH="0" baseline="0" dirty="0">
-                <a:ln>
-                  <a:noFill/>
-                </a:ln>
-                <a:effectLst/>
-                <a:latin typeface="Arial Unicode MS"/>
-              </a:rPr>
-              <a:t>DOE, Jane</a:t>
-            </a:r>
-          </a:p>
-          <a:p>
-            <a:pPr defTabSz="914400" eaLnBrk="0" fontAlgn="base" hangingPunct="0">
-              <a:spcBef>
-                <a:spcPct val="0"/>
-              </a:spcBef>
-              <a:spcAft>
-                <a:spcPct val="0"/>
-              </a:spcAft>
-            </a:pPr>
-            <a:r>
-              <a:rPr kumimoji="0" lang="en-US" altLang="en-US" sz="1800" b="0" i="0" u="none" strike="noStrike" cap="none" normalizeH="0" baseline="0" dirty="0">
-                <a:ln>
-                  <a:noFill/>
-                </a:ln>
-                <a:effectLst/>
-                <a:latin typeface="Arial Unicode MS"/>
-              </a:rPr>
-              <a:t>Chief Software Architect</a:t>
-            </a:r>
-          </a:p>
-          <a:p>
-            <a:pPr defTabSz="914400" eaLnBrk="0" fontAlgn="base" hangingPunct="0">
-              <a:spcBef>
-                <a:spcPct val="0"/>
-              </a:spcBef>
-              <a:spcAft>
-                <a:spcPct val="0"/>
-              </a:spcAft>
-            </a:pPr>
-            <a:r>
-              <a:rPr kumimoji="0" lang="en-US" altLang="en-US" sz="1800" b="0" i="0" u="none" strike="noStrike" cap="none" normalizeH="0" baseline="0" dirty="0">
-                <a:ln>
-                  <a:noFill/>
-                </a:ln>
-                <a:effectLst/>
-                <a:latin typeface="Arial Unicode MS"/>
-              </a:rPr>
-              <a:t>ID: 83-23821</a:t>
-            </a:r>
-          </a:p>
-          <a:p>
-            <a:pPr defTabSz="914400" eaLnBrk="0" fontAlgn="base" hangingPunct="0">
-              <a:spcBef>
-                <a:spcPct val="0"/>
-              </a:spcBef>
-              <a:spcAft>
-                <a:spcPct val="0"/>
-              </a:spcAft>
-            </a:pPr>
-            <a:endParaRPr kumimoji="0" lang="en-US" altLang="en-US" sz="1800" b="0" i="0" u="none" strike="noStrike" cap="none" normalizeH="0" baseline="0" dirty="0">
-              <a:ln>
-                <a:noFill/>
-              </a:ln>
-              <a:effectLst/>
-              <a:latin typeface="Arial Unicode MS"/>
-            </a:endParaRPr>
-          </a:p>
-          <a:p>
-            <a:pPr defTabSz="914400" eaLnBrk="0" fontAlgn="base" hangingPunct="0">
-              <a:spcBef>
-                <a:spcPct val="0"/>
-              </a:spcBef>
-              <a:spcAft>
-                <a:spcPct val="0"/>
-              </a:spcAft>
-            </a:pPr>
-            <a:r>
-              <a:rPr kumimoji="0" lang="en-US" altLang="en-US" sz="1800" b="0" i="0" u="none" strike="noStrike" cap="none" normalizeH="0" baseline="0" dirty="0" err="1">
-                <a:ln>
-                  <a:noFill/>
-                </a:ln>
-                <a:effectLst/>
-                <a:latin typeface="Arial Unicode MS"/>
-              </a:rPr>
-              <a:t>janedoe@email.com</a:t>
-            </a:r>
-            <a:endParaRPr kumimoji="0" lang="en-US" altLang="en-US" sz="1800" b="0" i="0" u="none" strike="noStrike" cap="none" normalizeH="0" baseline="0" dirty="0">
-              <a:ln>
-                <a:noFill/>
-              </a:ln>
-              <a:effectLst/>
-              <a:latin typeface="Arial Unicode MS"/>
-            </a:endParaRPr>
-          </a:p>
-          <a:p>
-            <a:pPr defTabSz="914400" eaLnBrk="0" fontAlgn="base" hangingPunct="0">
-              <a:spcBef>
-                <a:spcPct val="0"/>
-              </a:spcBef>
-              <a:spcAft>
-                <a:spcPct val="0"/>
-              </a:spcAft>
-            </a:pPr>
-            <a:r>
-              <a:rPr kumimoji="0" lang="en-US" altLang="en-US" sz="1800" b="0" i="0" u="none" strike="noStrike" cap="none" normalizeH="0" baseline="0" dirty="0">
-                <a:ln>
-                  <a:noFill/>
-                </a:ln>
-                <a:effectLst/>
-                <a:latin typeface="Arial Unicode MS"/>
-              </a:rPr>
-              <a:t>(208) 555-1234</a:t>
-            </a:r>
-          </a:p>
-          <a:p>
-            <a:pPr defTabSz="914400" eaLnBrk="0" fontAlgn="base" hangingPunct="0">
-              <a:spcBef>
-                <a:spcPct val="0"/>
-              </a:spcBef>
-              <a:spcAft>
-                <a:spcPct val="0"/>
-              </a:spcAft>
-            </a:pPr>
-            <a:endParaRPr kumimoji="0" lang="en-US" altLang="en-US" sz="1800" b="0" i="0" u="none" strike="noStrike" cap="none" normalizeH="0" baseline="0" dirty="0">
-              <a:ln>
-                <a:noFill/>
-              </a:ln>
-              <a:effectLst/>
-              <a:latin typeface="Arial Unicode MS"/>
-            </a:endParaRPr>
-          </a:p>
-          <a:p>
-            <a:pPr defTabSz="914400" eaLnBrk="0" fontAlgn="base" hangingPunct="0">
-              <a:spcBef>
-                <a:spcPct val="0"/>
-              </a:spcBef>
-              <a:spcAft>
-                <a:spcPct val="0"/>
-              </a:spcAft>
-            </a:pPr>
-            <a:r>
-              <a:rPr kumimoji="0" lang="en-US" altLang="en-US" sz="1800" b="0" i="0" u="none" strike="noStrike" cap="none" normalizeH="0" baseline="0" dirty="0">
-                <a:ln>
-                  <a:noFill/>
-                </a:ln>
-                <a:effectLst/>
-                <a:latin typeface="Arial Unicode MS"/>
-              </a:rPr>
-              <a:t>Hair: Brown           Eyes: Blue</a:t>
-            </a:r>
-          </a:p>
-          <a:p>
-            <a:pPr defTabSz="914400" eaLnBrk="0" fontAlgn="base" hangingPunct="0">
-              <a:spcBef>
-                <a:spcPct val="0"/>
-              </a:spcBef>
-              <a:spcAft>
-                <a:spcPct val="0"/>
-              </a:spcAft>
-            </a:pPr>
-            <a:r>
-              <a:rPr kumimoji="0" lang="en-US" altLang="en-US" sz="1800" b="0" i="0" u="none" strike="noStrike" cap="none" normalizeH="0" baseline="0" dirty="0">
-                <a:ln>
-                  <a:noFill/>
-                </a:ln>
-                <a:effectLst/>
-                <a:latin typeface="Arial Unicode MS"/>
-              </a:rPr>
-              <a:t>Month: September      Training: Yes</a:t>
-            </a:r>
-          </a:p>
-          <a:p>
-            <a:pPr defTabSz="914400" eaLnBrk="0" fontAlgn="base" hangingPunct="0">
-              <a:spcBef>
-                <a:spcPct val="0"/>
-              </a:spcBef>
-              <a:spcAft>
-                <a:spcPct val="0"/>
-              </a:spcAft>
-            </a:pPr>
-            <a:r>
-              <a:rPr kumimoji="0" lang="en-US" altLang="en-US" sz="1800" b="0" i="0" u="none" strike="noStrike" cap="none" normalizeH="0" baseline="0" dirty="0">
-                <a:ln>
-                  <a:noFill/>
-                </a:ln>
-                <a:effectLst/>
-                <a:latin typeface="Arial Unicode MS"/>
-              </a:rPr>
-              <a:t>----------------------------------------</a:t>
-            </a:r>
-            <a:endParaRPr kumimoji="0" lang="en-US" altLang="en-US" sz="4000" b="0" i="0" u="none" strike="noStrike" cap="none" normalizeH="0" baseline="0" dirty="0">
-              <a:ln>
-                <a:noFill/>
-              </a:ln>
-              <a:effectLst/>
-              <a:latin typeface="Arial" panose="020B0604020202020204" pitchFamily="34" charset="0"/>
-            </a:endParaRPr>
-          </a:p>
-        </p:txBody>
-      </p:sp>
-      <p:pic>
-        <p:nvPicPr>
-          <p:cNvPr id="3" name="Picture 2">
-            <a:extLst>
-              <a:ext uri="{FF2B5EF4-FFF2-40B4-BE49-F238E27FC236}">
-                <a16:creationId xmlns:a16="http://schemas.microsoft.com/office/drawing/2014/main" id="{FE35B2B1-C2EB-2FF4-8D9B-7762C9C2B28C}"/>
-              </a:ext>
-            </a:extLst>
-          </p:cNvPr>
-          <p:cNvPicPr>
-            <a:picLocks noChangeAspect="1"/>
-          </p:cNvPicPr>
-          <p:nvPr/>
-        </p:nvPicPr>
-        <p:blipFill>
-          <a:blip r:embed="rId3"/>
-          <a:stretch>
-            <a:fillRect/>
-          </a:stretch>
-        </p:blipFill>
-        <p:spPr>
-          <a:xfrm>
-            <a:off x="3976186" y="1085998"/>
-            <a:ext cx="3407228" cy="933711"/>
-          </a:xfrm>
-          <a:prstGeom prst="rect">
-            <a:avLst/>
-          </a:prstGeom>
-        </p:spPr>
-      </p:pic>
-      <p:sp>
-        <p:nvSpPr>
-          <p:cNvPr id="14" name="TextBox 13">
-            <a:extLst>
-              <a:ext uri="{FF2B5EF4-FFF2-40B4-BE49-F238E27FC236}">
-                <a16:creationId xmlns:a16="http://schemas.microsoft.com/office/drawing/2014/main" id="{AEE4E707-43F4-DB33-4231-82357E4B4132}"/>
-              </a:ext>
-            </a:extLst>
-          </p:cNvPr>
-          <p:cNvSpPr txBox="1"/>
-          <p:nvPr/>
-        </p:nvSpPr>
-        <p:spPr>
-          <a:xfrm>
-            <a:off x="119742" y="6488668"/>
-            <a:ext cx="6618514" cy="369332"/>
-          </a:xfrm>
-          <a:prstGeom prst="rect">
-            <a:avLst/>
-          </a:prstGeom>
-          <a:noFill/>
-        </p:spPr>
-        <p:txBody>
-          <a:bodyPr wrap="square">
-            <a:spAutoFit/>
-          </a:bodyPr>
-          <a:lstStyle/>
-          <a:p>
-            <a:r>
-              <a:rPr lang="en-US" dirty="0">
-                <a:hlinkClick r:id="rId4"/>
-              </a:rPr>
-              <a:t>https://byui-cse.github.io/cse110-course/lesson02/teach.html</a:t>
-            </a:r>
-            <a:r>
-              <a:rPr lang="en-US" dirty="0"/>
-              <a:t> </a:t>
-            </a:r>
-          </a:p>
-        </p:txBody>
-      </p:sp>
-      <p:sp>
-        <p:nvSpPr>
-          <p:cNvPr id="17" name="Rectangle 16">
-            <a:extLst>
-              <a:ext uri="{FF2B5EF4-FFF2-40B4-BE49-F238E27FC236}">
-                <a16:creationId xmlns:a16="http://schemas.microsoft.com/office/drawing/2014/main" id="{22D5664A-B968-9BC0-E36A-B2AA32E444A6}"/>
-              </a:ext>
-            </a:extLst>
-          </p:cNvPr>
-          <p:cNvSpPr/>
-          <p:nvPr/>
-        </p:nvSpPr>
-        <p:spPr>
-          <a:xfrm>
-            <a:off x="967380" y="2788707"/>
-            <a:ext cx="1513852" cy="393873"/>
-          </a:xfrm>
-          <a:prstGeom prst="rect">
-            <a:avLst/>
-          </a:prstGeom>
-        </p:spPr>
-        <p:style>
-          <a:lnRef idx="2">
-            <a:schemeClr val="accent1">
-              <a:shade val="15000"/>
-            </a:schemeClr>
-          </a:lnRef>
-          <a:fillRef idx="1">
-            <a:schemeClr val="accent1"/>
-          </a:fillRef>
-          <a:effectRef idx="0">
-            <a:schemeClr val="accent1"/>
-          </a:effectRef>
-          <a:fontRef idx="minor">
-            <a:schemeClr val="lt1"/>
-          </a:fontRef>
-        </p:style>
-        <p:txBody>
-          <a:bodyPr rtlCol="0" anchor="ctr"/>
-          <a:lstStyle/>
-          <a:p>
-            <a:pPr algn="ctr"/>
-            <a:r>
-              <a:rPr lang="en-US" dirty="0"/>
-              <a:t>Input: First</a:t>
-            </a:r>
-          </a:p>
-        </p:txBody>
-      </p:sp>
-      <p:sp>
-        <p:nvSpPr>
-          <p:cNvPr id="18" name="Rectangle 17">
-            <a:extLst>
-              <a:ext uri="{FF2B5EF4-FFF2-40B4-BE49-F238E27FC236}">
-                <a16:creationId xmlns:a16="http://schemas.microsoft.com/office/drawing/2014/main" id="{E227E670-8860-7937-A5A4-7C1582DC4958}"/>
-              </a:ext>
-            </a:extLst>
-          </p:cNvPr>
-          <p:cNvSpPr/>
-          <p:nvPr/>
-        </p:nvSpPr>
-        <p:spPr>
-          <a:xfrm>
-            <a:off x="962627" y="3182580"/>
-            <a:ext cx="1513852" cy="393873"/>
-          </a:xfrm>
-          <a:prstGeom prst="rect">
-            <a:avLst/>
-          </a:prstGeom>
-        </p:spPr>
-        <p:style>
-          <a:lnRef idx="2">
-            <a:schemeClr val="accent1">
-              <a:shade val="15000"/>
-            </a:schemeClr>
-          </a:lnRef>
-          <a:fillRef idx="1">
-            <a:schemeClr val="accent1"/>
-          </a:fillRef>
-          <a:effectRef idx="0">
-            <a:schemeClr val="accent1"/>
-          </a:effectRef>
-          <a:fontRef idx="minor">
-            <a:schemeClr val="lt1"/>
-          </a:fontRef>
-        </p:style>
-        <p:txBody>
-          <a:bodyPr rtlCol="0" anchor="ctr"/>
-          <a:lstStyle/>
-          <a:p>
-            <a:pPr algn="ctr"/>
-            <a:r>
-              <a:rPr lang="en-US" dirty="0"/>
-              <a:t>Input: Last</a:t>
-            </a:r>
-          </a:p>
-        </p:txBody>
-      </p:sp>
-      <p:sp>
-        <p:nvSpPr>
-          <p:cNvPr id="20" name="Rectangle 19">
-            <a:extLst>
-              <a:ext uri="{FF2B5EF4-FFF2-40B4-BE49-F238E27FC236}">
-                <a16:creationId xmlns:a16="http://schemas.microsoft.com/office/drawing/2014/main" id="{ABE0399E-6B49-34A6-5980-86EDF2477D75}"/>
-              </a:ext>
-            </a:extLst>
-          </p:cNvPr>
-          <p:cNvSpPr/>
-          <p:nvPr/>
-        </p:nvSpPr>
-        <p:spPr>
-          <a:xfrm>
-            <a:off x="967380" y="3576453"/>
-            <a:ext cx="1513852" cy="393873"/>
-          </a:xfrm>
-          <a:prstGeom prst="rect">
-            <a:avLst/>
-          </a:prstGeom>
-        </p:spPr>
-        <p:style>
-          <a:lnRef idx="2">
-            <a:schemeClr val="accent1">
-              <a:shade val="15000"/>
-            </a:schemeClr>
-          </a:lnRef>
-          <a:fillRef idx="1">
-            <a:schemeClr val="accent1"/>
-          </a:fillRef>
-          <a:effectRef idx="0">
-            <a:schemeClr val="accent1"/>
-          </a:effectRef>
-          <a:fontRef idx="minor">
-            <a:schemeClr val="lt1"/>
-          </a:fontRef>
-        </p:style>
-        <p:txBody>
-          <a:bodyPr rtlCol="0" anchor="ctr"/>
-          <a:lstStyle/>
-          <a:p>
-            <a:pPr algn="ctr"/>
-            <a:r>
-              <a:rPr lang="en-US" dirty="0"/>
-              <a:t>Input: Email</a:t>
-            </a:r>
-          </a:p>
-        </p:txBody>
-      </p:sp>
-      <p:sp>
-        <p:nvSpPr>
-          <p:cNvPr id="21" name="Rectangle 20">
-            <a:extLst>
-              <a:ext uri="{FF2B5EF4-FFF2-40B4-BE49-F238E27FC236}">
-                <a16:creationId xmlns:a16="http://schemas.microsoft.com/office/drawing/2014/main" id="{19190F54-1B85-5F63-D808-C90DF09ACC8C}"/>
-              </a:ext>
-            </a:extLst>
-          </p:cNvPr>
-          <p:cNvSpPr/>
-          <p:nvPr/>
-        </p:nvSpPr>
-        <p:spPr>
-          <a:xfrm>
-            <a:off x="962627" y="3970326"/>
-            <a:ext cx="1513852" cy="393873"/>
-          </a:xfrm>
-          <a:prstGeom prst="rect">
-            <a:avLst/>
-          </a:prstGeom>
-        </p:spPr>
-        <p:style>
-          <a:lnRef idx="2">
-            <a:schemeClr val="accent1">
-              <a:shade val="15000"/>
-            </a:schemeClr>
-          </a:lnRef>
-          <a:fillRef idx="1">
-            <a:schemeClr val="accent1"/>
-          </a:fillRef>
-          <a:effectRef idx="0">
-            <a:schemeClr val="accent1"/>
-          </a:effectRef>
-          <a:fontRef idx="minor">
-            <a:schemeClr val="lt1"/>
-          </a:fontRef>
-        </p:style>
-        <p:txBody>
-          <a:bodyPr rtlCol="0" anchor="ctr"/>
-          <a:lstStyle/>
-          <a:p>
-            <a:pPr algn="ctr"/>
-            <a:r>
-              <a:rPr lang="en-US" dirty="0"/>
-              <a:t>Input: Phone</a:t>
-            </a:r>
-          </a:p>
-        </p:txBody>
-      </p:sp>
-      <p:sp>
-        <p:nvSpPr>
-          <p:cNvPr id="22" name="Rectangle 21">
-            <a:extLst>
-              <a:ext uri="{FF2B5EF4-FFF2-40B4-BE49-F238E27FC236}">
-                <a16:creationId xmlns:a16="http://schemas.microsoft.com/office/drawing/2014/main" id="{015E51EE-F7DA-8D6B-82A4-43F85601248D}"/>
-              </a:ext>
-            </a:extLst>
-          </p:cNvPr>
-          <p:cNvSpPr/>
-          <p:nvPr/>
-        </p:nvSpPr>
-        <p:spPr>
-          <a:xfrm>
-            <a:off x="967380" y="4364549"/>
-            <a:ext cx="1513852" cy="393873"/>
-          </a:xfrm>
-          <a:prstGeom prst="rect">
-            <a:avLst/>
-          </a:prstGeom>
-        </p:spPr>
-        <p:style>
-          <a:lnRef idx="2">
-            <a:schemeClr val="accent1">
-              <a:shade val="15000"/>
-            </a:schemeClr>
-          </a:lnRef>
-          <a:fillRef idx="1">
-            <a:schemeClr val="accent1"/>
-          </a:fillRef>
-          <a:effectRef idx="0">
-            <a:schemeClr val="accent1"/>
-          </a:effectRef>
-          <a:fontRef idx="minor">
-            <a:schemeClr val="lt1"/>
-          </a:fontRef>
-        </p:style>
-        <p:txBody>
-          <a:bodyPr rtlCol="0" anchor="ctr"/>
-          <a:lstStyle/>
-          <a:p>
-            <a:pPr algn="ctr"/>
-            <a:r>
-              <a:rPr lang="en-US" dirty="0"/>
-              <a:t>Input: Title</a:t>
-            </a:r>
-          </a:p>
-        </p:txBody>
-      </p:sp>
-      <p:sp>
-        <p:nvSpPr>
-          <p:cNvPr id="23" name="Rectangle 22">
-            <a:extLst>
-              <a:ext uri="{FF2B5EF4-FFF2-40B4-BE49-F238E27FC236}">
-                <a16:creationId xmlns:a16="http://schemas.microsoft.com/office/drawing/2014/main" id="{9A651A9F-9345-F68E-5B58-A01C90C64D96}"/>
-              </a:ext>
-            </a:extLst>
-          </p:cNvPr>
-          <p:cNvSpPr/>
-          <p:nvPr/>
-        </p:nvSpPr>
-        <p:spPr>
-          <a:xfrm>
-            <a:off x="962627" y="4758422"/>
-            <a:ext cx="1513852" cy="393873"/>
-          </a:xfrm>
-          <a:prstGeom prst="rect">
-            <a:avLst/>
-          </a:prstGeom>
-        </p:spPr>
-        <p:style>
-          <a:lnRef idx="2">
-            <a:schemeClr val="accent1">
-              <a:shade val="15000"/>
-            </a:schemeClr>
-          </a:lnRef>
-          <a:fillRef idx="1">
-            <a:schemeClr val="accent1"/>
-          </a:fillRef>
-          <a:effectRef idx="0">
-            <a:schemeClr val="accent1"/>
-          </a:effectRef>
-          <a:fontRef idx="minor">
-            <a:schemeClr val="lt1"/>
-          </a:fontRef>
-        </p:style>
-        <p:txBody>
-          <a:bodyPr rtlCol="0" anchor="ctr"/>
-          <a:lstStyle/>
-          <a:p>
-            <a:pPr algn="ctr"/>
-            <a:r>
-              <a:rPr lang="en-US" dirty="0"/>
-              <a:t>Input: ID</a:t>
-            </a:r>
-          </a:p>
-        </p:txBody>
-      </p:sp>
-      <p:sp>
-        <p:nvSpPr>
-          <p:cNvPr id="24" name="Rectangle 23">
-            <a:extLst>
-              <a:ext uri="{FF2B5EF4-FFF2-40B4-BE49-F238E27FC236}">
-                <a16:creationId xmlns:a16="http://schemas.microsoft.com/office/drawing/2014/main" id="{677C17A3-EE01-6A6C-D836-6857AC695881}"/>
-              </a:ext>
-            </a:extLst>
-          </p:cNvPr>
-          <p:cNvSpPr/>
-          <p:nvPr/>
-        </p:nvSpPr>
-        <p:spPr>
-          <a:xfrm>
-            <a:off x="3306694" y="2788707"/>
-            <a:ext cx="1513852" cy="393873"/>
-          </a:xfrm>
-          <a:prstGeom prst="rect">
-            <a:avLst/>
-          </a:prstGeom>
-        </p:spPr>
-        <p:style>
-          <a:lnRef idx="2">
-            <a:schemeClr val="accent1">
-              <a:shade val="15000"/>
-            </a:schemeClr>
-          </a:lnRef>
-          <a:fillRef idx="1">
-            <a:schemeClr val="accent1"/>
-          </a:fillRef>
-          <a:effectRef idx="0">
-            <a:schemeClr val="accent1"/>
-          </a:effectRef>
-          <a:fontRef idx="minor">
-            <a:schemeClr val="lt1"/>
-          </a:fontRef>
-        </p:style>
-        <p:txBody>
-          <a:bodyPr rtlCol="0" anchor="ctr"/>
-          <a:lstStyle/>
-          <a:p>
-            <a:pPr algn="ctr"/>
-            <a:r>
-              <a:rPr lang="en-US" dirty="0"/>
-              <a:t>Var: First</a:t>
-            </a:r>
-          </a:p>
-        </p:txBody>
-      </p:sp>
-      <p:sp>
-        <p:nvSpPr>
-          <p:cNvPr id="25" name="Rectangle 24">
-            <a:extLst>
-              <a:ext uri="{FF2B5EF4-FFF2-40B4-BE49-F238E27FC236}">
-                <a16:creationId xmlns:a16="http://schemas.microsoft.com/office/drawing/2014/main" id="{380B97DA-AC52-74E7-0B0E-4671E914FB76}"/>
-              </a:ext>
-            </a:extLst>
-          </p:cNvPr>
-          <p:cNvSpPr/>
-          <p:nvPr/>
-        </p:nvSpPr>
-        <p:spPr>
-          <a:xfrm>
-            <a:off x="3301941" y="3182580"/>
-            <a:ext cx="1513852" cy="393873"/>
-          </a:xfrm>
-          <a:prstGeom prst="rect">
-            <a:avLst/>
-          </a:prstGeom>
-        </p:spPr>
-        <p:style>
-          <a:lnRef idx="2">
-            <a:schemeClr val="accent1">
-              <a:shade val="15000"/>
-            </a:schemeClr>
-          </a:lnRef>
-          <a:fillRef idx="1">
-            <a:schemeClr val="accent1"/>
-          </a:fillRef>
-          <a:effectRef idx="0">
-            <a:schemeClr val="accent1"/>
-          </a:effectRef>
-          <a:fontRef idx="minor">
-            <a:schemeClr val="lt1"/>
-          </a:fontRef>
-        </p:style>
-        <p:txBody>
-          <a:bodyPr rtlCol="0" anchor="ctr"/>
-          <a:lstStyle/>
-          <a:p>
-            <a:pPr algn="ctr"/>
-            <a:r>
-              <a:rPr lang="en-US" dirty="0"/>
-              <a:t>Var: Last</a:t>
-            </a:r>
-          </a:p>
-        </p:txBody>
-      </p:sp>
-      <p:sp>
-        <p:nvSpPr>
-          <p:cNvPr id="26" name="Rectangle 25">
-            <a:extLst>
-              <a:ext uri="{FF2B5EF4-FFF2-40B4-BE49-F238E27FC236}">
-                <a16:creationId xmlns:a16="http://schemas.microsoft.com/office/drawing/2014/main" id="{79FD0F2D-94EF-099C-34D7-6B69B3E3D715}"/>
-              </a:ext>
-            </a:extLst>
-          </p:cNvPr>
-          <p:cNvSpPr/>
-          <p:nvPr/>
-        </p:nvSpPr>
-        <p:spPr>
-          <a:xfrm>
-            <a:off x="3306694" y="3576453"/>
-            <a:ext cx="1513852" cy="393873"/>
-          </a:xfrm>
-          <a:prstGeom prst="rect">
-            <a:avLst/>
-          </a:prstGeom>
-        </p:spPr>
-        <p:style>
-          <a:lnRef idx="2">
-            <a:schemeClr val="accent1">
-              <a:shade val="15000"/>
-            </a:schemeClr>
-          </a:lnRef>
-          <a:fillRef idx="1">
-            <a:schemeClr val="accent1"/>
-          </a:fillRef>
-          <a:effectRef idx="0">
-            <a:schemeClr val="accent1"/>
-          </a:effectRef>
-          <a:fontRef idx="minor">
-            <a:schemeClr val="lt1"/>
-          </a:fontRef>
-        </p:style>
-        <p:txBody>
-          <a:bodyPr rtlCol="0" anchor="ctr"/>
-          <a:lstStyle/>
-          <a:p>
-            <a:pPr algn="ctr"/>
-            <a:r>
-              <a:rPr lang="en-US" dirty="0"/>
-              <a:t>Var: Email</a:t>
-            </a:r>
-          </a:p>
-        </p:txBody>
-      </p:sp>
-      <p:sp>
-        <p:nvSpPr>
-          <p:cNvPr id="27" name="Rectangle 26">
-            <a:extLst>
-              <a:ext uri="{FF2B5EF4-FFF2-40B4-BE49-F238E27FC236}">
-                <a16:creationId xmlns:a16="http://schemas.microsoft.com/office/drawing/2014/main" id="{D0A4C6CD-BD6B-6F06-939B-7E4E361DF556}"/>
-              </a:ext>
-            </a:extLst>
-          </p:cNvPr>
-          <p:cNvSpPr/>
-          <p:nvPr/>
-        </p:nvSpPr>
-        <p:spPr>
-          <a:xfrm>
-            <a:off x="3301941" y="3970326"/>
-            <a:ext cx="1513852" cy="393873"/>
-          </a:xfrm>
-          <a:prstGeom prst="rect">
-            <a:avLst/>
-          </a:prstGeom>
-        </p:spPr>
-        <p:style>
-          <a:lnRef idx="2">
-            <a:schemeClr val="accent1">
-              <a:shade val="15000"/>
-            </a:schemeClr>
-          </a:lnRef>
-          <a:fillRef idx="1">
-            <a:schemeClr val="accent1"/>
-          </a:fillRef>
-          <a:effectRef idx="0">
-            <a:schemeClr val="accent1"/>
-          </a:effectRef>
-          <a:fontRef idx="minor">
-            <a:schemeClr val="lt1"/>
-          </a:fontRef>
-        </p:style>
-        <p:txBody>
-          <a:bodyPr rtlCol="0" anchor="ctr"/>
-          <a:lstStyle/>
-          <a:p>
-            <a:pPr algn="ctr"/>
-            <a:r>
-              <a:rPr lang="en-US" dirty="0"/>
-              <a:t>Var: Phone</a:t>
-            </a:r>
-          </a:p>
-        </p:txBody>
-      </p:sp>
-      <p:sp>
-        <p:nvSpPr>
-          <p:cNvPr id="28" name="Rectangle 27">
-            <a:extLst>
-              <a:ext uri="{FF2B5EF4-FFF2-40B4-BE49-F238E27FC236}">
-                <a16:creationId xmlns:a16="http://schemas.microsoft.com/office/drawing/2014/main" id="{A4194292-B4EE-875E-4B0A-4C2E016598E5}"/>
-              </a:ext>
-            </a:extLst>
-          </p:cNvPr>
-          <p:cNvSpPr/>
-          <p:nvPr/>
-        </p:nvSpPr>
-        <p:spPr>
-          <a:xfrm>
-            <a:off x="3306694" y="4364549"/>
-            <a:ext cx="1513852" cy="393873"/>
-          </a:xfrm>
-          <a:prstGeom prst="rect">
-            <a:avLst/>
-          </a:prstGeom>
-        </p:spPr>
-        <p:style>
-          <a:lnRef idx="2">
-            <a:schemeClr val="accent1">
-              <a:shade val="15000"/>
-            </a:schemeClr>
-          </a:lnRef>
-          <a:fillRef idx="1">
-            <a:schemeClr val="accent1"/>
-          </a:fillRef>
-          <a:effectRef idx="0">
-            <a:schemeClr val="accent1"/>
-          </a:effectRef>
-          <a:fontRef idx="minor">
-            <a:schemeClr val="lt1"/>
-          </a:fontRef>
-        </p:style>
-        <p:txBody>
-          <a:bodyPr rtlCol="0" anchor="ctr"/>
-          <a:lstStyle/>
-          <a:p>
-            <a:pPr algn="ctr"/>
-            <a:r>
-              <a:rPr lang="en-US" dirty="0"/>
-              <a:t>Var: Title</a:t>
-            </a:r>
-          </a:p>
-        </p:txBody>
-      </p:sp>
-      <p:sp>
-        <p:nvSpPr>
-          <p:cNvPr id="29" name="Rectangle 28">
-            <a:extLst>
-              <a:ext uri="{FF2B5EF4-FFF2-40B4-BE49-F238E27FC236}">
-                <a16:creationId xmlns:a16="http://schemas.microsoft.com/office/drawing/2014/main" id="{82022122-53CE-F702-DFF2-E259EF754DFA}"/>
-              </a:ext>
-            </a:extLst>
-          </p:cNvPr>
-          <p:cNvSpPr/>
-          <p:nvPr/>
-        </p:nvSpPr>
-        <p:spPr>
-          <a:xfrm>
-            <a:off x="3301941" y="4758422"/>
-            <a:ext cx="1513852" cy="393873"/>
-          </a:xfrm>
-          <a:prstGeom prst="rect">
-            <a:avLst/>
-          </a:prstGeom>
-        </p:spPr>
-        <p:style>
-          <a:lnRef idx="2">
-            <a:schemeClr val="accent1">
-              <a:shade val="15000"/>
-            </a:schemeClr>
-          </a:lnRef>
-          <a:fillRef idx="1">
-            <a:schemeClr val="accent1"/>
-          </a:fillRef>
-          <a:effectRef idx="0">
-            <a:schemeClr val="accent1"/>
-          </a:effectRef>
-          <a:fontRef idx="minor">
-            <a:schemeClr val="lt1"/>
-          </a:fontRef>
-        </p:style>
-        <p:txBody>
-          <a:bodyPr rtlCol="0" anchor="ctr"/>
-          <a:lstStyle/>
-          <a:p>
-            <a:pPr algn="ctr"/>
-            <a:r>
-              <a:rPr lang="en-US" dirty="0"/>
-              <a:t>Var: ID</a:t>
-            </a:r>
-          </a:p>
-        </p:txBody>
-      </p:sp>
-      <p:sp>
-        <p:nvSpPr>
-          <p:cNvPr id="31" name="TextBox 30">
-            <a:extLst>
-              <a:ext uri="{FF2B5EF4-FFF2-40B4-BE49-F238E27FC236}">
-                <a16:creationId xmlns:a16="http://schemas.microsoft.com/office/drawing/2014/main" id="{93146383-4D97-18B1-2C1D-5286A1625F0B}"/>
-              </a:ext>
-            </a:extLst>
-          </p:cNvPr>
-          <p:cNvSpPr txBox="1"/>
-          <p:nvPr/>
-        </p:nvSpPr>
-        <p:spPr>
-          <a:xfrm>
-            <a:off x="8734472" y="3222928"/>
-            <a:ext cx="3104657" cy="2308324"/>
-          </a:xfrm>
-          <a:prstGeom prst="rect">
-            <a:avLst/>
-          </a:prstGeom>
-          <a:noFill/>
-        </p:spPr>
-        <p:txBody>
-          <a:bodyPr wrap="square">
-            <a:spAutoFit/>
-          </a:bodyPr>
-          <a:lstStyle/>
-          <a:p>
-            <a:r>
-              <a:rPr lang="en-US" dirty="0"/>
-              <a:t>----------------------------------------</a:t>
-            </a:r>
-          </a:p>
-          <a:p>
-            <a:r>
-              <a:rPr lang="en-US" dirty="0"/>
-              <a:t>[LAST NAME], [first name]</a:t>
-            </a:r>
-          </a:p>
-          <a:p>
-            <a:r>
-              <a:rPr lang="en-US" dirty="0"/>
-              <a:t>[Job title] </a:t>
-            </a:r>
-          </a:p>
-          <a:p>
-            <a:r>
-              <a:rPr lang="en-US" dirty="0"/>
-              <a:t>ID: [id number] </a:t>
-            </a:r>
-          </a:p>
-          <a:p>
-            <a:endParaRPr lang="en-US" dirty="0"/>
-          </a:p>
-          <a:p>
-            <a:r>
-              <a:rPr lang="en-US" dirty="0"/>
-              <a:t>[email address]</a:t>
-            </a:r>
-          </a:p>
-          <a:p>
-            <a:r>
-              <a:rPr lang="en-US" dirty="0"/>
-              <a:t>[phone number]</a:t>
-            </a:r>
-          </a:p>
-          <a:p>
-            <a:r>
-              <a:rPr lang="en-US" dirty="0"/>
-              <a:t>---------------------------------------- </a:t>
-            </a:r>
-          </a:p>
-        </p:txBody>
-      </p:sp>
-      <p:sp>
-        <p:nvSpPr>
-          <p:cNvPr id="32" name="Rectangle 31">
-            <a:extLst>
-              <a:ext uri="{FF2B5EF4-FFF2-40B4-BE49-F238E27FC236}">
-                <a16:creationId xmlns:a16="http://schemas.microsoft.com/office/drawing/2014/main" id="{BBFBBE15-7B4F-037E-62B4-AFB1DAB5F532}"/>
-              </a:ext>
-            </a:extLst>
-          </p:cNvPr>
-          <p:cNvSpPr/>
-          <p:nvPr/>
-        </p:nvSpPr>
-        <p:spPr>
-          <a:xfrm>
-            <a:off x="8303113" y="2936862"/>
-            <a:ext cx="1513852" cy="393873"/>
-          </a:xfrm>
-          <a:prstGeom prst="rect">
-            <a:avLst/>
-          </a:prstGeom>
-        </p:spPr>
-        <p:style>
-          <a:lnRef idx="2">
-            <a:schemeClr val="accent1">
-              <a:shade val="15000"/>
-            </a:schemeClr>
-          </a:lnRef>
-          <a:fillRef idx="1">
-            <a:schemeClr val="accent1"/>
-          </a:fillRef>
-          <a:effectRef idx="0">
-            <a:schemeClr val="accent1"/>
-          </a:effectRef>
-          <a:fontRef idx="minor">
-            <a:schemeClr val="lt1"/>
-          </a:fontRef>
-        </p:style>
-        <p:txBody>
-          <a:bodyPr rtlCol="0" anchor="ctr"/>
-          <a:lstStyle/>
-          <a:p>
-            <a:pPr algn="ctr"/>
-            <a:r>
-              <a:rPr lang="en-US" dirty="0"/>
-              <a:t>Print:</a:t>
-            </a:r>
           </a:p>
         </p:txBody>
       </p:sp>
     </p:spTree>
     <p:extLst>
       <p:ext uri="{BB962C8B-B14F-4D97-AF65-F5344CB8AC3E}">
-        <p14:creationId xmlns:p14="http://schemas.microsoft.com/office/powerpoint/2010/main" val="990694461"/>
+        <p14:creationId xmlns:p14="http://schemas.microsoft.com/office/powerpoint/2010/main" val="2598579925"/>
       </p:ext>
     </p:extLst>
   </p:cSld>
@@ -10389,7 +10419,7 @@
                                           </p:stCondLst>
                                         </p:cTn>
                                         <p:tgtEl>
-                                          <p:spTgt spid="3"/>
+                                          <p:spTgt spid="39"/>
                                         </p:tgtEl>
                                         <p:attrNameLst>
                                           <p:attrName>style.visibility</p:attrName>
@@ -10434,7 +10464,142 @@
                                           </p:stCondLst>
                                         </p:cTn>
                                         <p:tgtEl>
-                                          <p:spTgt spid="16"/>
+                                          <p:spTgt spid="19"/>
+                                        </p:tgtEl>
+                                        <p:attrNameLst>
+                                          <p:attrName>style.visibility</p:attrName>
+                                        </p:attrNameLst>
+                                      </p:cBhvr>
+                                      <p:to>
+                                        <p:strVal val="visible"/>
+                                      </p:to>
+                                    </p:set>
+                                  </p:childTnLst>
+                                </p:cTn>
+                              </p:par>
+                            </p:childTnLst>
+                          </p:cTn>
+                        </p:par>
+                      </p:childTnLst>
+                    </p:cTn>
+                  </p:par>
+                  <p:par>
+                    <p:cTn id="11" fill="hold">
+                      <p:stCondLst>
+                        <p:cond delay="indefinite"/>
+                      </p:stCondLst>
+                      <p:childTnLst>
+                        <p:par>
+                          <p:cTn id="12" fill="hold">
+                            <p:stCondLst>
+                              <p:cond delay="0"/>
+                            </p:stCondLst>
+                            <p:childTnLst>
+                              <p:par>
+                                <p:cTn id="13" presetID="1" presetClass="entr" presetSubtype="0" fill="hold" grpId="0" nodeType="clickEffect">
+                                  <p:stCondLst>
+                                    <p:cond delay="0"/>
+                                  </p:stCondLst>
+                                  <p:childTnLst>
+                                    <p:set>
+                                      <p:cBhvr>
+                                        <p:cTn id="14" dur="1" fill="hold">
+                                          <p:stCondLst>
+                                            <p:cond delay="0"/>
+                                          </p:stCondLst>
+                                        </p:cTn>
+                                        <p:tgtEl>
+                                          <p:spTgt spid="20"/>
+                                        </p:tgtEl>
+                                        <p:attrNameLst>
+                                          <p:attrName>style.visibility</p:attrName>
+                                        </p:attrNameLst>
+                                      </p:cBhvr>
+                                      <p:to>
+                                        <p:strVal val="visible"/>
+                                      </p:to>
+                                    </p:set>
+                                  </p:childTnLst>
+                                </p:cTn>
+                              </p:par>
+                            </p:childTnLst>
+                          </p:cTn>
+                        </p:par>
+                      </p:childTnLst>
+                    </p:cTn>
+                  </p:par>
+                  <p:par>
+                    <p:cTn id="15" fill="hold">
+                      <p:stCondLst>
+                        <p:cond delay="indefinite"/>
+                      </p:stCondLst>
+                      <p:childTnLst>
+                        <p:par>
+                          <p:cTn id="16" fill="hold">
+                            <p:stCondLst>
+                              <p:cond delay="0"/>
+                            </p:stCondLst>
+                            <p:childTnLst>
+                              <p:par>
+                                <p:cTn id="17" presetID="1" presetClass="entr" presetSubtype="0" fill="hold" nodeType="clickEffect">
+                                  <p:stCondLst>
+                                    <p:cond delay="0"/>
+                                  </p:stCondLst>
+                                  <p:childTnLst>
+                                    <p:set>
+                                      <p:cBhvr>
+                                        <p:cTn id="18" dur="1" fill="hold">
+                                          <p:stCondLst>
+                                            <p:cond delay="0"/>
+                                          </p:stCondLst>
+                                        </p:cTn>
+                                        <p:tgtEl>
+                                          <p:spTgt spid="38"/>
+                                        </p:tgtEl>
+                                        <p:attrNameLst>
+                                          <p:attrName>style.visibility</p:attrName>
+                                        </p:attrNameLst>
+                                      </p:cBhvr>
+                                      <p:to>
+                                        <p:strVal val="visible"/>
+                                      </p:to>
+                                    </p:set>
+                                  </p:childTnLst>
+                                </p:cTn>
+                              </p:par>
+                            </p:childTnLst>
+                          </p:cTn>
+                        </p:par>
+                      </p:childTnLst>
+                    </p:cTn>
+                  </p:par>
+                  <p:par>
+                    <p:cTn id="19" fill="hold">
+                      <p:stCondLst>
+                        <p:cond delay="indefinite"/>
+                      </p:stCondLst>
+                      <p:childTnLst>
+                        <p:par>
+                          <p:cTn id="20" fill="hold">
+                            <p:stCondLst>
+                              <p:cond delay="0"/>
+                            </p:stCondLst>
+                            <p:childTnLst>
+                              <p:par>
+                                <p:cTn id="21" presetID="1" presetClass="entr" presetSubtype="0" fill="hold" grpId="0" nodeType="clickEffect">
+                                  <p:stCondLst>
+                                    <p:cond delay="0"/>
+                                  </p:stCondLst>
+                                  <p:childTnLst>
+                                    <p:set>
+                                      <p:cBhvr>
+                                        <p:cTn id="22" dur="1" fill="hold">
+                                          <p:stCondLst>
+                                            <p:cond delay="0"/>
+                                          </p:stCondLst>
+                                        </p:cTn>
+                                        <p:tgtEl>
+                                          <p:spTgt spid="21"/>
                                         </p:tgtEl>
                                         <p:attrNameLst>
                                           <p:attrName>style.visibility</p:attrName>
@@ -10475,13 +10640,15 @@
       </p:par>
     </p:tnLst>
     <p:bldLst>
-      <p:bldP spid="16" grpId="0"/>
+      <p:bldP spid="19" grpId="0" animBg="1"/>
+      <p:bldP spid="20" grpId="0" animBg="1"/>
+      <p:bldP spid="21" grpId="0" animBg="1"/>
     </p:bldLst>
   </p:timing>
 </p:sld>
 </file>
 
-<file path=ppt/slides/slide15.xml><?xml version="1.0" encoding="utf-8"?>
+<file path=ppt/slides/slide14.xml><?xml version="1.0" encoding="utf-8"?>
 <p:sld xmlns:a="http://schemas.openxmlformats.org/drawingml/2006/main" xmlns:r="http://schemas.openxmlformats.org/officeDocument/2006/relationships" xmlns:p="http://schemas.openxmlformats.org/presentationml/2006/main">
   <p:cSld>
     <p:spTree>
@@ -12170,7 +12337,7 @@
 </p:sld>
 </file>
 
-<file path=ppt/slides/slide16.xml><?xml version="1.0" encoding="utf-8"?>
+<file path=ppt/slides/slide15.xml><?xml version="1.0" encoding="utf-8"?>
 <p:sld xmlns:a="http://schemas.openxmlformats.org/drawingml/2006/main" xmlns:r="http://schemas.openxmlformats.org/officeDocument/2006/relationships" xmlns:p="http://schemas.openxmlformats.org/presentationml/2006/main">
   <p:cSld>
     <p:spTree>
@@ -13003,8 +13170,8 @@
 </p:sld>
 </file>
 
-<file path=ppt/slides/slide17.xml><?xml version="1.0" encoding="utf-8"?>
-<p:sld xmlns:a="http://schemas.openxmlformats.org/drawingml/2006/main" xmlns:r="http://schemas.openxmlformats.org/officeDocument/2006/relationships" xmlns:p="http://schemas.openxmlformats.org/presentationml/2006/main">
+<file path=ppt/slides/slide16.xml><?xml version="1.0" encoding="utf-8"?>
+<p:sld xmlns:a="http://schemas.openxmlformats.org/drawingml/2006/main" xmlns:r="http://schemas.openxmlformats.org/officeDocument/2006/relationships" xmlns:p="http://schemas.openxmlformats.org/presentationml/2006/main" show="0">
   <p:cSld>
     <p:spTree>
       <p:nvGrpSpPr>
@@ -13531,7 +13698,7 @@
 </p:sld>
 </file>
 
-<file path=ppt/slides/slide18.xml><?xml version="1.0" encoding="utf-8"?>
+<file path=ppt/slides/slide17.xml><?xml version="1.0" encoding="utf-8"?>
 <p:sld xmlns:a="http://schemas.openxmlformats.org/drawingml/2006/main" xmlns:r="http://schemas.openxmlformats.org/officeDocument/2006/relationships" xmlns:p="http://schemas.openxmlformats.org/presentationml/2006/main">
   <p:cSld>
     <p:spTree>
@@ -14284,7 +14451,7 @@
 </p:sld>
 </file>
 
-<file path=ppt/slides/slide19.xml><?xml version="1.0" encoding="utf-8"?>
+<file path=ppt/slides/slide18.xml><?xml version="1.0" encoding="utf-8"?>
 <p:sld xmlns:a="http://schemas.openxmlformats.org/drawingml/2006/main" xmlns:r="http://schemas.openxmlformats.org/officeDocument/2006/relationships" xmlns:p="http://schemas.openxmlformats.org/presentationml/2006/main">
   <p:cSld>
     <p:spTree>
@@ -15128,6 +15295,288 @@
             <a:r>
               <a:rPr lang="en-US" dirty="0"/>
               <a:t>Print:</a:t>
+            </a:r>
+          </a:p>
+        </p:txBody>
+      </p:sp>
+      <p:sp>
+        <p:nvSpPr>
+          <p:cNvPr id="19" name="TextBox 18">
+            <a:extLst>
+              <a:ext uri="{FF2B5EF4-FFF2-40B4-BE49-F238E27FC236}">
+                <a16:creationId xmlns:a16="http://schemas.microsoft.com/office/drawing/2014/main" id="{34E0F77E-6E3F-1FAD-A290-DD8AA0F43546}"/>
+              </a:ext>
+            </a:extLst>
+          </p:cNvPr>
+          <p:cNvSpPr txBox="1"/>
+          <p:nvPr/>
+        </p:nvSpPr>
+        <p:spPr>
+          <a:xfrm>
+            <a:off x="779246" y="2984791"/>
+            <a:ext cx="1975221" cy="923330"/>
+          </a:xfrm>
+          <a:prstGeom prst="rect">
+            <a:avLst/>
+          </a:prstGeom>
+        </p:spPr>
+        <p:style>
+          <a:lnRef idx="3">
+            <a:schemeClr val="lt1"/>
+          </a:lnRef>
+          <a:fillRef idx="1">
+            <a:schemeClr val="accent5"/>
+          </a:fillRef>
+          <a:effectRef idx="1">
+            <a:schemeClr val="accent5"/>
+          </a:effectRef>
+          <a:fontRef idx="minor">
+            <a:schemeClr val="lt1"/>
+          </a:fontRef>
+        </p:style>
+        <p:txBody>
+          <a:bodyPr wrap="none" rtlCol="0">
+            <a:spAutoFit/>
+          </a:bodyPr>
+          <a:lstStyle/>
+          <a:p>
+            <a:r>
+              <a:rPr lang="en-US" dirty="0"/>
+              <a:t>input(“adjective</a:t>
+            </a:r>
+            <a:r>
+              <a:rPr lang="en-US" dirty="0">
+                <a:sym typeface="Wingdings" pitchFamily="2" charset="2"/>
+              </a:rPr>
+              <a:t>: “)</a:t>
+            </a:r>
+          </a:p>
+          <a:p>
+            <a:r>
+              <a:rPr lang="en-US" dirty="0">
+                <a:sym typeface="Wingdings" pitchFamily="2" charset="2"/>
+              </a:rPr>
+              <a:t>input(“animal: “)</a:t>
+            </a:r>
+          </a:p>
+          <a:p>
+            <a:r>
+              <a:rPr lang="en-US" dirty="0">
+                <a:sym typeface="Wingdings" pitchFamily="2" charset="2"/>
+              </a:rPr>
+              <a:t>….</a:t>
+            </a:r>
+            <a:endParaRPr lang="en-US" dirty="0"/>
+          </a:p>
+        </p:txBody>
+      </p:sp>
+      <p:sp>
+        <p:nvSpPr>
+          <p:cNvPr id="20" name="TextBox 19">
+            <a:extLst>
+              <a:ext uri="{FF2B5EF4-FFF2-40B4-BE49-F238E27FC236}">
+                <a16:creationId xmlns:a16="http://schemas.microsoft.com/office/drawing/2014/main" id="{AB6797C0-D974-BA10-4BE1-2A4637AFAC7A}"/>
+              </a:ext>
+            </a:extLst>
+          </p:cNvPr>
+          <p:cNvSpPr txBox="1"/>
+          <p:nvPr/>
+        </p:nvSpPr>
+        <p:spPr>
+          <a:xfrm>
+            <a:off x="3796698" y="4846251"/>
+            <a:ext cx="3038011" cy="923330"/>
+          </a:xfrm>
+          <a:prstGeom prst="rect">
+            <a:avLst/>
+          </a:prstGeom>
+        </p:spPr>
+        <p:style>
+          <a:lnRef idx="3">
+            <a:schemeClr val="lt1"/>
+          </a:lnRef>
+          <a:fillRef idx="1">
+            <a:schemeClr val="accent5"/>
+          </a:fillRef>
+          <a:effectRef idx="1">
+            <a:schemeClr val="accent5"/>
+          </a:effectRef>
+          <a:fontRef idx="minor">
+            <a:schemeClr val="lt1"/>
+          </a:fontRef>
+        </p:style>
+        <p:txBody>
+          <a:bodyPr wrap="none" rtlCol="0">
+            <a:spAutoFit/>
+          </a:bodyPr>
+          <a:lstStyle/>
+          <a:p>
+            <a:r>
+              <a:rPr lang="en-US" dirty="0"/>
+              <a:t>adjective = input(“adjective</a:t>
+            </a:r>
+            <a:r>
+              <a:rPr lang="en-US" dirty="0">
+                <a:sym typeface="Wingdings" pitchFamily="2" charset="2"/>
+              </a:rPr>
+              <a:t>: “)</a:t>
+            </a:r>
+          </a:p>
+          <a:p>
+            <a:r>
+              <a:rPr lang="en-US" dirty="0">
+                <a:sym typeface="Wingdings" pitchFamily="2" charset="2"/>
+              </a:rPr>
+              <a:t>animal  = input(“animal: “)</a:t>
+            </a:r>
+          </a:p>
+          <a:p>
+            <a:r>
+              <a:rPr lang="en-US" dirty="0">
+                <a:sym typeface="Wingdings" pitchFamily="2" charset="2"/>
+              </a:rPr>
+              <a:t>….</a:t>
+            </a:r>
+            <a:endParaRPr lang="en-US" dirty="0"/>
+          </a:p>
+        </p:txBody>
+      </p:sp>
+      <p:sp>
+        <p:nvSpPr>
+          <p:cNvPr id="21" name="TextBox 20">
+            <a:extLst>
+              <a:ext uri="{FF2B5EF4-FFF2-40B4-BE49-F238E27FC236}">
+                <a16:creationId xmlns:a16="http://schemas.microsoft.com/office/drawing/2014/main" id="{FB626F56-D1A9-FC61-4168-D1C6DBCE5418}"/>
+              </a:ext>
+            </a:extLst>
+          </p:cNvPr>
+          <p:cNvSpPr txBox="1"/>
+          <p:nvPr/>
+        </p:nvSpPr>
+        <p:spPr>
+          <a:xfrm>
+            <a:off x="8078190" y="3945861"/>
+            <a:ext cx="4156396" cy="2031325"/>
+          </a:xfrm>
+          <a:prstGeom prst="rect">
+            <a:avLst/>
+          </a:prstGeom>
+        </p:spPr>
+        <p:style>
+          <a:lnRef idx="3">
+            <a:schemeClr val="lt1"/>
+          </a:lnRef>
+          <a:fillRef idx="1">
+            <a:schemeClr val="accent5"/>
+          </a:fillRef>
+          <a:effectRef idx="1">
+            <a:schemeClr val="accent5"/>
+          </a:effectRef>
+          <a:fontRef idx="minor">
+            <a:schemeClr val="lt1"/>
+          </a:fontRef>
+        </p:style>
+        <p:txBody>
+          <a:bodyPr wrap="square" rtlCol="0">
+            <a:spAutoFit/>
+          </a:bodyPr>
+          <a:lstStyle/>
+          <a:p>
+            <a:r>
+              <a:rPr lang="en-US" dirty="0"/>
+              <a:t>print(“The other day, I was really ”</a:t>
+            </a:r>
+            <a:r>
+              <a:rPr lang="en-US" dirty="0">
+                <a:solidFill>
+                  <a:srgbClr val="FFFF00"/>
+                </a:solidFill>
+              </a:rPr>
+              <a:t>+</a:t>
+            </a:r>
+          </a:p>
+          <a:p>
+            <a:r>
+              <a:rPr lang="en-US" dirty="0"/>
+              <a:t>          “in trouble. It all started when I”+</a:t>
+            </a:r>
+          </a:p>
+          <a:p>
+            <a:r>
+              <a:rPr lang="en-US" dirty="0"/>
+              <a:t> 	“a very </a:t>
+            </a:r>
+            <a:r>
+              <a:rPr lang="en-US" dirty="0">
+                <a:solidFill>
+                  <a:srgbClr val="FFFF00"/>
+                </a:solidFill>
+              </a:rPr>
+              <a:t>\n</a:t>
+            </a:r>
+            <a:r>
+              <a:rPr lang="en-US" dirty="0"/>
+              <a:t>”);</a:t>
+            </a:r>
+          </a:p>
+          <a:p>
+            <a:r>
+              <a:rPr lang="en-US" dirty="0"/>
+              <a:t>print(</a:t>
+            </a:r>
+            <a:r>
+              <a:rPr lang="en-US" dirty="0">
+                <a:solidFill>
+                  <a:srgbClr val="FFFF00"/>
+                </a:solidFill>
+              </a:rPr>
+              <a:t>f</a:t>
+            </a:r>
+            <a:r>
+              <a:rPr lang="en-US" dirty="0"/>
+              <a:t>”{adjective} {animal} down the”+</a:t>
+            </a:r>
+          </a:p>
+          <a:p>
+            <a:r>
+              <a:rPr lang="en-US" dirty="0"/>
+              <a:t>	“hallway. “);</a:t>
+            </a:r>
+          </a:p>
+          <a:p>
+            <a:r>
+              <a:rPr lang="en-US" dirty="0"/>
+              <a:t>print(</a:t>
+            </a:r>
+            <a:r>
+              <a:rPr lang="en-US" dirty="0">
+                <a:solidFill>
+                  <a:srgbClr val="FFFF00"/>
+                </a:solidFill>
+              </a:rPr>
+              <a:t>“\</a:t>
+            </a:r>
+            <a:r>
+              <a:rPr lang="en-US" dirty="0"/>
+              <a:t>”{}!</a:t>
+            </a:r>
+            <a:r>
+              <a:rPr lang="en-US" dirty="0">
+                <a:solidFill>
+                  <a:srgbClr val="FFFF00"/>
+                </a:solidFill>
+              </a:rPr>
+              <a:t>\”</a:t>
+            </a:r>
+            <a:r>
+              <a:rPr lang="en-US" dirty="0"/>
+              <a:t> I yelled. ”.format(exclaimed))</a:t>
+            </a:r>
+          </a:p>
+          <a:p>
+            <a:r>
+              <a:rPr lang="en-US" dirty="0"/>
+              <a:t>print(“But all\n I could….</a:t>
             </a:r>
           </a:p>
         </p:txBody>
@@ -15176,7 +15625,7 @@
                                           </p:stCondLst>
                                         </p:cTn>
                                         <p:tgtEl>
-                                          <p:spTgt spid="11"/>
+                                          <p:spTgt spid="19"/>
                                         </p:tgtEl>
                                         <p:attrNameLst>
                                           <p:attrName>style.visibility</p:attrName>
@@ -15208,27 +15657,35 @@
                             </p:stCondLst>
                             <p:childTnLst>
                               <p:par>
-                                <p:cTn id="9" presetID="1" presetClass="entr" presetSubtype="0" fill="hold" grpId="0" nodeType="clickEffect">
+                                <p:cTn id="9" presetID="3" presetClass="exit" presetSubtype="10" fill="hold" nodeType="clickEffect">
                                   <p:stCondLst>
                                     <p:cond delay="0"/>
                                   </p:stCondLst>
                                   <p:childTnLst>
+                                    <p:animEffect transition="out" filter="blinds(horizontal)">
+                                      <p:cBhvr>
+                                        <p:cTn id="10" dur="500"/>
+                                        <p:tgtEl>
+                                          <p:spTgt spid="14"/>
+                                        </p:tgtEl>
+                                      </p:cBhvr>
+                                    </p:animEffect>
                                     <p:set>
                                       <p:cBhvr>
-                                        <p:cTn id="10" dur="1" fill="hold">
+                                        <p:cTn id="11" dur="1" fill="hold">
                                           <p:stCondLst>
-                                            <p:cond delay="0"/>
+                                            <p:cond delay="499"/>
                                           </p:stCondLst>
                                         </p:cTn>
                                         <p:tgtEl>
-                                          <p:spTgt spid="13"/>
+                                          <p:spTgt spid="14"/>
                                         </p:tgtEl>
                                         <p:attrNameLst>
                                           <p:attrName>style.visibility</p:attrName>
                                         </p:attrNameLst>
                                       </p:cBhvr>
                                       <p:to>
-                                        <p:strVal val="visible"/>
+                                        <p:strVal val="hidden"/>
                                       </p:to>
                                     </p:set>
                                   </p:childTnLst>
@@ -15241,39 +15698,47 @@
                     </p:cTn>
                   </p:par>
                   <p:par>
-                    <p:cTn id="11" fill="hold">
+                    <p:cTn id="12" fill="hold">
                       <p:stCondLst>
                         <p:cond delay="indefinite"/>
                       </p:stCondLst>
                       <p:childTnLst>
                         <p:par>
-                          <p:cTn id="12" fill="hold">
+                          <p:cTn id="13" fill="hold">
                             <p:stCondLst>
                               <p:cond delay="0"/>
                             </p:stCondLst>
                             <p:childTnLst>
                               <p:par>
-                                <p:cTn id="13" presetID="1" presetClass="entr" presetSubtype="0" fill="hold" grpId="0" nodeType="clickEffect">
+                                <p:cTn id="14" presetID="10" presetClass="exit" presetSubtype="0" fill="hold" grpId="1" nodeType="clickEffect">
                                   <p:stCondLst>
                                     <p:cond delay="0"/>
                                   </p:stCondLst>
                                   <p:childTnLst>
+                                    <p:animEffect transition="out" filter="fade">
+                                      <p:cBhvr>
+                                        <p:cTn id="15" dur="500"/>
+                                        <p:tgtEl>
+                                          <p:spTgt spid="19"/>
+                                        </p:tgtEl>
+                                      </p:cBhvr>
+                                    </p:animEffect>
                                     <p:set>
                                       <p:cBhvr>
-                                        <p:cTn id="14" dur="1" fill="hold">
+                                        <p:cTn id="16" dur="1" fill="hold">
                                           <p:stCondLst>
-                                            <p:cond delay="0"/>
+                                            <p:cond delay="499"/>
                                           </p:stCondLst>
                                         </p:cTn>
                                         <p:tgtEl>
-                                          <p:spTgt spid="15"/>
+                                          <p:spTgt spid="19"/>
                                         </p:tgtEl>
                                         <p:attrNameLst>
                                           <p:attrName>style.visibility</p:attrName>
                                         </p:attrNameLst>
                                       </p:cBhvr>
                                       <p:to>
-                                        <p:strVal val="visible"/>
+                                        <p:strVal val="hidden"/>
                                       </p:to>
                                     </p:set>
                                   </p:childTnLst>
@@ -15286,32 +15751,32 @@
                     </p:cTn>
                   </p:par>
                   <p:par>
-                    <p:cTn id="15" fill="hold">
+                    <p:cTn id="17" fill="hold">
                       <p:stCondLst>
                         <p:cond delay="indefinite"/>
                       </p:stCondLst>
                       <p:childTnLst>
                         <p:par>
-                          <p:cTn id="16" fill="hold">
+                          <p:cTn id="18" fill="hold">
                             <p:stCondLst>
                               <p:cond delay="0"/>
                             </p:stCondLst>
                             <p:childTnLst>
                               <p:par>
-                                <p:cTn id="17" presetID="2" presetClass="entr" presetSubtype="4" fill="hold" grpId="0" nodeType="clickEffect">
+                                <p:cTn id="19" presetID="1" presetClass="entr" presetSubtype="0" fill="hold" grpId="0" nodeType="clickEffect">
                                   <p:stCondLst>
                                     <p:cond delay="0"/>
                                   </p:stCondLst>
                                   <p:childTnLst>
                                     <p:set>
                                       <p:cBhvr>
-                                        <p:cTn id="18" dur="1" fill="hold">
+                                        <p:cTn id="20" dur="1" fill="hold">
                                           <p:stCondLst>
                                             <p:cond delay="0"/>
                                           </p:stCondLst>
                                         </p:cTn>
                                         <p:tgtEl>
-                                          <p:spTgt spid="3"/>
+                                          <p:spTgt spid="20"/>
                                         </p:tgtEl>
                                         <p:attrNameLst>
                                           <p:attrName>style.visibility</p:attrName>
@@ -15321,52 +15786,6 @@
                                         <p:strVal val="visible"/>
                                       </p:to>
                                     </p:set>
-                                    <p:anim calcmode="lin" valueType="num">
-                                      <p:cBhvr additive="base">
-                                        <p:cTn id="19" dur="500" fill="hold"/>
-                                        <p:tgtEl>
-                                          <p:spTgt spid="3"/>
-                                        </p:tgtEl>
-                                        <p:attrNameLst>
-                                          <p:attrName>ppt_x</p:attrName>
-                                        </p:attrNameLst>
-                                      </p:cBhvr>
-                                      <p:tavLst>
-                                        <p:tav tm="0">
-                                          <p:val>
-                                            <p:strVal val="#ppt_x"/>
-                                          </p:val>
-                                        </p:tav>
-                                        <p:tav tm="100000">
-                                          <p:val>
-                                            <p:strVal val="#ppt_x"/>
-                                          </p:val>
-                                        </p:tav>
-                                      </p:tavLst>
-                                    </p:anim>
-                                    <p:anim calcmode="lin" valueType="num">
-                                      <p:cBhvr additive="base">
-                                        <p:cTn id="20" dur="500" fill="hold"/>
-                                        <p:tgtEl>
-                                          <p:spTgt spid="3"/>
-                                        </p:tgtEl>
-                                        <p:attrNameLst>
-                                          <p:attrName>ppt_y</p:attrName>
-                                        </p:attrNameLst>
-                                      </p:cBhvr>
-                                      <p:tavLst>
-                                        <p:tav tm="0">
-                                          <p:val>
-                                            <p:strVal val="1+#ppt_h/2"/>
-                                          </p:val>
-                                        </p:tav>
-                                        <p:tav tm="100000">
-                                          <p:val>
-                                            <p:strVal val="#ppt_y"/>
-                                          </p:val>
-                                        </p:tav>
-                                      </p:tavLst>
-                                    </p:anim>
                                   </p:childTnLst>
                                 </p:cTn>
                               </p:par>
@@ -15389,20 +15808,73 @@
                             </p:stCondLst>
                             <p:childTnLst>
                               <p:par>
-                                <p:cTn id="23" presetID="1" presetClass="entr" presetSubtype="0" fill="hold" nodeType="clickEffect">
+                                <p:cTn id="23" presetID="14" presetClass="exit" presetSubtype="10" fill="hold" grpId="0" nodeType="clickEffect">
+                                  <p:stCondLst>
+                                    <p:cond delay="0"/>
+                                  </p:stCondLst>
+                                  <p:childTnLst>
+                                    <p:animEffect transition="out" filter="randombar(horizontal)">
+                                      <p:cBhvr>
+                                        <p:cTn id="24" dur="500"/>
+                                        <p:tgtEl>
+                                          <p:spTgt spid="3"/>
+                                        </p:tgtEl>
+                                      </p:cBhvr>
+                                    </p:animEffect>
+                                    <p:set>
+                                      <p:cBhvr>
+                                        <p:cTn id="25" dur="1" fill="hold">
+                                          <p:stCondLst>
+                                            <p:cond delay="499"/>
+                                          </p:stCondLst>
+                                        </p:cTn>
+                                        <p:tgtEl>
+                                          <p:spTgt spid="3"/>
+                                        </p:tgtEl>
+                                        <p:attrNameLst>
+                                          <p:attrName>style.visibility</p:attrName>
+                                        </p:attrNameLst>
+                                      </p:cBhvr>
+                                      <p:to>
+                                        <p:strVal val="hidden"/>
+                                      </p:to>
+                                    </p:set>
+                                  </p:childTnLst>
+                                </p:cTn>
+                              </p:par>
+                            </p:childTnLst>
+                          </p:cTn>
+                        </p:par>
+                      </p:childTnLst>
+                    </p:cTn>
+                  </p:par>
+                  <p:par>
+                    <p:cTn id="26" fill="hold">
+                      <p:stCondLst>
+                        <p:cond delay="indefinite"/>
+                      </p:stCondLst>
+                      <p:childTnLst>
+                        <p:par>
+                          <p:cTn id="27" fill="hold">
+                            <p:stCondLst>
+                              <p:cond delay="0"/>
+                            </p:stCondLst>
+                            <p:childTnLst>
+                              <p:par>
+                                <p:cTn id="28" presetID="1" presetClass="entr" presetSubtype="0" fill="hold" grpId="0" nodeType="clickEffect">
                                   <p:stCondLst>
                                     <p:cond delay="0"/>
                                   </p:stCondLst>
                                   <p:childTnLst>
                                     <p:set>
                                       <p:cBhvr>
-                                        <p:cTn id="24" dur="1" fill="hold">
+                                        <p:cTn id="29" dur="1" fill="hold">
                                           <p:stCondLst>
                                             <p:cond delay="0"/>
                                           </p:stCondLst>
                                         </p:cTn>
                                         <p:tgtEl>
-                                          <p:spTgt spid="14"/>
+                                          <p:spTgt spid="21"/>
                                         </p:tgtEl>
                                         <p:attrNameLst>
                                           <p:attrName>style.visibility</p:attrName>
@@ -15443,12 +15915,208 @@
       </p:par>
     </p:tnLst>
     <p:bldLst>
-      <p:bldP spid="11" grpId="0"/>
-      <p:bldP spid="13" grpId="0"/>
-      <p:bldP spid="15" grpId="0"/>
       <p:bldP spid="3" grpId="0" animBg="1"/>
+      <p:bldP spid="19" grpId="0"/>
+      <p:bldP spid="19" grpId="1"/>
+      <p:bldP spid="20" grpId="0"/>
+      <p:bldP spid="21" grpId="0"/>
     </p:bldLst>
   </p:timing>
+</p:sld>
+</file>
+
+<file path=ppt/slides/slide19.xml><?xml version="1.0" encoding="utf-8"?>
+<p:sld xmlns:a="http://schemas.openxmlformats.org/drawingml/2006/main" xmlns:r="http://schemas.openxmlformats.org/officeDocument/2006/relationships" xmlns:p="http://schemas.openxmlformats.org/presentationml/2006/main">
+  <p:cSld>
+    <p:spTree>
+      <p:nvGrpSpPr>
+        <p:cNvPr id="1" name=""/>
+        <p:cNvGrpSpPr/>
+        <p:nvPr/>
+      </p:nvGrpSpPr>
+      <p:grpSpPr>
+        <a:xfrm>
+          <a:off x="0" y="0"/>
+          <a:ext cx="0" cy="0"/>
+          <a:chOff x="0" y="0"/>
+          <a:chExt cx="0" cy="0"/>
+        </a:xfrm>
+      </p:grpSpPr>
+      <p:sp>
+        <p:nvSpPr>
+          <p:cNvPr id="4" name="Title 3">
+            <a:extLst>
+              <a:ext uri="{FF2B5EF4-FFF2-40B4-BE49-F238E27FC236}">
+                <a16:creationId xmlns:a16="http://schemas.microsoft.com/office/drawing/2014/main" id="{00AE7D1B-8CEE-CB54-C776-8AEC85D52BAF}"/>
+              </a:ext>
+            </a:extLst>
+          </p:cNvPr>
+          <p:cNvSpPr>
+            <a:spLocks noGrp="1"/>
+          </p:cNvSpPr>
+          <p:nvPr>
+            <p:ph type="title"/>
+          </p:nvPr>
+        </p:nvSpPr>
+        <p:spPr/>
+        <p:txBody>
+          <a:bodyPr/>
+          <a:lstStyle/>
+          <a:p>
+            <a:r>
+              <a:rPr lang="en-US" dirty="0"/>
+              <a:t>Submission</a:t>
+            </a:r>
+          </a:p>
+        </p:txBody>
+      </p:sp>
+      <p:sp>
+        <p:nvSpPr>
+          <p:cNvPr id="5" name="Content Placeholder 4">
+            <a:extLst>
+              <a:ext uri="{FF2B5EF4-FFF2-40B4-BE49-F238E27FC236}">
+                <a16:creationId xmlns:a16="http://schemas.microsoft.com/office/drawing/2014/main" id="{AE4FEB96-D96B-510F-6F19-C86547628B20}"/>
+              </a:ext>
+            </a:extLst>
+          </p:cNvPr>
+          <p:cNvSpPr>
+            <a:spLocks noGrp="1"/>
+          </p:cNvSpPr>
+          <p:nvPr>
+            <p:ph idx="1"/>
+          </p:nvPr>
+        </p:nvSpPr>
+        <p:spPr>
+          <a:xfrm>
+            <a:off x="838200" y="1825625"/>
+            <a:ext cx="9195148" cy="4351338"/>
+          </a:xfrm>
+        </p:spPr>
+        <p:txBody>
+          <a:bodyPr>
+            <a:normAutofit lnSpcReduction="10000"/>
+          </a:bodyPr>
+          <a:lstStyle/>
+          <a:p>
+            <a:r>
+              <a:rPr lang="en-US" dirty="0"/>
+              <a:t>Missing submission .xx, decimal of a grade, </a:t>
+            </a:r>
+            <a:r>
+              <a:rPr lang="en-US" dirty="0" err="1"/>
+              <a:t>coor</a:t>
+            </a:r>
+            <a:r>
+              <a:rPr lang="en-US" dirty="0"/>
+              <a:t>. 2 week</a:t>
+            </a:r>
+          </a:p>
+          <a:p>
+            <a:r>
+              <a:rPr lang="en-US" dirty="0"/>
+              <a:t>1 pts</a:t>
+            </a:r>
+          </a:p>
+          <a:p>
+            <a:pPr lvl="1"/>
+            <a:r>
+              <a:rPr lang="en-US" dirty="0"/>
+              <a:t>Wrong assignment</a:t>
+            </a:r>
+          </a:p>
+          <a:p>
+            <a:pPr lvl="1"/>
+            <a:r>
+              <a:rPr lang="en-US" dirty="0"/>
+              <a:t>Missing code comments</a:t>
+            </a:r>
+          </a:p>
+          <a:p>
+            <a:pPr lvl="2"/>
+            <a:r>
+              <a:rPr lang="en-US" dirty="0"/>
+              <a:t>Specifically name and date</a:t>
+            </a:r>
+          </a:p>
+          <a:p>
+            <a:endParaRPr lang="en-US" dirty="0"/>
+          </a:p>
+          <a:p>
+            <a:r>
+              <a:rPr lang="en-US" dirty="0"/>
+              <a:t>Auto 93% or 4, no comment </a:t>
+            </a:r>
+            <a:br>
+              <a:rPr lang="en-US" dirty="0"/>
+            </a:br>
+            <a:r>
+              <a:rPr lang="en-US" dirty="0"/>
+              <a:t>provided</a:t>
+            </a:r>
+          </a:p>
+          <a:p>
+            <a:r>
+              <a:rPr lang="en-US" dirty="0"/>
+              <a:t>100% requires 2</a:t>
+            </a:r>
+            <a:r>
+              <a:rPr lang="en-US" baseline="30000" dirty="0"/>
+              <a:t>nd</a:t>
+            </a:r>
+            <a:r>
+              <a:rPr lang="en-US" dirty="0"/>
+              <a:t> part: </a:t>
+            </a:r>
+            <a:br>
+              <a:rPr lang="en-US" dirty="0"/>
+            </a:br>
+            <a:r>
+              <a:rPr lang="en-US" dirty="0"/>
+              <a:t> self assessment and comment</a:t>
+            </a:r>
+          </a:p>
+        </p:txBody>
+      </p:sp>
+      <p:pic>
+        <p:nvPicPr>
+          <p:cNvPr id="3" name="Picture 2">
+            <a:extLst>
+              <a:ext uri="{FF2B5EF4-FFF2-40B4-BE49-F238E27FC236}">
+                <a16:creationId xmlns:a16="http://schemas.microsoft.com/office/drawing/2014/main" id="{3D03C5DC-26B1-16B8-1DCA-6615EB386B5E}"/>
+              </a:ext>
+            </a:extLst>
+          </p:cNvPr>
+          <p:cNvPicPr>
+            <a:picLocks noChangeAspect="1"/>
+          </p:cNvPicPr>
+          <p:nvPr/>
+        </p:nvPicPr>
+        <p:blipFill>
+          <a:blip r:embed="rId2"/>
+          <a:stretch>
+            <a:fillRect/>
+          </a:stretch>
+        </p:blipFill>
+        <p:spPr>
+          <a:xfrm>
+            <a:off x="6127126" y="2580362"/>
+            <a:ext cx="6064874" cy="3912513"/>
+          </a:xfrm>
+          <a:prstGeom prst="rect">
+            <a:avLst/>
+          </a:prstGeom>
+        </p:spPr>
+      </p:pic>
+    </p:spTree>
+    <p:extLst>
+      <p:ext uri="{BB962C8B-B14F-4D97-AF65-F5344CB8AC3E}">
+        <p14:creationId xmlns:p14="http://schemas.microsoft.com/office/powerpoint/2010/main" val="2968271127"/>
+      </p:ext>
+    </p:extLst>
+  </p:cSld>
+  <p:clrMapOvr>
+    <a:masterClrMapping/>
+  </p:clrMapOvr>
 </p:sld>
 </file>
 
@@ -15474,7 +16142,7 @@
           <p:cNvPr id="2" name="Title 1">
             <a:extLst>
               <a:ext uri="{FF2B5EF4-FFF2-40B4-BE49-F238E27FC236}">
-                <a16:creationId xmlns:a16="http://schemas.microsoft.com/office/drawing/2014/main" id="{F0E443DF-3230-4AA9-9732-7BD1406B5E40}"/>
+                <a16:creationId xmlns:a16="http://schemas.microsoft.com/office/drawing/2014/main" id="{6671733E-6C99-D16A-014A-664D1097FA44}"/>
               </a:ext>
             </a:extLst>
           </p:cNvPr>
@@ -15492,7 +16160,7 @@
           <a:p>
             <a:r>
               <a:rPr lang="en-US" dirty="0"/>
-              <a:t>Prepare</a:t>
+              <a:t>Welcome CSE Department</a:t>
             </a:r>
           </a:p>
         </p:txBody>
@@ -15502,7 +16170,7 @@
           <p:cNvPr id="3" name="Content Placeholder 2">
             <a:extLst>
               <a:ext uri="{FF2B5EF4-FFF2-40B4-BE49-F238E27FC236}">
-                <a16:creationId xmlns:a16="http://schemas.microsoft.com/office/drawing/2014/main" id="{D3F2A6F4-C934-4E91-8ACC-A01AE1BE9DDE}"/>
+                <a16:creationId xmlns:a16="http://schemas.microsoft.com/office/drawing/2014/main" id="{E9FEF114-40A2-1C02-C8A1-793EE9A5F42B}"/>
               </a:ext>
             </a:extLst>
           </p:cNvPr>
@@ -15510,7 +16178,7 @@
             <a:spLocks noGrp="1"/>
           </p:cNvSpPr>
           <p:nvPr>
-            <p:ph idx="1"/>
+            <p:ph sz="half" idx="1"/>
           </p:nvPr>
         </p:nvSpPr>
         <p:spPr/>
@@ -15520,56 +16188,43 @@
           <a:p>
             <a:r>
               <a:rPr lang="en-US" dirty="0"/>
-              <a:t>Kahoot Quiz</a:t>
-            </a:r>
-            <a:r>
-              <a:rPr lang="en-US"/>
-              <a:t>: </a:t>
-            </a:r>
-            <a:r>
-              <a:rPr lang="en-US" b="1"/>
-              <a:t>cse110-02-2</a:t>
-            </a:r>
+              <a:t>Upcoming Event:</a:t>
+            </a:r>
+          </a:p>
+          <a:p>
+            <a:pPr lvl="1"/>
             <a:endParaRPr lang="en-US" dirty="0"/>
           </a:p>
-        </p:txBody>
-      </p:sp>
-    </p:spTree>
-    <p:extLst>
-      <p:ext uri="{BB962C8B-B14F-4D97-AF65-F5344CB8AC3E}">
-        <p14:creationId xmlns:p14="http://schemas.microsoft.com/office/powerpoint/2010/main" val="1912232564"/>
-      </p:ext>
-    </p:extLst>
-  </p:cSld>
-  <p:clrMapOvr>
-    <a:masterClrMapping/>
-  </p:clrMapOvr>
-</p:sld>
-</file>
-
-<file path=ppt/slides/slide20.xml><?xml version="1.0" encoding="utf-8"?>
-<p:sld xmlns:a="http://schemas.openxmlformats.org/drawingml/2006/main" xmlns:r="http://schemas.openxmlformats.org/officeDocument/2006/relationships" xmlns:p="http://schemas.openxmlformats.org/presentationml/2006/main">
-  <p:cSld>
-    <p:spTree>
-      <p:nvGrpSpPr>
-        <p:cNvPr id="1" name=""/>
-        <p:cNvGrpSpPr/>
-        <p:nvPr/>
-      </p:nvGrpSpPr>
-      <p:grpSpPr>
-        <a:xfrm>
-          <a:off x="0" y="0"/>
-          <a:ext cx="0" cy="0"/>
-          <a:chOff x="0" y="0"/>
-          <a:chExt cx="0" cy="0"/>
-        </a:xfrm>
-      </p:grpSpPr>
-      <p:sp>
-        <p:nvSpPr>
-          <p:cNvPr id="4" name="Title 3">
-            <a:extLst>
-              <a:ext uri="{FF2B5EF4-FFF2-40B4-BE49-F238E27FC236}">
-                <a16:creationId xmlns:a16="http://schemas.microsoft.com/office/drawing/2014/main" id="{00AE7D1B-8CEE-CB54-C776-8AEC85D52BAF}"/>
+          <a:p>
+            <a:pPr lvl="1"/>
+            <a:r>
+              <a:rPr lang="en-US" dirty="0"/>
+              <a:t>Computer Society</a:t>
+            </a:r>
+          </a:p>
+          <a:p>
+            <a:pPr lvl="2"/>
+            <a:r>
+              <a:rPr lang="en-US" dirty="0"/>
+              <a:t>Wed 5:PM</a:t>
+            </a:r>
+          </a:p>
+          <a:p>
+            <a:pPr lvl="2"/>
+            <a:endParaRPr lang="en-US" dirty="0"/>
+          </a:p>
+          <a:p>
+            <a:pPr lvl="1"/>
+            <a:endParaRPr lang="en-US" dirty="0"/>
+          </a:p>
+        </p:txBody>
+      </p:sp>
+      <p:sp>
+        <p:nvSpPr>
+          <p:cNvPr id="4" name="Content Placeholder 3">
+            <a:extLst>
+              <a:ext uri="{FF2B5EF4-FFF2-40B4-BE49-F238E27FC236}">
+                <a16:creationId xmlns:a16="http://schemas.microsoft.com/office/drawing/2014/main" id="{A04882CA-60B9-48C9-FE8D-CAAF3F03E9B0}"/>
               </a:ext>
             </a:extLst>
           </p:cNvPr>
@@ -15577,7 +16232,7 @@
             <a:spLocks noGrp="1"/>
           </p:cNvSpPr>
           <p:nvPr>
-            <p:ph type="title"/>
+            <p:ph sz="half" idx="2"/>
           </p:nvPr>
         </p:nvSpPr>
         <p:spPr/>
@@ -15587,124 +16242,28 @@
           <a:p>
             <a:r>
               <a:rPr lang="en-US" dirty="0"/>
-              <a:t>Submission</a:t>
-            </a:r>
-          </a:p>
-        </p:txBody>
-      </p:sp>
-      <p:sp>
-        <p:nvSpPr>
-          <p:cNvPr id="5" name="Content Placeholder 4">
-            <a:extLst>
-              <a:ext uri="{FF2B5EF4-FFF2-40B4-BE49-F238E27FC236}">
-                <a16:creationId xmlns:a16="http://schemas.microsoft.com/office/drawing/2014/main" id="{AE4FEB96-D96B-510F-6F19-C86547628B20}"/>
-              </a:ext>
-            </a:extLst>
-          </p:cNvPr>
-          <p:cNvSpPr>
-            <a:spLocks noGrp="1"/>
-          </p:cNvSpPr>
-          <p:nvPr>
-            <p:ph idx="1"/>
-          </p:nvPr>
-        </p:nvSpPr>
-        <p:spPr>
-          <a:xfrm>
-            <a:off x="838200" y="1825625"/>
-            <a:ext cx="9195148" cy="4351338"/>
-          </a:xfrm>
-        </p:spPr>
-        <p:txBody>
-          <a:bodyPr>
-            <a:normAutofit lnSpcReduction="10000"/>
-          </a:bodyPr>
-          <a:lstStyle/>
-          <a:p>
-            <a:r>
-              <a:rPr lang="en-US" dirty="0"/>
-              <a:t>Missing submission .xx, decimal of a grade, </a:t>
-            </a:r>
-            <a:r>
-              <a:rPr lang="en-US" dirty="0" err="1"/>
-              <a:t>coor</a:t>
-            </a:r>
-            <a:r>
-              <a:rPr lang="en-US" dirty="0"/>
-              <a:t>. 2 week</a:t>
-            </a:r>
-          </a:p>
-          <a:p>
-            <a:r>
-              <a:rPr lang="en-US" dirty="0"/>
-              <a:t>1 pts</a:t>
+              <a:t>Tutoring Lab</a:t>
             </a:r>
           </a:p>
           <a:p>
             <a:pPr lvl="1"/>
             <a:r>
               <a:rPr lang="en-US" dirty="0"/>
-              <a:t>Wrong assignment</a:t>
-            </a:r>
-          </a:p>
-          <a:p>
-            <a:pPr lvl="1"/>
-            <a:r>
-              <a:rPr lang="en-US" dirty="0"/>
-              <a:t>Missing code comments</a:t>
-            </a:r>
-          </a:p>
-          <a:p>
-            <a:pPr lvl="2"/>
-            <a:r>
-              <a:rPr lang="en-US" dirty="0"/>
-              <a:t>Specifically name and date</a:t>
+              <a:t>Tues, Thurs, Fri - 3:30-6:30 pm - STC 201</a:t>
             </a:r>
           </a:p>
           <a:p>
             <a:endParaRPr lang="en-US" dirty="0"/>
-          </a:p>
-          <a:p>
-            <a:r>
-              <a:rPr lang="en-US" dirty="0"/>
-              <a:t>Auto 93% or 4, no comment </a:t>
-            </a:r>
-            <a:br>
-              <a:rPr lang="en-US" dirty="0"/>
-            </a:br>
-            <a:r>
-              <a:rPr lang="en-US" dirty="0"/>
-              <a:t>provided</a:t>
-            </a:r>
-          </a:p>
-          <a:p>
-            <a:r>
-              <a:rPr lang="en-US" dirty="0"/>
-              <a:t>100% requires 2</a:t>
-            </a:r>
-            <a:r>
-              <a:rPr lang="en-US" baseline="30000" dirty="0"/>
-              <a:t>nd</a:t>
-            </a:r>
-            <a:r>
-              <a:rPr lang="en-US" dirty="0"/>
-              <a:t> part: </a:t>
-            </a:r>
-            <a:br>
-              <a:rPr lang="en-US" dirty="0"/>
-            </a:br>
-            <a:r>
-              <a:rPr lang="en-US" dirty="0"/>
-              <a:t> self assessment and comment</a:t>
-            </a:r>
           </a:p>
         </p:txBody>
       </p:sp>
       <p:pic>
         <p:nvPicPr>
-          <p:cNvPr id="3" name="Picture 2">
-            <a:extLst>
-              <a:ext uri="{FF2B5EF4-FFF2-40B4-BE49-F238E27FC236}">
-                <a16:creationId xmlns:a16="http://schemas.microsoft.com/office/drawing/2014/main" id="{3D03C5DC-26B1-16B8-1DCA-6615EB386B5E}"/>
+          <p:cNvPr id="5" name="Picture 4">
+            <a:hlinkClick r:id="rId2"/>
+            <a:extLst>
+              <a:ext uri="{FF2B5EF4-FFF2-40B4-BE49-F238E27FC236}">
+                <a16:creationId xmlns:a16="http://schemas.microsoft.com/office/drawing/2014/main" id="{B43A0F58-A452-1C65-6D5E-6D572634F267}"/>
               </a:ext>
             </a:extLst>
           </p:cNvPr>
@@ -15714,25 +16273,153 @@
           <p:nvPr/>
         </p:nvPicPr>
         <p:blipFill>
-          <a:blip r:embed="rId2"/>
+          <a:blip r:embed="rId3"/>
           <a:stretch>
             <a:fillRect/>
           </a:stretch>
         </p:blipFill>
         <p:spPr>
           <a:xfrm>
-            <a:off x="6127126" y="2580362"/>
-            <a:ext cx="6064874" cy="3912513"/>
+            <a:off x="0" y="4012180"/>
+            <a:ext cx="2806700" cy="2857500"/>
           </a:xfrm>
           <a:prstGeom prst="rect">
             <a:avLst/>
           </a:prstGeom>
         </p:spPr>
       </p:pic>
+      <p:pic>
+        <p:nvPicPr>
+          <p:cNvPr id="6" name="Picture 5">
+            <a:extLst>
+              <a:ext uri="{FF2B5EF4-FFF2-40B4-BE49-F238E27FC236}">
+                <a16:creationId xmlns:a16="http://schemas.microsoft.com/office/drawing/2014/main" id="{737C2D08-2856-AE2B-3D28-FFAB205423C3}"/>
+              </a:ext>
+            </a:extLst>
+          </p:cNvPr>
+          <p:cNvPicPr>
+            <a:picLocks noChangeAspect="1"/>
+          </p:cNvPicPr>
+          <p:nvPr/>
+        </p:nvPicPr>
+        <p:blipFill>
+          <a:blip r:embed="rId4"/>
+          <a:stretch>
+            <a:fillRect/>
+          </a:stretch>
+        </p:blipFill>
+        <p:spPr>
+          <a:xfrm>
+            <a:off x="9647464" y="3429000"/>
+            <a:ext cx="2544536" cy="3269343"/>
+          </a:xfrm>
+          <a:prstGeom prst="rect">
+            <a:avLst/>
+          </a:prstGeom>
+        </p:spPr>
+      </p:pic>
+      <p:pic>
+        <p:nvPicPr>
+          <p:cNvPr id="7" name="Picture 6">
+            <a:extLst>
+              <a:ext uri="{FF2B5EF4-FFF2-40B4-BE49-F238E27FC236}">
+                <a16:creationId xmlns:a16="http://schemas.microsoft.com/office/drawing/2014/main" id="{2B4ED42F-E3C1-AF0D-9590-F8982690538B}"/>
+              </a:ext>
+            </a:extLst>
+          </p:cNvPr>
+          <p:cNvPicPr>
+            <a:picLocks noChangeAspect="1"/>
+          </p:cNvPicPr>
+          <p:nvPr/>
+        </p:nvPicPr>
+        <p:blipFill>
+          <a:blip r:embed="rId5"/>
+          <a:stretch>
+            <a:fillRect/>
+          </a:stretch>
+        </p:blipFill>
+        <p:spPr>
+          <a:xfrm>
+            <a:off x="6691907" y="3033863"/>
+            <a:ext cx="2913411" cy="3766457"/>
+          </a:xfrm>
+          <a:prstGeom prst="rect">
+            <a:avLst/>
+          </a:prstGeom>
+        </p:spPr>
+      </p:pic>
+      <p:pic>
+        <p:nvPicPr>
+          <p:cNvPr id="8" name="Picture 7">
+            <a:extLst>
+              <a:ext uri="{FF2B5EF4-FFF2-40B4-BE49-F238E27FC236}">
+                <a16:creationId xmlns:a16="http://schemas.microsoft.com/office/drawing/2014/main" id="{86013A05-F825-923C-9243-14D99BF042E7}"/>
+              </a:ext>
+            </a:extLst>
+          </p:cNvPr>
+          <p:cNvPicPr>
+            <a:picLocks noChangeAspect="1"/>
+          </p:cNvPicPr>
+          <p:nvPr/>
+        </p:nvPicPr>
+        <p:blipFill>
+          <a:blip r:embed="rId6"/>
+          <a:stretch>
+            <a:fillRect/>
+          </a:stretch>
+        </p:blipFill>
+        <p:spPr>
+          <a:xfrm>
+            <a:off x="3360815" y="4413013"/>
+            <a:ext cx="2849435" cy="1602807"/>
+          </a:xfrm>
+          <a:prstGeom prst="rect">
+            <a:avLst/>
+          </a:prstGeom>
+        </p:spPr>
+      </p:pic>
+      <p:sp>
+        <p:nvSpPr>
+          <p:cNvPr id="9" name="TextBox 8">
+            <a:extLst>
+              <a:ext uri="{FF2B5EF4-FFF2-40B4-BE49-F238E27FC236}">
+                <a16:creationId xmlns:a16="http://schemas.microsoft.com/office/drawing/2014/main" id="{0114C962-F023-567A-8F43-6CD6593B01A4}"/>
+              </a:ext>
+            </a:extLst>
+          </p:cNvPr>
+          <p:cNvSpPr txBox="1"/>
+          <p:nvPr/>
+        </p:nvSpPr>
+        <p:spPr>
+          <a:xfrm>
+            <a:off x="3717409" y="5876990"/>
+            <a:ext cx="3359796" cy="923330"/>
+          </a:xfrm>
+          <a:prstGeom prst="rect">
+            <a:avLst/>
+          </a:prstGeom>
+          <a:noFill/>
+        </p:spPr>
+        <p:txBody>
+          <a:bodyPr wrap="square">
+            <a:spAutoFit/>
+          </a:bodyPr>
+          <a:lstStyle/>
+          <a:p>
+            <a:r>
+              <a:rPr lang="en-US" sz="1800" b="1" dirty="0">
+                <a:effectLst/>
+              </a:rPr>
+              <a:t>BYU Idaho Spring Break 2024 Meeting - Wednesday, April 24, 2024 @7PM MST</a:t>
+            </a:r>
+            <a:endParaRPr lang="en-US" dirty="0"/>
+          </a:p>
+        </p:txBody>
+      </p:sp>
     </p:spTree>
     <p:extLst>
       <p:ext uri="{BB962C8B-B14F-4D97-AF65-F5344CB8AC3E}">
-        <p14:creationId xmlns:p14="http://schemas.microsoft.com/office/powerpoint/2010/main" val="2968271127"/>
+        <p14:creationId xmlns:p14="http://schemas.microsoft.com/office/powerpoint/2010/main" val="564117281"/>
       </p:ext>
     </p:extLst>
   </p:cSld>
